--- a/需求/7.24-7.30APP数据.pptx
+++ b/需求/7.24-7.30APP数据.pptx
@@ -5,7 +5,7 @@
     <p:sldMasterId id="2147483648" r:id="rId1"/>
   </p:sldMasterIdLst>
   <p:notesMasterIdLst>
-    <p:notesMasterId r:id="rId9"/>
+    <p:notesMasterId r:id="rId10"/>
   </p:notesMasterIdLst>
   <p:sldIdLst>
     <p:sldId id="256" r:id="rId2"/>
@@ -15,6 +15,7 @@
     <p:sldId id="272" r:id="rId6"/>
     <p:sldId id="273" r:id="rId7"/>
     <p:sldId id="265" r:id="rId8"/>
+    <p:sldId id="274" r:id="rId9"/>
   </p:sldIdLst>
   <p:sldSz cx="13004800" cy="9753600"/>
   <p:notesSz cx="6858000" cy="9144000"/>
@@ -2195,7 +2196,7 @@
           </a:ln>
           <a:extLst>
             <a:ext uri="{C572A759-6A51-4108-AA02-DFA0A04FC94B}">
-              <ma14:wrappingTextBoxFlag xmlns="" xmlns:ma14="http://schemas.microsoft.com/office/mac/drawingml/2011/main" val="1"/>
+              <ma14:wrappingTextBoxFlag xmlns:ma14="http://schemas.microsoft.com/office/mac/drawingml/2011/main" xmlns="" val="1"/>
             </a:ext>
           </a:extLst>
         </p:spPr>
@@ -2234,7 +2235,7 @@
           </a:ln>
           <a:extLst>
             <a:ext uri="{C572A759-6A51-4108-AA02-DFA0A04FC94B}">
-              <ma14:wrappingTextBoxFlag xmlns="" xmlns:ma14="http://schemas.microsoft.com/office/mac/drawingml/2011/main" val="1"/>
+              <ma14:wrappingTextBoxFlag xmlns:ma14="http://schemas.microsoft.com/office/mac/drawingml/2011/main" xmlns="" val="1"/>
             </a:ext>
           </a:extLst>
         </p:spPr>
@@ -3264,7 +3265,7 @@
           </a:ln>
           <a:extLst>
             <a:ext uri="{C572A759-6A51-4108-AA02-DFA0A04FC94B}">
-              <ma14:wrappingTextBoxFlag xmlns="" xmlns:ma14="http://schemas.microsoft.com/office/mac/drawingml/2011/main" val="1"/>
+              <ma14:wrappingTextBoxFlag xmlns:ma14="http://schemas.microsoft.com/office/mac/drawingml/2011/main" xmlns="" val="1"/>
             </a:ext>
           </a:extLst>
         </p:spPr>
@@ -3570,7 +3571,7 @@
           </a:ln>
           <a:extLst>
             <a:ext uri="{C572A759-6A51-4108-AA02-DFA0A04FC94B}">
-              <ma14:wrappingTextBoxFlag xmlns="" xmlns:ma14="http://schemas.microsoft.com/office/mac/drawingml/2011/main" val="1"/>
+              <ma14:wrappingTextBoxFlag xmlns:ma14="http://schemas.microsoft.com/office/mac/drawingml/2011/main" xmlns="" val="1"/>
             </a:ext>
           </a:extLst>
         </p:spPr>
@@ -3872,7 +3873,7 @@
           </a:ln>
           <a:extLst>
             <a:ext uri="{C572A759-6A51-4108-AA02-DFA0A04FC94B}">
-              <ma14:wrappingTextBoxFlag xmlns="" xmlns:ma14="http://schemas.microsoft.com/office/mac/drawingml/2011/main" val="1"/>
+              <ma14:wrappingTextBoxFlag xmlns:ma14="http://schemas.microsoft.com/office/mac/drawingml/2011/main" xmlns="" val="1"/>
             </a:ext>
           </a:extLst>
         </p:spPr>
@@ -4174,7 +4175,7 @@
           </a:ln>
           <a:extLst>
             <a:ext uri="{C572A759-6A51-4108-AA02-DFA0A04FC94B}">
-              <ma14:wrappingTextBoxFlag xmlns="" xmlns:ma14="http://schemas.microsoft.com/office/mac/drawingml/2011/main" val="1"/>
+              <ma14:wrappingTextBoxFlag xmlns:ma14="http://schemas.microsoft.com/office/mac/drawingml/2011/main" xmlns="" val="1"/>
             </a:ext>
           </a:extLst>
         </p:spPr>
@@ -4476,7 +4477,7 @@
           </a:ln>
           <a:extLst>
             <a:ext uri="{C572A759-6A51-4108-AA02-DFA0A04FC94B}">
-              <ma14:wrappingTextBoxFlag xmlns="" xmlns:ma14="http://schemas.microsoft.com/office/mac/drawingml/2011/main" val="1"/>
+              <ma14:wrappingTextBoxFlag xmlns:ma14="http://schemas.microsoft.com/office/mac/drawingml/2011/main" xmlns="" val="1"/>
             </a:ext>
           </a:extLst>
         </p:spPr>
@@ -4782,7 +4783,7 @@
           </a:ln>
           <a:extLst>
             <a:ext uri="{C572A759-6A51-4108-AA02-DFA0A04FC94B}">
-              <ma14:wrappingTextBoxFlag xmlns="" xmlns:ma14="http://schemas.microsoft.com/office/mac/drawingml/2011/main" val="1"/>
+              <ma14:wrappingTextBoxFlag xmlns:ma14="http://schemas.microsoft.com/office/mac/drawingml/2011/main" xmlns="" val="1"/>
             </a:ext>
           </a:extLst>
         </p:spPr>
@@ -5132,7 +5133,7 @@
           </a:ln>
           <a:extLst>
             <a:ext uri="{C572A759-6A51-4108-AA02-DFA0A04FC94B}">
-              <ma14:wrappingTextBoxFlag xmlns="" xmlns:ma14="http://schemas.microsoft.com/office/mac/drawingml/2011/main" val="1"/>
+              <ma14:wrappingTextBoxFlag xmlns:ma14="http://schemas.microsoft.com/office/mac/drawingml/2011/main" xmlns="" val="1"/>
             </a:ext>
           </a:extLst>
         </p:spPr>
@@ -5197,7 +5198,7 @@
           </a:ln>
           <a:extLst>
             <a:ext uri="{C572A759-6A51-4108-AA02-DFA0A04FC94B}">
-              <ma14:wrappingTextBoxFlag xmlns="" xmlns:ma14="http://schemas.microsoft.com/office/mac/drawingml/2011/main" val="1"/>
+              <ma14:wrappingTextBoxFlag xmlns:ma14="http://schemas.microsoft.com/office/mac/drawingml/2011/main" xmlns="" val="1"/>
             </a:ext>
           </a:extLst>
         </p:spPr>
@@ -5557,7 +5558,7 @@
           </a:ln>
           <a:extLst>
             <a:ext uri="{C572A759-6A51-4108-AA02-DFA0A04FC94B}">
-              <ma14:wrappingTextBoxFlag xmlns="" xmlns:ma14="http://schemas.microsoft.com/office/mac/drawingml/2011/main" val="1"/>
+              <ma14:wrappingTextBoxFlag xmlns:ma14="http://schemas.microsoft.com/office/mac/drawingml/2011/main" xmlns="" val="1"/>
             </a:ext>
           </a:extLst>
         </p:spPr>
@@ -6250,7 +6251,7 @@
           </a:ln>
           <a:extLst>
             <a:ext uri="{C572A759-6A51-4108-AA02-DFA0A04FC94B}">
-              <ma14:wrappingTextBoxFlag xmlns="" xmlns:ma14="http://schemas.microsoft.com/office/mac/drawingml/2011/main" val="1"/>
+              <ma14:wrappingTextBoxFlag xmlns:ma14="http://schemas.microsoft.com/office/mac/drawingml/2011/main" xmlns="" val="1"/>
             </a:ext>
           </a:extLst>
         </p:spPr>
@@ -6550,7 +6551,7 @@
           </a:ln>
           <a:extLst>
             <a:ext uri="{C572A759-6A51-4108-AA02-DFA0A04FC94B}">
-              <ma14:wrappingTextBoxFlag xmlns="" xmlns:ma14="http://schemas.microsoft.com/office/mac/drawingml/2011/main" val="1"/>
+              <ma14:wrappingTextBoxFlag xmlns:ma14="http://schemas.microsoft.com/office/mac/drawingml/2011/main" xmlns="" val="1"/>
             </a:ext>
           </a:extLst>
         </p:spPr>
@@ -6626,7 +6627,7 @@
           </a:ln>
           <a:extLst>
             <a:ext uri="{C572A759-6A51-4108-AA02-DFA0A04FC94B}">
-              <ma14:wrappingTextBoxFlag xmlns="" xmlns:ma14="http://schemas.microsoft.com/office/mac/drawingml/2011/main" val="1"/>
+              <ma14:wrappingTextBoxFlag xmlns:ma14="http://schemas.microsoft.com/office/mac/drawingml/2011/main" xmlns="" val="1"/>
             </a:ext>
           </a:extLst>
         </p:spPr>
@@ -7447,7 +7448,7 @@
           </a:ln>
           <a:extLst>
             <a:ext uri="{C572A759-6A51-4108-AA02-DFA0A04FC94B}">
-              <ma14:wrappingTextBoxFlag xmlns="" xmlns:ma14="http://schemas.microsoft.com/office/mac/drawingml/2011/main" val="1"/>
+              <ma14:wrappingTextBoxFlag xmlns:ma14="http://schemas.microsoft.com/office/mac/drawingml/2011/main" xmlns="" val="1"/>
             </a:ext>
           </a:extLst>
         </p:spPr>
@@ -7533,7 +7534,7 @@
           </a:ln>
           <a:extLst>
             <a:ext uri="{C572A759-6A51-4108-AA02-DFA0A04FC94B}">
-              <ma14:wrappingTextBoxFlag xmlns="" xmlns:ma14="http://schemas.microsoft.com/office/mac/drawingml/2011/main" val="1"/>
+              <ma14:wrappingTextBoxFlag xmlns:ma14="http://schemas.microsoft.com/office/mac/drawingml/2011/main" xmlns="" val="1"/>
             </a:ext>
           </a:extLst>
         </p:spPr>
@@ -7857,7 +7858,7 @@
           </a:ln>
           <a:extLst>
             <a:ext uri="{C572A759-6A51-4108-AA02-DFA0A04FC94B}">
-              <ma14:wrappingTextBoxFlag xmlns="" xmlns:ma14="http://schemas.microsoft.com/office/mac/drawingml/2011/main" val="1"/>
+              <ma14:wrappingTextBoxFlag xmlns:ma14="http://schemas.microsoft.com/office/mac/drawingml/2011/main" xmlns="" val="1"/>
             </a:ext>
           </a:extLst>
         </p:spPr>
@@ -7911,11 +7912,7 @@
             </a:r>
             <a:r>
               <a:rPr lang="zh-CN" altLang="en-US" dirty="0" smtClean="0"/>
-              <a:t>整体留存率偏低，因</a:t>
-            </a:r>
-            <a:r>
-              <a:rPr lang="zh-CN" altLang="en-US" dirty="0" smtClean="0"/>
-              <a:t>现阶段</a:t>
+              <a:t>整体留存率偏低，因现阶段</a:t>
             </a:r>
             <a:r>
               <a:rPr lang="en-US" altLang="zh-CN" dirty="0" smtClean="0"/>
@@ -7923,11 +7920,7 @@
             </a:r>
             <a:r>
               <a:rPr lang="zh-CN" altLang="en-US" dirty="0" smtClean="0"/>
-              <a:t>功能单一</a:t>
-            </a:r>
-            <a:r>
-              <a:rPr lang="zh-CN" altLang="en-US" dirty="0" smtClean="0"/>
-              <a:t>，辅助工</a:t>
+              <a:t>功能单一，辅助工</a:t>
             </a:r>
             <a:endParaRPr lang="en-US" altLang="zh-CN" dirty="0" smtClean="0"/>
           </a:p>
@@ -8032,7 +8025,7 @@
           </a:ln>
           <a:extLst>
             <a:ext uri="{C572A759-6A51-4108-AA02-DFA0A04FC94B}">
-              <ma14:wrappingTextBoxFlag xmlns="" xmlns:ma14="http://schemas.microsoft.com/office/mac/drawingml/2011/main" val="1"/>
+              <ma14:wrappingTextBoxFlag xmlns:ma14="http://schemas.microsoft.com/office/mac/drawingml/2011/main" xmlns="" val="1"/>
             </a:ext>
           </a:extLst>
         </p:spPr>
@@ -8332,7 +8325,7 @@
           </a:ln>
           <a:extLst>
             <a:ext uri="{C572A759-6A51-4108-AA02-DFA0A04FC94B}">
-              <ma14:wrappingTextBoxFlag xmlns="" xmlns:ma14="http://schemas.microsoft.com/office/mac/drawingml/2011/main" val="1"/>
+              <ma14:wrappingTextBoxFlag xmlns:ma14="http://schemas.microsoft.com/office/mac/drawingml/2011/main" xmlns="" val="1"/>
             </a:ext>
           </a:extLst>
         </p:spPr>
@@ -8390,7 +8383,7 @@
           </a:ln>
           <a:extLst>
             <a:ext uri="{C572A759-6A51-4108-AA02-DFA0A04FC94B}">
-              <ma14:wrappingTextBoxFlag xmlns="" xmlns:ma14="http://schemas.microsoft.com/office/mac/drawingml/2011/main" val="1"/>
+              <ma14:wrappingTextBoxFlag xmlns:ma14="http://schemas.microsoft.com/office/mac/drawingml/2011/main" xmlns="" val="1"/>
             </a:ext>
           </a:extLst>
         </p:spPr>
@@ -8500,7 +8493,7 @@
           </a:ln>
           <a:extLst>
             <a:ext uri="{C572A759-6A51-4108-AA02-DFA0A04FC94B}">
-              <ma14:wrappingTextBoxFlag xmlns="" xmlns:ma14="http://schemas.microsoft.com/office/mac/drawingml/2011/main" val="1"/>
+              <ma14:wrappingTextBoxFlag xmlns:ma14="http://schemas.microsoft.com/office/mac/drawingml/2011/main" xmlns="" val="1"/>
             </a:ext>
           </a:extLst>
         </p:spPr>
@@ -8828,7 +8821,7 @@
           </a:ln>
           <a:extLst>
             <a:ext uri="{C572A759-6A51-4108-AA02-DFA0A04FC94B}">
-              <ma14:wrappingTextBoxFlag xmlns="" xmlns:ma14="http://schemas.microsoft.com/office/mac/drawingml/2011/main" val="1"/>
+              <ma14:wrappingTextBoxFlag xmlns:ma14="http://schemas.microsoft.com/office/mac/drawingml/2011/main" xmlns="" val="1"/>
             </a:ext>
           </a:extLst>
         </p:spPr>
@@ -9034,7 +9027,7 @@
           </a:ln>
           <a:extLst>
             <a:ext uri="{C572A759-6A51-4108-AA02-DFA0A04FC94B}">
-              <ma14:wrappingTextBoxFlag xmlns="" xmlns:ma14="http://schemas.microsoft.com/office/mac/drawingml/2011/main" val="1"/>
+              <ma14:wrappingTextBoxFlag xmlns:ma14="http://schemas.microsoft.com/office/mac/drawingml/2011/main" xmlns="" val="1"/>
             </a:ext>
           </a:extLst>
         </p:spPr>
@@ -9064,19 +9057,7 @@
             </a:r>
             <a:r>
               <a:rPr lang="zh-CN" altLang="en-US" sz="3200" dirty="0" smtClean="0"/>
-              <a:t>的</a:t>
-            </a:r>
-            <a:r>
-              <a:rPr lang="zh-CN" altLang="en-US" sz="3200" dirty="0" smtClean="0"/>
-              <a:t>用户在</a:t>
-            </a:r>
-            <a:r>
-              <a:rPr lang="zh-CN" altLang="en-US" sz="3200" dirty="0" smtClean="0"/>
-              <a:t>二三线城市有显著</a:t>
-            </a:r>
-            <a:r>
-              <a:rPr lang="zh-CN" altLang="en-US" sz="3200" dirty="0" smtClean="0"/>
-              <a:t>增加。与前一周数据对比发现，</a:t>
+              <a:t>的用户在二三线城市有显著增加。与前一周数据对比发现，</a:t>
             </a:r>
             <a:endParaRPr lang="en-US" altLang="zh-CN" sz="3200" dirty="0" smtClean="0"/>
           </a:p>
@@ -9115,6 +9096,6449 @@
       </p:par>
     </p:tnLst>
   </p:timing>
+</p:sld>
+</file>
+
+<file path=ppt/slides/slide8.xml><?xml version="1.0" encoding="utf-8"?>
+<p:sld xmlns:a="http://schemas.openxmlformats.org/drawingml/2006/main" xmlns:r="http://schemas.openxmlformats.org/officeDocument/2006/relationships" xmlns:p="http://schemas.openxmlformats.org/presentationml/2006/main">
+  <p:cSld>
+    <p:spTree>
+      <p:nvGrpSpPr>
+        <p:cNvPr id="1" name=""/>
+        <p:cNvGrpSpPr/>
+        <p:nvPr/>
+      </p:nvGrpSpPr>
+      <p:grpSpPr>
+        <a:xfrm>
+          <a:off x="0" y="0"/>
+          <a:ext cx="0" cy="0"/>
+          <a:chOff x="0" y="0"/>
+          <a:chExt cx="0" cy="0"/>
+        </a:xfrm>
+      </p:grpSpPr>
+      <p:graphicFrame>
+        <p:nvGraphicFramePr>
+          <p:cNvPr id="3" name="表格 2"/>
+          <p:cNvGraphicFramePr>
+            <a:graphicFrameLocks noGrp="1"/>
+          </p:cNvGraphicFramePr>
+          <p:nvPr>
+            <p:extLst>
+              <p:ext uri="{D42A27DB-BD31-4B8C-83A1-F6EECF244321}">
+                <p14:modId xmlns:p14="http://schemas.microsoft.com/office/powerpoint/2010/main" val="4146931654"/>
+              </p:ext>
+            </p:extLst>
+          </p:nvPr>
+        </p:nvGraphicFramePr>
+        <p:xfrm>
+          <a:off x="991672" y="752611"/>
+          <a:ext cx="5087157" cy="8961120"/>
+        </p:xfrm>
+        <a:graphic>
+          <a:graphicData uri="http://schemas.openxmlformats.org/drawingml/2006/table">
+            <a:tbl>
+              <a:tblPr/>
+              <a:tblGrid>
+                <a:gridCol w="2987900"/>
+                <a:gridCol w="2099257"/>
+              </a:tblGrid>
+              <a:tr h="306532">
+                <a:tc>
+                  <a:txBody>
+                    <a:bodyPr/>
+                    <a:lstStyle/>
+                    <a:p>
+                      <a:pPr algn="ctr" fontAlgn="ctr"/>
+                      <a:r>
+                        <a:rPr lang="zh-CN" altLang="en-US" sz="2400" b="0" i="0" u="none" strike="noStrike" dirty="0">
+                          <a:solidFill>
+                            <a:srgbClr val="000000"/>
+                          </a:solidFill>
+                          <a:effectLst/>
+                          <a:latin typeface="宋体" panose="02010600030101010101" pitchFamily="2" charset="-122"/>
+                          <a:ea typeface="宋体" panose="02010600030101010101" pitchFamily="2" charset="-122"/>
+                        </a:rPr>
+                        <a:t>百变小木马</a:t>
+                      </a:r>
+                    </a:p>
+                  </a:txBody>
+                  <a:tcPr marL="7620" marR="7620" marT="7620" marB="0" anchor="ctr">
+                    <a:lnL w="6350" cap="flat" cmpd="sng" algn="ctr">
+                      <a:solidFill>
+                        <a:srgbClr val="000000"/>
+                      </a:solidFill>
+                      <a:prstDash val="solid"/>
+                      <a:round/>
+                      <a:headEnd type="none" w="med" len="med"/>
+                      <a:tailEnd type="none" w="med" len="med"/>
+                    </a:lnL>
+                    <a:lnR w="6350" cap="flat" cmpd="sng" algn="ctr">
+                      <a:solidFill>
+                        <a:srgbClr val="000000"/>
+                      </a:solidFill>
+                      <a:prstDash val="solid"/>
+                      <a:round/>
+                      <a:headEnd type="none" w="med" len="med"/>
+                      <a:tailEnd type="none" w="med" len="med"/>
+                    </a:lnR>
+                    <a:lnT w="6350" cap="flat" cmpd="sng" algn="ctr">
+                      <a:solidFill>
+                        <a:srgbClr val="000000"/>
+                      </a:solidFill>
+                      <a:prstDash val="solid"/>
+                      <a:round/>
+                      <a:headEnd type="none" w="med" len="med"/>
+                      <a:tailEnd type="none" w="med" len="med"/>
+                    </a:lnT>
+                    <a:lnB w="6350" cap="flat" cmpd="sng" algn="ctr">
+                      <a:solidFill>
+                        <a:srgbClr val="000000"/>
+                      </a:solidFill>
+                      <a:prstDash val="solid"/>
+                      <a:round/>
+                      <a:headEnd type="none" w="med" len="med"/>
+                      <a:tailEnd type="none" w="med" len="med"/>
+                    </a:lnB>
+                    <a:solidFill>
+                      <a:schemeClr val="bg2">
+                        <a:lumMod val="40000"/>
+                        <a:lumOff val="60000"/>
+                      </a:schemeClr>
+                    </a:solidFill>
+                  </a:tcPr>
+                </a:tc>
+                <a:tc>
+                  <a:txBody>
+                    <a:bodyPr/>
+                    <a:lstStyle/>
+                    <a:p>
+                      <a:pPr algn="ctr" fontAlgn="ctr"/>
+                      <a:r>
+                        <a:rPr lang="en-US" altLang="zh-CN" sz="2400" b="0" i="0" u="none" strike="noStrike" dirty="0">
+                          <a:solidFill>
+                            <a:srgbClr val="000000"/>
+                          </a:solidFill>
+                          <a:effectLst/>
+                          <a:latin typeface="宋体" panose="02010600030101010101" pitchFamily="2" charset="-122"/>
+                          <a:ea typeface="宋体" panose="02010600030101010101" pitchFamily="2" charset="-122"/>
+                        </a:rPr>
+                        <a:t>0:44:22</a:t>
+                      </a:r>
+                    </a:p>
+                  </a:txBody>
+                  <a:tcPr marL="7620" marR="7620" marT="7620" marB="0" anchor="ctr">
+                    <a:lnL w="6350" cap="flat" cmpd="sng" algn="ctr">
+                      <a:solidFill>
+                        <a:srgbClr val="000000"/>
+                      </a:solidFill>
+                      <a:prstDash val="solid"/>
+                      <a:round/>
+                      <a:headEnd type="none" w="med" len="med"/>
+                      <a:tailEnd type="none" w="med" len="med"/>
+                    </a:lnL>
+                    <a:lnR w="6350" cap="flat" cmpd="sng" algn="ctr">
+                      <a:solidFill>
+                        <a:srgbClr val="000000"/>
+                      </a:solidFill>
+                      <a:prstDash val="solid"/>
+                      <a:round/>
+                      <a:headEnd type="none" w="med" len="med"/>
+                      <a:tailEnd type="none" w="med" len="med"/>
+                    </a:lnR>
+                    <a:lnT w="6350" cap="flat" cmpd="sng" algn="ctr">
+                      <a:solidFill>
+                        <a:srgbClr val="000000"/>
+                      </a:solidFill>
+                      <a:prstDash val="solid"/>
+                      <a:round/>
+                      <a:headEnd type="none" w="med" len="med"/>
+                      <a:tailEnd type="none" w="med" len="med"/>
+                    </a:lnT>
+                    <a:lnB w="6350" cap="flat" cmpd="sng" algn="ctr">
+                      <a:solidFill>
+                        <a:srgbClr val="000000"/>
+                      </a:solidFill>
+                      <a:prstDash val="solid"/>
+                      <a:round/>
+                      <a:headEnd type="none" w="med" len="med"/>
+                      <a:tailEnd type="none" w="med" len="med"/>
+                    </a:lnB>
+                    <a:solidFill>
+                      <a:schemeClr val="bg2">
+                        <a:lumMod val="40000"/>
+                        <a:lumOff val="60000"/>
+                      </a:schemeClr>
+                    </a:solidFill>
+                  </a:tcPr>
+                </a:tc>
+              </a:tr>
+              <a:tr h="306532">
+                <a:tc>
+                  <a:txBody>
+                    <a:bodyPr/>
+                    <a:lstStyle/>
+                    <a:p>
+                      <a:pPr algn="ctr" fontAlgn="ctr"/>
+                      <a:r>
+                        <a:rPr lang="zh-CN" altLang="en-US" sz="2400" b="0" i="0" u="none" strike="noStrike">
+                          <a:solidFill>
+                            <a:srgbClr val="000000"/>
+                          </a:solidFill>
+                          <a:effectLst/>
+                          <a:latin typeface="宋体" panose="02010600030101010101" pitchFamily="2" charset="-122"/>
+                          <a:ea typeface="宋体" panose="02010600030101010101" pitchFamily="2" charset="-122"/>
+                        </a:rPr>
+                        <a:t>百变滑翔机</a:t>
+                      </a:r>
+                    </a:p>
+                  </a:txBody>
+                  <a:tcPr marL="7620" marR="7620" marT="7620" marB="0" anchor="ctr">
+                    <a:lnL w="6350" cap="flat" cmpd="sng" algn="ctr">
+                      <a:solidFill>
+                        <a:srgbClr val="000000"/>
+                      </a:solidFill>
+                      <a:prstDash val="solid"/>
+                      <a:round/>
+                      <a:headEnd type="none" w="med" len="med"/>
+                      <a:tailEnd type="none" w="med" len="med"/>
+                    </a:lnL>
+                    <a:lnR w="6350" cap="flat" cmpd="sng" algn="ctr">
+                      <a:solidFill>
+                        <a:srgbClr val="000000"/>
+                      </a:solidFill>
+                      <a:prstDash val="solid"/>
+                      <a:round/>
+                      <a:headEnd type="none" w="med" len="med"/>
+                      <a:tailEnd type="none" w="med" len="med"/>
+                    </a:lnR>
+                    <a:lnT w="6350" cap="flat" cmpd="sng" algn="ctr">
+                      <a:solidFill>
+                        <a:srgbClr val="000000"/>
+                      </a:solidFill>
+                      <a:prstDash val="solid"/>
+                      <a:round/>
+                      <a:headEnd type="none" w="med" len="med"/>
+                      <a:tailEnd type="none" w="med" len="med"/>
+                    </a:lnT>
+                    <a:lnB w="6350" cap="flat" cmpd="sng" algn="ctr">
+                      <a:solidFill>
+                        <a:srgbClr val="000000"/>
+                      </a:solidFill>
+                      <a:prstDash val="solid"/>
+                      <a:round/>
+                      <a:headEnd type="none" w="med" len="med"/>
+                      <a:tailEnd type="none" w="med" len="med"/>
+                    </a:lnB>
+                    <a:solidFill>
+                      <a:schemeClr val="bg2">
+                        <a:lumMod val="40000"/>
+                        <a:lumOff val="60000"/>
+                      </a:schemeClr>
+                    </a:solidFill>
+                  </a:tcPr>
+                </a:tc>
+                <a:tc>
+                  <a:txBody>
+                    <a:bodyPr/>
+                    <a:lstStyle/>
+                    <a:p>
+                      <a:pPr algn="ctr" fontAlgn="ctr"/>
+                      <a:r>
+                        <a:rPr lang="en-US" altLang="zh-CN" sz="2400" b="0" i="0" u="none" strike="noStrike">
+                          <a:solidFill>
+                            <a:srgbClr val="000000"/>
+                          </a:solidFill>
+                          <a:effectLst/>
+                          <a:latin typeface="宋体" panose="02010600030101010101" pitchFamily="2" charset="-122"/>
+                          <a:ea typeface="宋体" panose="02010600030101010101" pitchFamily="2" charset="-122"/>
+                        </a:rPr>
+                        <a:t>0:43:29</a:t>
+                      </a:r>
+                    </a:p>
+                  </a:txBody>
+                  <a:tcPr marL="7620" marR="7620" marT="7620" marB="0" anchor="ctr">
+                    <a:lnL w="6350" cap="flat" cmpd="sng" algn="ctr">
+                      <a:solidFill>
+                        <a:srgbClr val="000000"/>
+                      </a:solidFill>
+                      <a:prstDash val="solid"/>
+                      <a:round/>
+                      <a:headEnd type="none" w="med" len="med"/>
+                      <a:tailEnd type="none" w="med" len="med"/>
+                    </a:lnL>
+                    <a:lnR w="6350" cap="flat" cmpd="sng" algn="ctr">
+                      <a:solidFill>
+                        <a:srgbClr val="000000"/>
+                      </a:solidFill>
+                      <a:prstDash val="solid"/>
+                      <a:round/>
+                      <a:headEnd type="none" w="med" len="med"/>
+                      <a:tailEnd type="none" w="med" len="med"/>
+                    </a:lnR>
+                    <a:lnT w="6350" cap="flat" cmpd="sng" algn="ctr">
+                      <a:solidFill>
+                        <a:srgbClr val="000000"/>
+                      </a:solidFill>
+                      <a:prstDash val="solid"/>
+                      <a:round/>
+                      <a:headEnd type="none" w="med" len="med"/>
+                      <a:tailEnd type="none" w="med" len="med"/>
+                    </a:lnT>
+                    <a:lnB w="6350" cap="flat" cmpd="sng" algn="ctr">
+                      <a:solidFill>
+                        <a:srgbClr val="000000"/>
+                      </a:solidFill>
+                      <a:prstDash val="solid"/>
+                      <a:round/>
+                      <a:headEnd type="none" w="med" len="med"/>
+                      <a:tailEnd type="none" w="med" len="med"/>
+                    </a:lnB>
+                    <a:solidFill>
+                      <a:schemeClr val="bg2">
+                        <a:lumMod val="40000"/>
+                        <a:lumOff val="60000"/>
+                      </a:schemeClr>
+                    </a:solidFill>
+                  </a:tcPr>
+                </a:tc>
+              </a:tr>
+              <a:tr h="306532">
+                <a:tc>
+                  <a:txBody>
+                    <a:bodyPr/>
+                    <a:lstStyle/>
+                    <a:p>
+                      <a:pPr algn="ctr" fontAlgn="ctr"/>
+                      <a:r>
+                        <a:rPr lang="zh-CN" altLang="en-US" sz="2400" b="0" i="0" u="none" strike="noStrike">
+                          <a:solidFill>
+                            <a:srgbClr val="000000"/>
+                          </a:solidFill>
+                          <a:effectLst/>
+                          <a:latin typeface="宋体" panose="02010600030101010101" pitchFamily="2" charset="-122"/>
+                          <a:ea typeface="宋体" panose="02010600030101010101" pitchFamily="2" charset="-122"/>
+                        </a:rPr>
+                        <a:t>百变消防车</a:t>
+                      </a:r>
+                    </a:p>
+                  </a:txBody>
+                  <a:tcPr marL="7620" marR="7620" marT="7620" marB="0" anchor="ctr">
+                    <a:lnL w="6350" cap="flat" cmpd="sng" algn="ctr">
+                      <a:solidFill>
+                        <a:srgbClr val="000000"/>
+                      </a:solidFill>
+                      <a:prstDash val="solid"/>
+                      <a:round/>
+                      <a:headEnd type="none" w="med" len="med"/>
+                      <a:tailEnd type="none" w="med" len="med"/>
+                    </a:lnL>
+                    <a:lnR w="6350" cap="flat" cmpd="sng" algn="ctr">
+                      <a:solidFill>
+                        <a:srgbClr val="000000"/>
+                      </a:solidFill>
+                      <a:prstDash val="solid"/>
+                      <a:round/>
+                      <a:headEnd type="none" w="med" len="med"/>
+                      <a:tailEnd type="none" w="med" len="med"/>
+                    </a:lnR>
+                    <a:lnT w="6350" cap="flat" cmpd="sng" algn="ctr">
+                      <a:solidFill>
+                        <a:srgbClr val="000000"/>
+                      </a:solidFill>
+                      <a:prstDash val="solid"/>
+                      <a:round/>
+                      <a:headEnd type="none" w="med" len="med"/>
+                      <a:tailEnd type="none" w="med" len="med"/>
+                    </a:lnT>
+                    <a:lnB w="6350" cap="flat" cmpd="sng" algn="ctr">
+                      <a:solidFill>
+                        <a:srgbClr val="000000"/>
+                      </a:solidFill>
+                      <a:prstDash val="solid"/>
+                      <a:round/>
+                      <a:headEnd type="none" w="med" len="med"/>
+                      <a:tailEnd type="none" w="med" len="med"/>
+                    </a:lnB>
+                    <a:solidFill>
+                      <a:schemeClr val="bg2">
+                        <a:lumMod val="40000"/>
+                        <a:lumOff val="60000"/>
+                      </a:schemeClr>
+                    </a:solidFill>
+                  </a:tcPr>
+                </a:tc>
+                <a:tc>
+                  <a:txBody>
+                    <a:bodyPr/>
+                    <a:lstStyle/>
+                    <a:p>
+                      <a:pPr algn="ctr" fontAlgn="ctr"/>
+                      <a:r>
+                        <a:rPr lang="en-US" altLang="zh-CN" sz="2400" b="0" i="0" u="none" strike="noStrike">
+                          <a:solidFill>
+                            <a:srgbClr val="000000"/>
+                          </a:solidFill>
+                          <a:effectLst/>
+                          <a:latin typeface="宋体" panose="02010600030101010101" pitchFamily="2" charset="-122"/>
+                          <a:ea typeface="宋体" panose="02010600030101010101" pitchFamily="2" charset="-122"/>
+                        </a:rPr>
+                        <a:t>0:35:18</a:t>
+                      </a:r>
+                    </a:p>
+                  </a:txBody>
+                  <a:tcPr marL="7620" marR="7620" marT="7620" marB="0" anchor="ctr">
+                    <a:lnL w="6350" cap="flat" cmpd="sng" algn="ctr">
+                      <a:solidFill>
+                        <a:srgbClr val="000000"/>
+                      </a:solidFill>
+                      <a:prstDash val="solid"/>
+                      <a:round/>
+                      <a:headEnd type="none" w="med" len="med"/>
+                      <a:tailEnd type="none" w="med" len="med"/>
+                    </a:lnL>
+                    <a:lnR w="6350" cap="flat" cmpd="sng" algn="ctr">
+                      <a:solidFill>
+                        <a:srgbClr val="000000"/>
+                      </a:solidFill>
+                      <a:prstDash val="solid"/>
+                      <a:round/>
+                      <a:headEnd type="none" w="med" len="med"/>
+                      <a:tailEnd type="none" w="med" len="med"/>
+                    </a:lnR>
+                    <a:lnT w="6350" cap="flat" cmpd="sng" algn="ctr">
+                      <a:solidFill>
+                        <a:srgbClr val="000000"/>
+                      </a:solidFill>
+                      <a:prstDash val="solid"/>
+                      <a:round/>
+                      <a:headEnd type="none" w="med" len="med"/>
+                      <a:tailEnd type="none" w="med" len="med"/>
+                    </a:lnT>
+                    <a:lnB w="6350" cap="flat" cmpd="sng" algn="ctr">
+                      <a:solidFill>
+                        <a:srgbClr val="000000"/>
+                      </a:solidFill>
+                      <a:prstDash val="solid"/>
+                      <a:round/>
+                      <a:headEnd type="none" w="med" len="med"/>
+                      <a:tailEnd type="none" w="med" len="med"/>
+                    </a:lnB>
+                    <a:solidFill>
+                      <a:schemeClr val="bg2">
+                        <a:lumMod val="40000"/>
+                        <a:lumOff val="60000"/>
+                      </a:schemeClr>
+                    </a:solidFill>
+                  </a:tcPr>
+                </a:tc>
+              </a:tr>
+              <a:tr h="306532">
+                <a:tc>
+                  <a:txBody>
+                    <a:bodyPr/>
+                    <a:lstStyle/>
+                    <a:p>
+                      <a:pPr algn="ctr" fontAlgn="ctr"/>
+                      <a:r>
+                        <a:rPr lang="zh-CN" altLang="en-US" sz="2400" b="0" i="0" u="none" strike="noStrike">
+                          <a:solidFill>
+                            <a:srgbClr val="000000"/>
+                          </a:solidFill>
+                          <a:effectLst/>
+                          <a:latin typeface="宋体" panose="02010600030101010101" pitchFamily="2" charset="-122"/>
+                          <a:ea typeface="宋体" panose="02010600030101010101" pitchFamily="2" charset="-122"/>
+                        </a:rPr>
+                        <a:t>百变直升机</a:t>
+                      </a:r>
+                    </a:p>
+                  </a:txBody>
+                  <a:tcPr marL="7620" marR="7620" marT="7620" marB="0" anchor="ctr">
+                    <a:lnL w="6350" cap="flat" cmpd="sng" algn="ctr">
+                      <a:solidFill>
+                        <a:srgbClr val="000000"/>
+                      </a:solidFill>
+                      <a:prstDash val="solid"/>
+                      <a:round/>
+                      <a:headEnd type="none" w="med" len="med"/>
+                      <a:tailEnd type="none" w="med" len="med"/>
+                    </a:lnL>
+                    <a:lnR w="6350" cap="flat" cmpd="sng" algn="ctr">
+                      <a:solidFill>
+                        <a:srgbClr val="000000"/>
+                      </a:solidFill>
+                      <a:prstDash val="solid"/>
+                      <a:round/>
+                      <a:headEnd type="none" w="med" len="med"/>
+                      <a:tailEnd type="none" w="med" len="med"/>
+                    </a:lnR>
+                    <a:lnT w="6350" cap="flat" cmpd="sng" algn="ctr">
+                      <a:solidFill>
+                        <a:srgbClr val="000000"/>
+                      </a:solidFill>
+                      <a:prstDash val="solid"/>
+                      <a:round/>
+                      <a:headEnd type="none" w="med" len="med"/>
+                      <a:tailEnd type="none" w="med" len="med"/>
+                    </a:lnT>
+                    <a:lnB w="6350" cap="flat" cmpd="sng" algn="ctr">
+                      <a:solidFill>
+                        <a:srgbClr val="000000"/>
+                      </a:solidFill>
+                      <a:prstDash val="solid"/>
+                      <a:round/>
+                      <a:headEnd type="none" w="med" len="med"/>
+                      <a:tailEnd type="none" w="med" len="med"/>
+                    </a:lnB>
+                    <a:solidFill>
+                      <a:schemeClr val="bg2">
+                        <a:lumMod val="40000"/>
+                        <a:lumOff val="60000"/>
+                      </a:schemeClr>
+                    </a:solidFill>
+                  </a:tcPr>
+                </a:tc>
+                <a:tc>
+                  <a:txBody>
+                    <a:bodyPr/>
+                    <a:lstStyle/>
+                    <a:p>
+                      <a:pPr algn="ctr" fontAlgn="ctr"/>
+                      <a:r>
+                        <a:rPr lang="en-US" altLang="zh-CN" sz="2400" b="0" i="0" u="none" strike="noStrike">
+                          <a:solidFill>
+                            <a:srgbClr val="000000"/>
+                          </a:solidFill>
+                          <a:effectLst/>
+                          <a:latin typeface="宋体" panose="02010600030101010101" pitchFamily="2" charset="-122"/>
+                          <a:ea typeface="宋体" panose="02010600030101010101" pitchFamily="2" charset="-122"/>
+                        </a:rPr>
+                        <a:t>0:30:38</a:t>
+                      </a:r>
+                    </a:p>
+                  </a:txBody>
+                  <a:tcPr marL="7620" marR="7620" marT="7620" marB="0" anchor="ctr">
+                    <a:lnL w="6350" cap="flat" cmpd="sng" algn="ctr">
+                      <a:solidFill>
+                        <a:srgbClr val="000000"/>
+                      </a:solidFill>
+                      <a:prstDash val="solid"/>
+                      <a:round/>
+                      <a:headEnd type="none" w="med" len="med"/>
+                      <a:tailEnd type="none" w="med" len="med"/>
+                    </a:lnL>
+                    <a:lnR w="6350" cap="flat" cmpd="sng" algn="ctr">
+                      <a:solidFill>
+                        <a:srgbClr val="000000"/>
+                      </a:solidFill>
+                      <a:prstDash val="solid"/>
+                      <a:round/>
+                      <a:headEnd type="none" w="med" len="med"/>
+                      <a:tailEnd type="none" w="med" len="med"/>
+                    </a:lnR>
+                    <a:lnT w="6350" cap="flat" cmpd="sng" algn="ctr">
+                      <a:solidFill>
+                        <a:srgbClr val="000000"/>
+                      </a:solidFill>
+                      <a:prstDash val="solid"/>
+                      <a:round/>
+                      <a:headEnd type="none" w="med" len="med"/>
+                      <a:tailEnd type="none" w="med" len="med"/>
+                    </a:lnT>
+                    <a:lnB w="6350" cap="flat" cmpd="sng" algn="ctr">
+                      <a:solidFill>
+                        <a:srgbClr val="000000"/>
+                      </a:solidFill>
+                      <a:prstDash val="solid"/>
+                      <a:round/>
+                      <a:headEnd type="none" w="med" len="med"/>
+                      <a:tailEnd type="none" w="med" len="med"/>
+                    </a:lnB>
+                    <a:solidFill>
+                      <a:schemeClr val="bg2">
+                        <a:lumMod val="40000"/>
+                        <a:lumOff val="60000"/>
+                      </a:schemeClr>
+                    </a:solidFill>
+                  </a:tcPr>
+                </a:tc>
+              </a:tr>
+              <a:tr h="306532">
+                <a:tc>
+                  <a:txBody>
+                    <a:bodyPr/>
+                    <a:lstStyle/>
+                    <a:p>
+                      <a:pPr algn="ctr" fontAlgn="ctr"/>
+                      <a:r>
+                        <a:rPr lang="zh-CN" altLang="en-US" sz="2400" b="0" i="0" u="none" strike="noStrike">
+                          <a:solidFill>
+                            <a:srgbClr val="000000"/>
+                          </a:solidFill>
+                          <a:effectLst/>
+                          <a:latin typeface="宋体" panose="02010600030101010101" pitchFamily="2" charset="-122"/>
+                          <a:ea typeface="宋体" panose="02010600030101010101" pitchFamily="2" charset="-122"/>
+                        </a:rPr>
+                        <a:t>百变警车（遥控）</a:t>
+                      </a:r>
+                    </a:p>
+                  </a:txBody>
+                  <a:tcPr marL="7620" marR="7620" marT="7620" marB="0" anchor="ctr">
+                    <a:lnL w="6350" cap="flat" cmpd="sng" algn="ctr">
+                      <a:solidFill>
+                        <a:srgbClr val="000000"/>
+                      </a:solidFill>
+                      <a:prstDash val="solid"/>
+                      <a:round/>
+                      <a:headEnd type="none" w="med" len="med"/>
+                      <a:tailEnd type="none" w="med" len="med"/>
+                    </a:lnL>
+                    <a:lnR w="6350" cap="flat" cmpd="sng" algn="ctr">
+                      <a:solidFill>
+                        <a:srgbClr val="000000"/>
+                      </a:solidFill>
+                      <a:prstDash val="solid"/>
+                      <a:round/>
+                      <a:headEnd type="none" w="med" len="med"/>
+                      <a:tailEnd type="none" w="med" len="med"/>
+                    </a:lnR>
+                    <a:lnT w="6350" cap="flat" cmpd="sng" algn="ctr">
+                      <a:solidFill>
+                        <a:srgbClr val="000000"/>
+                      </a:solidFill>
+                      <a:prstDash val="solid"/>
+                      <a:round/>
+                      <a:headEnd type="none" w="med" len="med"/>
+                      <a:tailEnd type="none" w="med" len="med"/>
+                    </a:lnT>
+                    <a:lnB w="6350" cap="flat" cmpd="sng" algn="ctr">
+                      <a:solidFill>
+                        <a:srgbClr val="000000"/>
+                      </a:solidFill>
+                      <a:prstDash val="solid"/>
+                      <a:round/>
+                      <a:headEnd type="none" w="med" len="med"/>
+                      <a:tailEnd type="none" w="med" len="med"/>
+                    </a:lnB>
+                    <a:solidFill>
+                      <a:schemeClr val="bg2">
+                        <a:lumMod val="40000"/>
+                        <a:lumOff val="60000"/>
+                      </a:schemeClr>
+                    </a:solidFill>
+                  </a:tcPr>
+                </a:tc>
+                <a:tc>
+                  <a:txBody>
+                    <a:bodyPr/>
+                    <a:lstStyle/>
+                    <a:p>
+                      <a:pPr algn="ctr" fontAlgn="ctr"/>
+                      <a:r>
+                        <a:rPr lang="en-US" altLang="zh-CN" sz="2400" b="0" i="0" u="none" strike="noStrike">
+                          <a:solidFill>
+                            <a:srgbClr val="000000"/>
+                          </a:solidFill>
+                          <a:effectLst/>
+                          <a:latin typeface="宋体" panose="02010600030101010101" pitchFamily="2" charset="-122"/>
+                          <a:ea typeface="宋体" panose="02010600030101010101" pitchFamily="2" charset="-122"/>
+                        </a:rPr>
+                        <a:t>0:24:31</a:t>
+                      </a:r>
+                    </a:p>
+                  </a:txBody>
+                  <a:tcPr marL="7620" marR="7620" marT="7620" marB="0" anchor="ctr">
+                    <a:lnL w="6350" cap="flat" cmpd="sng" algn="ctr">
+                      <a:solidFill>
+                        <a:srgbClr val="000000"/>
+                      </a:solidFill>
+                      <a:prstDash val="solid"/>
+                      <a:round/>
+                      <a:headEnd type="none" w="med" len="med"/>
+                      <a:tailEnd type="none" w="med" len="med"/>
+                    </a:lnL>
+                    <a:lnR w="6350" cap="flat" cmpd="sng" algn="ctr">
+                      <a:solidFill>
+                        <a:srgbClr val="000000"/>
+                      </a:solidFill>
+                      <a:prstDash val="solid"/>
+                      <a:round/>
+                      <a:headEnd type="none" w="med" len="med"/>
+                      <a:tailEnd type="none" w="med" len="med"/>
+                    </a:lnR>
+                    <a:lnT w="6350" cap="flat" cmpd="sng" algn="ctr">
+                      <a:solidFill>
+                        <a:srgbClr val="000000"/>
+                      </a:solidFill>
+                      <a:prstDash val="solid"/>
+                      <a:round/>
+                      <a:headEnd type="none" w="med" len="med"/>
+                      <a:tailEnd type="none" w="med" len="med"/>
+                    </a:lnT>
+                    <a:lnB w="6350" cap="flat" cmpd="sng" algn="ctr">
+                      <a:solidFill>
+                        <a:srgbClr val="000000"/>
+                      </a:solidFill>
+                      <a:prstDash val="solid"/>
+                      <a:round/>
+                      <a:headEnd type="none" w="med" len="med"/>
+                      <a:tailEnd type="none" w="med" len="med"/>
+                    </a:lnB>
+                    <a:solidFill>
+                      <a:schemeClr val="bg2">
+                        <a:lumMod val="40000"/>
+                        <a:lumOff val="60000"/>
+                      </a:schemeClr>
+                    </a:solidFill>
+                  </a:tcPr>
+                </a:tc>
+              </a:tr>
+              <a:tr h="306532">
+                <a:tc>
+                  <a:txBody>
+                    <a:bodyPr/>
+                    <a:lstStyle/>
+                    <a:p>
+                      <a:pPr algn="ctr" fontAlgn="ctr"/>
+                      <a:r>
+                        <a:rPr lang="zh-CN" altLang="en-US" sz="2400" b="0" i="0" u="none" strike="noStrike">
+                          <a:solidFill>
+                            <a:srgbClr val="000000"/>
+                          </a:solidFill>
+                          <a:effectLst/>
+                          <a:latin typeface="宋体" panose="02010600030101010101" pitchFamily="2" charset="-122"/>
+                          <a:ea typeface="宋体" panose="02010600030101010101" pitchFamily="2" charset="-122"/>
+                        </a:rPr>
+                        <a:t>百变推土机</a:t>
+                      </a:r>
+                    </a:p>
+                  </a:txBody>
+                  <a:tcPr marL="7620" marR="7620" marT="7620" marB="0" anchor="ctr">
+                    <a:lnL w="6350" cap="flat" cmpd="sng" algn="ctr">
+                      <a:solidFill>
+                        <a:srgbClr val="000000"/>
+                      </a:solidFill>
+                      <a:prstDash val="solid"/>
+                      <a:round/>
+                      <a:headEnd type="none" w="med" len="med"/>
+                      <a:tailEnd type="none" w="med" len="med"/>
+                    </a:lnL>
+                    <a:lnR w="6350" cap="flat" cmpd="sng" algn="ctr">
+                      <a:solidFill>
+                        <a:srgbClr val="000000"/>
+                      </a:solidFill>
+                      <a:prstDash val="solid"/>
+                      <a:round/>
+                      <a:headEnd type="none" w="med" len="med"/>
+                      <a:tailEnd type="none" w="med" len="med"/>
+                    </a:lnR>
+                    <a:lnT w="6350" cap="flat" cmpd="sng" algn="ctr">
+                      <a:solidFill>
+                        <a:srgbClr val="000000"/>
+                      </a:solidFill>
+                      <a:prstDash val="solid"/>
+                      <a:round/>
+                      <a:headEnd type="none" w="med" len="med"/>
+                      <a:tailEnd type="none" w="med" len="med"/>
+                    </a:lnT>
+                    <a:lnB w="6350" cap="flat" cmpd="sng" algn="ctr">
+                      <a:solidFill>
+                        <a:srgbClr val="000000"/>
+                      </a:solidFill>
+                      <a:prstDash val="solid"/>
+                      <a:round/>
+                      <a:headEnd type="none" w="med" len="med"/>
+                      <a:tailEnd type="none" w="med" len="med"/>
+                    </a:lnB>
+                    <a:solidFill>
+                      <a:schemeClr val="bg2">
+                        <a:lumMod val="40000"/>
+                        <a:lumOff val="60000"/>
+                      </a:schemeClr>
+                    </a:solidFill>
+                  </a:tcPr>
+                </a:tc>
+                <a:tc>
+                  <a:txBody>
+                    <a:bodyPr/>
+                    <a:lstStyle/>
+                    <a:p>
+                      <a:pPr algn="ctr" fontAlgn="ctr"/>
+                      <a:r>
+                        <a:rPr lang="en-US" altLang="zh-CN" sz="2400" b="0" i="0" u="none" strike="noStrike">
+                          <a:solidFill>
+                            <a:srgbClr val="000000"/>
+                          </a:solidFill>
+                          <a:effectLst/>
+                          <a:latin typeface="宋体" panose="02010600030101010101" pitchFamily="2" charset="-122"/>
+                          <a:ea typeface="宋体" panose="02010600030101010101" pitchFamily="2" charset="-122"/>
+                        </a:rPr>
+                        <a:t>0:24:26</a:t>
+                      </a:r>
+                    </a:p>
+                  </a:txBody>
+                  <a:tcPr marL="7620" marR="7620" marT="7620" marB="0" anchor="ctr">
+                    <a:lnL w="6350" cap="flat" cmpd="sng" algn="ctr">
+                      <a:solidFill>
+                        <a:srgbClr val="000000"/>
+                      </a:solidFill>
+                      <a:prstDash val="solid"/>
+                      <a:round/>
+                      <a:headEnd type="none" w="med" len="med"/>
+                      <a:tailEnd type="none" w="med" len="med"/>
+                    </a:lnL>
+                    <a:lnR w="6350" cap="flat" cmpd="sng" algn="ctr">
+                      <a:solidFill>
+                        <a:srgbClr val="000000"/>
+                      </a:solidFill>
+                      <a:prstDash val="solid"/>
+                      <a:round/>
+                      <a:headEnd type="none" w="med" len="med"/>
+                      <a:tailEnd type="none" w="med" len="med"/>
+                    </a:lnR>
+                    <a:lnT w="6350" cap="flat" cmpd="sng" algn="ctr">
+                      <a:solidFill>
+                        <a:srgbClr val="000000"/>
+                      </a:solidFill>
+                      <a:prstDash val="solid"/>
+                      <a:round/>
+                      <a:headEnd type="none" w="med" len="med"/>
+                      <a:tailEnd type="none" w="med" len="med"/>
+                    </a:lnT>
+                    <a:lnB w="6350" cap="flat" cmpd="sng" algn="ctr">
+                      <a:solidFill>
+                        <a:srgbClr val="000000"/>
+                      </a:solidFill>
+                      <a:prstDash val="solid"/>
+                      <a:round/>
+                      <a:headEnd type="none" w="med" len="med"/>
+                      <a:tailEnd type="none" w="med" len="med"/>
+                    </a:lnB>
+                    <a:solidFill>
+                      <a:schemeClr val="bg2">
+                        <a:lumMod val="40000"/>
+                        <a:lumOff val="60000"/>
+                      </a:schemeClr>
+                    </a:solidFill>
+                  </a:tcPr>
+                </a:tc>
+              </a:tr>
+              <a:tr h="306532">
+                <a:tc>
+                  <a:txBody>
+                    <a:bodyPr/>
+                    <a:lstStyle/>
+                    <a:p>
+                      <a:pPr algn="ctr" fontAlgn="ctr"/>
+                      <a:r>
+                        <a:rPr lang="zh-CN" altLang="en-US" sz="2400" b="0" i="0" u="none" strike="noStrike">
+                          <a:solidFill>
+                            <a:srgbClr val="000000"/>
+                          </a:solidFill>
+                          <a:effectLst/>
+                          <a:latin typeface="宋体" panose="02010600030101010101" pitchFamily="2" charset="-122"/>
+                          <a:ea typeface="宋体" panose="02010600030101010101" pitchFamily="2" charset="-122"/>
+                        </a:rPr>
+                        <a:t>百变救护车</a:t>
+                      </a:r>
+                    </a:p>
+                  </a:txBody>
+                  <a:tcPr marL="7620" marR="7620" marT="7620" marB="0" anchor="ctr">
+                    <a:lnL w="6350" cap="flat" cmpd="sng" algn="ctr">
+                      <a:solidFill>
+                        <a:srgbClr val="000000"/>
+                      </a:solidFill>
+                      <a:prstDash val="solid"/>
+                      <a:round/>
+                      <a:headEnd type="none" w="med" len="med"/>
+                      <a:tailEnd type="none" w="med" len="med"/>
+                    </a:lnL>
+                    <a:lnR w="6350" cap="flat" cmpd="sng" algn="ctr">
+                      <a:solidFill>
+                        <a:srgbClr val="000000"/>
+                      </a:solidFill>
+                      <a:prstDash val="solid"/>
+                      <a:round/>
+                      <a:headEnd type="none" w="med" len="med"/>
+                      <a:tailEnd type="none" w="med" len="med"/>
+                    </a:lnR>
+                    <a:lnT w="6350" cap="flat" cmpd="sng" algn="ctr">
+                      <a:solidFill>
+                        <a:srgbClr val="000000"/>
+                      </a:solidFill>
+                      <a:prstDash val="solid"/>
+                      <a:round/>
+                      <a:headEnd type="none" w="med" len="med"/>
+                      <a:tailEnd type="none" w="med" len="med"/>
+                    </a:lnT>
+                    <a:lnB w="6350" cap="flat" cmpd="sng" algn="ctr">
+                      <a:solidFill>
+                        <a:srgbClr val="000000"/>
+                      </a:solidFill>
+                      <a:prstDash val="solid"/>
+                      <a:round/>
+                      <a:headEnd type="none" w="med" len="med"/>
+                      <a:tailEnd type="none" w="med" len="med"/>
+                    </a:lnB>
+                    <a:solidFill>
+                      <a:schemeClr val="bg2">
+                        <a:lumMod val="40000"/>
+                        <a:lumOff val="60000"/>
+                      </a:schemeClr>
+                    </a:solidFill>
+                  </a:tcPr>
+                </a:tc>
+                <a:tc>
+                  <a:txBody>
+                    <a:bodyPr/>
+                    <a:lstStyle/>
+                    <a:p>
+                      <a:pPr algn="ctr" fontAlgn="ctr"/>
+                      <a:r>
+                        <a:rPr lang="en-US" altLang="zh-CN" sz="2400" b="0" i="0" u="none" strike="noStrike" dirty="0">
+                          <a:solidFill>
+                            <a:srgbClr val="000000"/>
+                          </a:solidFill>
+                          <a:effectLst/>
+                          <a:latin typeface="宋体" panose="02010600030101010101" pitchFamily="2" charset="-122"/>
+                          <a:ea typeface="宋体" panose="02010600030101010101" pitchFamily="2" charset="-122"/>
+                        </a:rPr>
+                        <a:t>0:22:52</a:t>
+                      </a:r>
+                    </a:p>
+                  </a:txBody>
+                  <a:tcPr marL="7620" marR="7620" marT="7620" marB="0" anchor="ctr">
+                    <a:lnL w="6350" cap="flat" cmpd="sng" algn="ctr">
+                      <a:solidFill>
+                        <a:srgbClr val="000000"/>
+                      </a:solidFill>
+                      <a:prstDash val="solid"/>
+                      <a:round/>
+                      <a:headEnd type="none" w="med" len="med"/>
+                      <a:tailEnd type="none" w="med" len="med"/>
+                    </a:lnL>
+                    <a:lnR w="6350" cap="flat" cmpd="sng" algn="ctr">
+                      <a:solidFill>
+                        <a:srgbClr val="000000"/>
+                      </a:solidFill>
+                      <a:prstDash val="solid"/>
+                      <a:round/>
+                      <a:headEnd type="none" w="med" len="med"/>
+                      <a:tailEnd type="none" w="med" len="med"/>
+                    </a:lnR>
+                    <a:lnT w="6350" cap="flat" cmpd="sng" algn="ctr">
+                      <a:solidFill>
+                        <a:srgbClr val="000000"/>
+                      </a:solidFill>
+                      <a:prstDash val="solid"/>
+                      <a:round/>
+                      <a:headEnd type="none" w="med" len="med"/>
+                      <a:tailEnd type="none" w="med" len="med"/>
+                    </a:lnT>
+                    <a:lnB w="6350" cap="flat" cmpd="sng" algn="ctr">
+                      <a:solidFill>
+                        <a:srgbClr val="000000"/>
+                      </a:solidFill>
+                      <a:prstDash val="solid"/>
+                      <a:round/>
+                      <a:headEnd type="none" w="med" len="med"/>
+                      <a:tailEnd type="none" w="med" len="med"/>
+                    </a:lnB>
+                    <a:solidFill>
+                      <a:schemeClr val="bg2">
+                        <a:lumMod val="40000"/>
+                        <a:lumOff val="60000"/>
+                      </a:schemeClr>
+                    </a:solidFill>
+                  </a:tcPr>
+                </a:tc>
+              </a:tr>
+              <a:tr h="306532">
+                <a:tc>
+                  <a:txBody>
+                    <a:bodyPr/>
+                    <a:lstStyle/>
+                    <a:p>
+                      <a:pPr algn="ctr" fontAlgn="ctr"/>
+                      <a:r>
+                        <a:rPr lang="zh-CN" altLang="en-US" sz="2400" b="0" i="0" u="none" strike="noStrike">
+                          <a:solidFill>
+                            <a:srgbClr val="000000"/>
+                          </a:solidFill>
+                          <a:effectLst/>
+                          <a:latin typeface="宋体" panose="02010600030101010101" pitchFamily="2" charset="-122"/>
+                          <a:ea typeface="宋体" panose="02010600030101010101" pitchFamily="2" charset="-122"/>
+                        </a:rPr>
+                        <a:t>百变吊车</a:t>
+                      </a:r>
+                    </a:p>
+                  </a:txBody>
+                  <a:tcPr marL="7620" marR="7620" marT="7620" marB="0" anchor="ctr">
+                    <a:lnL w="6350" cap="flat" cmpd="sng" algn="ctr">
+                      <a:solidFill>
+                        <a:srgbClr val="000000"/>
+                      </a:solidFill>
+                      <a:prstDash val="solid"/>
+                      <a:round/>
+                      <a:headEnd type="none" w="med" len="med"/>
+                      <a:tailEnd type="none" w="med" len="med"/>
+                    </a:lnL>
+                    <a:lnR w="6350" cap="flat" cmpd="sng" algn="ctr">
+                      <a:solidFill>
+                        <a:srgbClr val="000000"/>
+                      </a:solidFill>
+                      <a:prstDash val="solid"/>
+                      <a:round/>
+                      <a:headEnd type="none" w="med" len="med"/>
+                      <a:tailEnd type="none" w="med" len="med"/>
+                    </a:lnR>
+                    <a:lnT w="6350" cap="flat" cmpd="sng" algn="ctr">
+                      <a:solidFill>
+                        <a:srgbClr val="000000"/>
+                      </a:solidFill>
+                      <a:prstDash val="solid"/>
+                      <a:round/>
+                      <a:headEnd type="none" w="med" len="med"/>
+                      <a:tailEnd type="none" w="med" len="med"/>
+                    </a:lnT>
+                    <a:lnB w="6350" cap="flat" cmpd="sng" algn="ctr">
+                      <a:solidFill>
+                        <a:srgbClr val="000000"/>
+                      </a:solidFill>
+                      <a:prstDash val="solid"/>
+                      <a:round/>
+                      <a:headEnd type="none" w="med" len="med"/>
+                      <a:tailEnd type="none" w="med" len="med"/>
+                    </a:lnB>
+                    <a:solidFill>
+                      <a:schemeClr val="bg2">
+                        <a:lumMod val="40000"/>
+                        <a:lumOff val="60000"/>
+                      </a:schemeClr>
+                    </a:solidFill>
+                  </a:tcPr>
+                </a:tc>
+                <a:tc>
+                  <a:txBody>
+                    <a:bodyPr/>
+                    <a:lstStyle/>
+                    <a:p>
+                      <a:pPr algn="ctr" fontAlgn="ctr"/>
+                      <a:r>
+                        <a:rPr lang="en-US" altLang="zh-CN" sz="2400" b="0" i="0" u="none" strike="noStrike">
+                          <a:solidFill>
+                            <a:srgbClr val="000000"/>
+                          </a:solidFill>
+                          <a:effectLst/>
+                          <a:latin typeface="宋体" panose="02010600030101010101" pitchFamily="2" charset="-122"/>
+                          <a:ea typeface="宋体" panose="02010600030101010101" pitchFamily="2" charset="-122"/>
+                        </a:rPr>
+                        <a:t>0:21:08</a:t>
+                      </a:r>
+                    </a:p>
+                  </a:txBody>
+                  <a:tcPr marL="7620" marR="7620" marT="7620" marB="0" anchor="ctr">
+                    <a:lnL w="6350" cap="flat" cmpd="sng" algn="ctr">
+                      <a:solidFill>
+                        <a:srgbClr val="000000"/>
+                      </a:solidFill>
+                      <a:prstDash val="solid"/>
+                      <a:round/>
+                      <a:headEnd type="none" w="med" len="med"/>
+                      <a:tailEnd type="none" w="med" len="med"/>
+                    </a:lnL>
+                    <a:lnR w="6350" cap="flat" cmpd="sng" algn="ctr">
+                      <a:solidFill>
+                        <a:srgbClr val="000000"/>
+                      </a:solidFill>
+                      <a:prstDash val="solid"/>
+                      <a:round/>
+                      <a:headEnd type="none" w="med" len="med"/>
+                      <a:tailEnd type="none" w="med" len="med"/>
+                    </a:lnR>
+                    <a:lnT w="6350" cap="flat" cmpd="sng" algn="ctr">
+                      <a:solidFill>
+                        <a:srgbClr val="000000"/>
+                      </a:solidFill>
+                      <a:prstDash val="solid"/>
+                      <a:round/>
+                      <a:headEnd type="none" w="med" len="med"/>
+                      <a:tailEnd type="none" w="med" len="med"/>
+                    </a:lnT>
+                    <a:lnB w="6350" cap="flat" cmpd="sng" algn="ctr">
+                      <a:solidFill>
+                        <a:srgbClr val="000000"/>
+                      </a:solidFill>
+                      <a:prstDash val="solid"/>
+                      <a:round/>
+                      <a:headEnd type="none" w="med" len="med"/>
+                      <a:tailEnd type="none" w="med" len="med"/>
+                    </a:lnB>
+                    <a:solidFill>
+                      <a:schemeClr val="bg2">
+                        <a:lumMod val="40000"/>
+                        <a:lumOff val="60000"/>
+                      </a:schemeClr>
+                    </a:solidFill>
+                  </a:tcPr>
+                </a:tc>
+              </a:tr>
+              <a:tr h="306532">
+                <a:tc>
+                  <a:txBody>
+                    <a:bodyPr/>
+                    <a:lstStyle/>
+                    <a:p>
+                      <a:pPr algn="ctr" fontAlgn="ctr"/>
+                      <a:r>
+                        <a:rPr lang="zh-CN" altLang="en-US" sz="2400" b="0" i="0" u="none" strike="noStrike">
+                          <a:solidFill>
+                            <a:srgbClr val="000000"/>
+                          </a:solidFill>
+                          <a:effectLst/>
+                          <a:latin typeface="宋体" panose="02010600030101010101" pitchFamily="2" charset="-122"/>
+                          <a:ea typeface="宋体" panose="02010600030101010101" pitchFamily="2" charset="-122"/>
+                        </a:rPr>
+                        <a:t>百变清障车（遥控）</a:t>
+                      </a:r>
+                    </a:p>
+                  </a:txBody>
+                  <a:tcPr marL="7620" marR="7620" marT="7620" marB="0" anchor="ctr">
+                    <a:lnL w="6350" cap="flat" cmpd="sng" algn="ctr">
+                      <a:solidFill>
+                        <a:srgbClr val="000000"/>
+                      </a:solidFill>
+                      <a:prstDash val="solid"/>
+                      <a:round/>
+                      <a:headEnd type="none" w="med" len="med"/>
+                      <a:tailEnd type="none" w="med" len="med"/>
+                    </a:lnL>
+                    <a:lnR w="6350" cap="flat" cmpd="sng" algn="ctr">
+                      <a:solidFill>
+                        <a:srgbClr val="000000"/>
+                      </a:solidFill>
+                      <a:prstDash val="solid"/>
+                      <a:round/>
+                      <a:headEnd type="none" w="med" len="med"/>
+                      <a:tailEnd type="none" w="med" len="med"/>
+                    </a:lnR>
+                    <a:lnT w="6350" cap="flat" cmpd="sng" algn="ctr">
+                      <a:solidFill>
+                        <a:srgbClr val="000000"/>
+                      </a:solidFill>
+                      <a:prstDash val="solid"/>
+                      <a:round/>
+                      <a:headEnd type="none" w="med" len="med"/>
+                      <a:tailEnd type="none" w="med" len="med"/>
+                    </a:lnT>
+                    <a:lnB w="6350" cap="flat" cmpd="sng" algn="ctr">
+                      <a:solidFill>
+                        <a:srgbClr val="000000"/>
+                      </a:solidFill>
+                      <a:prstDash val="solid"/>
+                      <a:round/>
+                      <a:headEnd type="none" w="med" len="med"/>
+                      <a:tailEnd type="none" w="med" len="med"/>
+                    </a:lnB>
+                    <a:solidFill>
+                      <a:schemeClr val="bg2">
+                        <a:lumMod val="40000"/>
+                        <a:lumOff val="60000"/>
+                      </a:schemeClr>
+                    </a:solidFill>
+                  </a:tcPr>
+                </a:tc>
+                <a:tc>
+                  <a:txBody>
+                    <a:bodyPr/>
+                    <a:lstStyle/>
+                    <a:p>
+                      <a:pPr algn="ctr" fontAlgn="ctr"/>
+                      <a:r>
+                        <a:rPr lang="en-US" altLang="zh-CN" sz="2400" b="0" i="0" u="none" strike="noStrike">
+                          <a:solidFill>
+                            <a:srgbClr val="000000"/>
+                          </a:solidFill>
+                          <a:effectLst/>
+                          <a:latin typeface="宋体" panose="02010600030101010101" pitchFamily="2" charset="-122"/>
+                          <a:ea typeface="宋体" panose="02010600030101010101" pitchFamily="2" charset="-122"/>
+                        </a:rPr>
+                        <a:t>0:21:07</a:t>
+                      </a:r>
+                    </a:p>
+                  </a:txBody>
+                  <a:tcPr marL="7620" marR="7620" marT="7620" marB="0" anchor="ctr">
+                    <a:lnL w="6350" cap="flat" cmpd="sng" algn="ctr">
+                      <a:solidFill>
+                        <a:srgbClr val="000000"/>
+                      </a:solidFill>
+                      <a:prstDash val="solid"/>
+                      <a:round/>
+                      <a:headEnd type="none" w="med" len="med"/>
+                      <a:tailEnd type="none" w="med" len="med"/>
+                    </a:lnL>
+                    <a:lnR w="6350" cap="flat" cmpd="sng" algn="ctr">
+                      <a:solidFill>
+                        <a:srgbClr val="000000"/>
+                      </a:solidFill>
+                      <a:prstDash val="solid"/>
+                      <a:round/>
+                      <a:headEnd type="none" w="med" len="med"/>
+                      <a:tailEnd type="none" w="med" len="med"/>
+                    </a:lnR>
+                    <a:lnT w="6350" cap="flat" cmpd="sng" algn="ctr">
+                      <a:solidFill>
+                        <a:srgbClr val="000000"/>
+                      </a:solidFill>
+                      <a:prstDash val="solid"/>
+                      <a:round/>
+                      <a:headEnd type="none" w="med" len="med"/>
+                      <a:tailEnd type="none" w="med" len="med"/>
+                    </a:lnT>
+                    <a:lnB w="6350" cap="flat" cmpd="sng" algn="ctr">
+                      <a:solidFill>
+                        <a:srgbClr val="000000"/>
+                      </a:solidFill>
+                      <a:prstDash val="solid"/>
+                      <a:round/>
+                      <a:headEnd type="none" w="med" len="med"/>
+                      <a:tailEnd type="none" w="med" len="med"/>
+                    </a:lnB>
+                    <a:solidFill>
+                      <a:schemeClr val="bg2">
+                        <a:lumMod val="40000"/>
+                        <a:lumOff val="60000"/>
+                      </a:schemeClr>
+                    </a:solidFill>
+                  </a:tcPr>
+                </a:tc>
+              </a:tr>
+              <a:tr h="306532">
+                <a:tc>
+                  <a:txBody>
+                    <a:bodyPr/>
+                    <a:lstStyle/>
+                    <a:p>
+                      <a:pPr algn="ctr" fontAlgn="ctr"/>
+                      <a:r>
+                        <a:rPr lang="zh-CN" altLang="en-US" sz="2400" b="0" i="0" u="none" strike="noStrike">
+                          <a:solidFill>
+                            <a:srgbClr val="000000"/>
+                          </a:solidFill>
+                          <a:effectLst/>
+                          <a:latin typeface="宋体" panose="02010600030101010101" pitchFamily="2" charset="-122"/>
+                          <a:ea typeface="宋体" panose="02010600030101010101" pitchFamily="2" charset="-122"/>
+                        </a:rPr>
+                        <a:t>百变赛车（遥控）</a:t>
+                      </a:r>
+                    </a:p>
+                  </a:txBody>
+                  <a:tcPr marL="7620" marR="7620" marT="7620" marB="0" anchor="ctr">
+                    <a:lnL w="6350" cap="flat" cmpd="sng" algn="ctr">
+                      <a:solidFill>
+                        <a:srgbClr val="000000"/>
+                      </a:solidFill>
+                      <a:prstDash val="solid"/>
+                      <a:round/>
+                      <a:headEnd type="none" w="med" len="med"/>
+                      <a:tailEnd type="none" w="med" len="med"/>
+                    </a:lnL>
+                    <a:lnR w="6350" cap="flat" cmpd="sng" algn="ctr">
+                      <a:solidFill>
+                        <a:srgbClr val="000000"/>
+                      </a:solidFill>
+                      <a:prstDash val="solid"/>
+                      <a:round/>
+                      <a:headEnd type="none" w="med" len="med"/>
+                      <a:tailEnd type="none" w="med" len="med"/>
+                    </a:lnR>
+                    <a:lnT w="6350" cap="flat" cmpd="sng" algn="ctr">
+                      <a:solidFill>
+                        <a:srgbClr val="000000"/>
+                      </a:solidFill>
+                      <a:prstDash val="solid"/>
+                      <a:round/>
+                      <a:headEnd type="none" w="med" len="med"/>
+                      <a:tailEnd type="none" w="med" len="med"/>
+                    </a:lnT>
+                    <a:lnB w="6350" cap="flat" cmpd="sng" algn="ctr">
+                      <a:solidFill>
+                        <a:srgbClr val="000000"/>
+                      </a:solidFill>
+                      <a:prstDash val="solid"/>
+                      <a:round/>
+                      <a:headEnd type="none" w="med" len="med"/>
+                      <a:tailEnd type="none" w="med" len="med"/>
+                    </a:lnB>
+                    <a:solidFill>
+                      <a:schemeClr val="bg2">
+                        <a:lumMod val="40000"/>
+                        <a:lumOff val="60000"/>
+                      </a:schemeClr>
+                    </a:solidFill>
+                  </a:tcPr>
+                </a:tc>
+                <a:tc>
+                  <a:txBody>
+                    <a:bodyPr/>
+                    <a:lstStyle/>
+                    <a:p>
+                      <a:pPr algn="ctr" fontAlgn="ctr"/>
+                      <a:r>
+                        <a:rPr lang="en-US" altLang="zh-CN" sz="2400" b="0" i="0" u="none" strike="noStrike">
+                          <a:solidFill>
+                            <a:srgbClr val="000000"/>
+                          </a:solidFill>
+                          <a:effectLst/>
+                          <a:latin typeface="宋体" panose="02010600030101010101" pitchFamily="2" charset="-122"/>
+                          <a:ea typeface="宋体" panose="02010600030101010101" pitchFamily="2" charset="-122"/>
+                        </a:rPr>
+                        <a:t>0:24:45</a:t>
+                      </a:r>
+                    </a:p>
+                  </a:txBody>
+                  <a:tcPr marL="7620" marR="7620" marT="7620" marB="0" anchor="ctr">
+                    <a:lnL w="6350" cap="flat" cmpd="sng" algn="ctr">
+                      <a:solidFill>
+                        <a:srgbClr val="000000"/>
+                      </a:solidFill>
+                      <a:prstDash val="solid"/>
+                      <a:round/>
+                      <a:headEnd type="none" w="med" len="med"/>
+                      <a:tailEnd type="none" w="med" len="med"/>
+                    </a:lnL>
+                    <a:lnR w="6350" cap="flat" cmpd="sng" algn="ctr">
+                      <a:solidFill>
+                        <a:srgbClr val="000000"/>
+                      </a:solidFill>
+                      <a:prstDash val="solid"/>
+                      <a:round/>
+                      <a:headEnd type="none" w="med" len="med"/>
+                      <a:tailEnd type="none" w="med" len="med"/>
+                    </a:lnR>
+                    <a:lnT w="6350" cap="flat" cmpd="sng" algn="ctr">
+                      <a:solidFill>
+                        <a:srgbClr val="000000"/>
+                      </a:solidFill>
+                      <a:prstDash val="solid"/>
+                      <a:round/>
+                      <a:headEnd type="none" w="med" len="med"/>
+                      <a:tailEnd type="none" w="med" len="med"/>
+                    </a:lnT>
+                    <a:lnB w="6350" cap="flat" cmpd="sng" algn="ctr">
+                      <a:solidFill>
+                        <a:srgbClr val="000000"/>
+                      </a:solidFill>
+                      <a:prstDash val="solid"/>
+                      <a:round/>
+                      <a:headEnd type="none" w="med" len="med"/>
+                      <a:tailEnd type="none" w="med" len="med"/>
+                    </a:lnB>
+                    <a:solidFill>
+                      <a:schemeClr val="bg2">
+                        <a:lumMod val="40000"/>
+                        <a:lumOff val="60000"/>
+                      </a:schemeClr>
+                    </a:solidFill>
+                  </a:tcPr>
+                </a:tc>
+              </a:tr>
+              <a:tr h="306532">
+                <a:tc>
+                  <a:txBody>
+                    <a:bodyPr/>
+                    <a:lstStyle/>
+                    <a:p>
+                      <a:pPr algn="ctr" fontAlgn="ctr"/>
+                      <a:r>
+                        <a:rPr lang="zh-CN" altLang="en-US" sz="2400" b="0" i="0" u="none" strike="noStrike">
+                          <a:solidFill>
+                            <a:srgbClr val="000000"/>
+                          </a:solidFill>
+                          <a:effectLst/>
+                          <a:latin typeface="宋体" panose="02010600030101010101" pitchFamily="2" charset="-122"/>
+                          <a:ea typeface="宋体" panose="02010600030101010101" pitchFamily="2" charset="-122"/>
+                        </a:rPr>
+                        <a:t>百变气垫船</a:t>
+                      </a:r>
+                    </a:p>
+                  </a:txBody>
+                  <a:tcPr marL="7620" marR="7620" marT="7620" marB="0" anchor="ctr">
+                    <a:lnL w="6350" cap="flat" cmpd="sng" algn="ctr">
+                      <a:solidFill>
+                        <a:srgbClr val="000000"/>
+                      </a:solidFill>
+                      <a:prstDash val="solid"/>
+                      <a:round/>
+                      <a:headEnd type="none" w="med" len="med"/>
+                      <a:tailEnd type="none" w="med" len="med"/>
+                    </a:lnL>
+                    <a:lnR w="6350" cap="flat" cmpd="sng" algn="ctr">
+                      <a:solidFill>
+                        <a:srgbClr val="000000"/>
+                      </a:solidFill>
+                      <a:prstDash val="solid"/>
+                      <a:round/>
+                      <a:headEnd type="none" w="med" len="med"/>
+                      <a:tailEnd type="none" w="med" len="med"/>
+                    </a:lnR>
+                    <a:lnT w="6350" cap="flat" cmpd="sng" algn="ctr">
+                      <a:solidFill>
+                        <a:srgbClr val="000000"/>
+                      </a:solidFill>
+                      <a:prstDash val="solid"/>
+                      <a:round/>
+                      <a:headEnd type="none" w="med" len="med"/>
+                      <a:tailEnd type="none" w="med" len="med"/>
+                    </a:lnT>
+                    <a:lnB w="6350" cap="flat" cmpd="sng" algn="ctr">
+                      <a:solidFill>
+                        <a:srgbClr val="000000"/>
+                      </a:solidFill>
+                      <a:prstDash val="solid"/>
+                      <a:round/>
+                      <a:headEnd type="none" w="med" len="med"/>
+                      <a:tailEnd type="none" w="med" len="med"/>
+                    </a:lnB>
+                    <a:solidFill>
+                      <a:schemeClr val="bg2">
+                        <a:lumMod val="40000"/>
+                        <a:lumOff val="60000"/>
+                      </a:schemeClr>
+                    </a:solidFill>
+                  </a:tcPr>
+                </a:tc>
+                <a:tc>
+                  <a:txBody>
+                    <a:bodyPr/>
+                    <a:lstStyle/>
+                    <a:p>
+                      <a:pPr algn="ctr" fontAlgn="ctr"/>
+                      <a:r>
+                        <a:rPr lang="en-US" altLang="zh-CN" sz="2400" b="0" i="0" u="none" strike="noStrike">
+                          <a:solidFill>
+                            <a:srgbClr val="000000"/>
+                          </a:solidFill>
+                          <a:effectLst/>
+                          <a:latin typeface="宋体" panose="02010600030101010101" pitchFamily="2" charset="-122"/>
+                          <a:ea typeface="宋体" panose="02010600030101010101" pitchFamily="2" charset="-122"/>
+                        </a:rPr>
+                        <a:t>0:26:38</a:t>
+                      </a:r>
+                    </a:p>
+                  </a:txBody>
+                  <a:tcPr marL="7620" marR="7620" marT="7620" marB="0" anchor="ctr">
+                    <a:lnL w="6350" cap="flat" cmpd="sng" algn="ctr">
+                      <a:solidFill>
+                        <a:srgbClr val="000000"/>
+                      </a:solidFill>
+                      <a:prstDash val="solid"/>
+                      <a:round/>
+                      <a:headEnd type="none" w="med" len="med"/>
+                      <a:tailEnd type="none" w="med" len="med"/>
+                    </a:lnL>
+                    <a:lnR w="6350" cap="flat" cmpd="sng" algn="ctr">
+                      <a:solidFill>
+                        <a:srgbClr val="000000"/>
+                      </a:solidFill>
+                      <a:prstDash val="solid"/>
+                      <a:round/>
+                      <a:headEnd type="none" w="med" len="med"/>
+                      <a:tailEnd type="none" w="med" len="med"/>
+                    </a:lnR>
+                    <a:lnT w="6350" cap="flat" cmpd="sng" algn="ctr">
+                      <a:solidFill>
+                        <a:srgbClr val="000000"/>
+                      </a:solidFill>
+                      <a:prstDash val="solid"/>
+                      <a:round/>
+                      <a:headEnd type="none" w="med" len="med"/>
+                      <a:tailEnd type="none" w="med" len="med"/>
+                    </a:lnT>
+                    <a:lnB w="6350" cap="flat" cmpd="sng" algn="ctr">
+                      <a:solidFill>
+                        <a:srgbClr val="000000"/>
+                      </a:solidFill>
+                      <a:prstDash val="solid"/>
+                      <a:round/>
+                      <a:headEnd type="none" w="med" len="med"/>
+                      <a:tailEnd type="none" w="med" len="med"/>
+                    </a:lnB>
+                    <a:solidFill>
+                      <a:schemeClr val="bg2">
+                        <a:lumMod val="40000"/>
+                        <a:lumOff val="60000"/>
+                      </a:schemeClr>
+                    </a:solidFill>
+                  </a:tcPr>
+                </a:tc>
+              </a:tr>
+              <a:tr h="306532">
+                <a:tc>
+                  <a:txBody>
+                    <a:bodyPr/>
+                    <a:lstStyle/>
+                    <a:p>
+                      <a:pPr algn="ctr" fontAlgn="ctr"/>
+                      <a:r>
+                        <a:rPr lang="zh-CN" altLang="en-US" sz="2400" b="0" i="0" u="none" strike="noStrike">
+                          <a:solidFill>
+                            <a:srgbClr val="000000"/>
+                          </a:solidFill>
+                          <a:effectLst/>
+                          <a:latin typeface="宋体" panose="02010600030101010101" pitchFamily="2" charset="-122"/>
+                          <a:ea typeface="宋体" panose="02010600030101010101" pitchFamily="2" charset="-122"/>
+                        </a:rPr>
+                        <a:t>百变清洁车</a:t>
+                      </a:r>
+                    </a:p>
+                  </a:txBody>
+                  <a:tcPr marL="7620" marR="7620" marT="7620" marB="0" anchor="ctr">
+                    <a:lnL w="6350" cap="flat" cmpd="sng" algn="ctr">
+                      <a:solidFill>
+                        <a:srgbClr val="000000"/>
+                      </a:solidFill>
+                      <a:prstDash val="solid"/>
+                      <a:round/>
+                      <a:headEnd type="none" w="med" len="med"/>
+                      <a:tailEnd type="none" w="med" len="med"/>
+                    </a:lnL>
+                    <a:lnR w="6350" cap="flat" cmpd="sng" algn="ctr">
+                      <a:solidFill>
+                        <a:srgbClr val="000000"/>
+                      </a:solidFill>
+                      <a:prstDash val="solid"/>
+                      <a:round/>
+                      <a:headEnd type="none" w="med" len="med"/>
+                      <a:tailEnd type="none" w="med" len="med"/>
+                    </a:lnR>
+                    <a:lnT w="6350" cap="flat" cmpd="sng" algn="ctr">
+                      <a:solidFill>
+                        <a:srgbClr val="000000"/>
+                      </a:solidFill>
+                      <a:prstDash val="solid"/>
+                      <a:round/>
+                      <a:headEnd type="none" w="med" len="med"/>
+                      <a:tailEnd type="none" w="med" len="med"/>
+                    </a:lnT>
+                    <a:lnB w="6350" cap="flat" cmpd="sng" algn="ctr">
+                      <a:solidFill>
+                        <a:srgbClr val="000000"/>
+                      </a:solidFill>
+                      <a:prstDash val="solid"/>
+                      <a:round/>
+                      <a:headEnd type="none" w="med" len="med"/>
+                      <a:tailEnd type="none" w="med" len="med"/>
+                    </a:lnB>
+                    <a:solidFill>
+                      <a:schemeClr val="bg2">
+                        <a:lumMod val="40000"/>
+                        <a:lumOff val="60000"/>
+                      </a:schemeClr>
+                    </a:solidFill>
+                  </a:tcPr>
+                </a:tc>
+                <a:tc>
+                  <a:txBody>
+                    <a:bodyPr/>
+                    <a:lstStyle/>
+                    <a:p>
+                      <a:pPr algn="ctr" fontAlgn="ctr"/>
+                      <a:r>
+                        <a:rPr lang="en-US" altLang="zh-CN" sz="2400" b="0" i="0" u="none" strike="noStrike">
+                          <a:solidFill>
+                            <a:srgbClr val="000000"/>
+                          </a:solidFill>
+                          <a:effectLst/>
+                          <a:latin typeface="宋体" panose="02010600030101010101" pitchFamily="2" charset="-122"/>
+                          <a:ea typeface="宋体" panose="02010600030101010101" pitchFamily="2" charset="-122"/>
+                        </a:rPr>
+                        <a:t>0:26:23</a:t>
+                      </a:r>
+                    </a:p>
+                  </a:txBody>
+                  <a:tcPr marL="7620" marR="7620" marT="7620" marB="0" anchor="ctr">
+                    <a:lnL w="6350" cap="flat" cmpd="sng" algn="ctr">
+                      <a:solidFill>
+                        <a:srgbClr val="000000"/>
+                      </a:solidFill>
+                      <a:prstDash val="solid"/>
+                      <a:round/>
+                      <a:headEnd type="none" w="med" len="med"/>
+                      <a:tailEnd type="none" w="med" len="med"/>
+                    </a:lnL>
+                    <a:lnR w="6350" cap="flat" cmpd="sng" algn="ctr">
+                      <a:solidFill>
+                        <a:srgbClr val="000000"/>
+                      </a:solidFill>
+                      <a:prstDash val="solid"/>
+                      <a:round/>
+                      <a:headEnd type="none" w="med" len="med"/>
+                      <a:tailEnd type="none" w="med" len="med"/>
+                    </a:lnR>
+                    <a:lnT w="6350" cap="flat" cmpd="sng" algn="ctr">
+                      <a:solidFill>
+                        <a:srgbClr val="000000"/>
+                      </a:solidFill>
+                      <a:prstDash val="solid"/>
+                      <a:round/>
+                      <a:headEnd type="none" w="med" len="med"/>
+                      <a:tailEnd type="none" w="med" len="med"/>
+                    </a:lnT>
+                    <a:lnB w="6350" cap="flat" cmpd="sng" algn="ctr">
+                      <a:solidFill>
+                        <a:srgbClr val="000000"/>
+                      </a:solidFill>
+                      <a:prstDash val="solid"/>
+                      <a:round/>
+                      <a:headEnd type="none" w="med" len="med"/>
+                      <a:tailEnd type="none" w="med" len="med"/>
+                    </a:lnB>
+                    <a:solidFill>
+                      <a:schemeClr val="bg2">
+                        <a:lumMod val="40000"/>
+                        <a:lumOff val="60000"/>
+                      </a:schemeClr>
+                    </a:solidFill>
+                  </a:tcPr>
+                </a:tc>
+              </a:tr>
+              <a:tr h="306532">
+                <a:tc>
+                  <a:txBody>
+                    <a:bodyPr/>
+                    <a:lstStyle/>
+                    <a:p>
+                      <a:pPr algn="ctr" fontAlgn="ctr"/>
+                      <a:r>
+                        <a:rPr lang="zh-CN" altLang="en-US" sz="2400" b="0" i="0" u="none" strike="noStrike">
+                          <a:solidFill>
+                            <a:srgbClr val="000000"/>
+                          </a:solidFill>
+                          <a:effectLst/>
+                          <a:latin typeface="宋体" panose="02010600030101010101" pitchFamily="2" charset="-122"/>
+                          <a:ea typeface="宋体" panose="02010600030101010101" pitchFamily="2" charset="-122"/>
+                        </a:rPr>
+                        <a:t>百变箱式拖车（遥控）</a:t>
+                      </a:r>
+                    </a:p>
+                  </a:txBody>
+                  <a:tcPr marL="7620" marR="7620" marT="7620" marB="0" anchor="ctr">
+                    <a:lnL w="6350" cap="flat" cmpd="sng" algn="ctr">
+                      <a:solidFill>
+                        <a:srgbClr val="000000"/>
+                      </a:solidFill>
+                      <a:prstDash val="solid"/>
+                      <a:round/>
+                      <a:headEnd type="none" w="med" len="med"/>
+                      <a:tailEnd type="none" w="med" len="med"/>
+                    </a:lnL>
+                    <a:lnR w="6350" cap="flat" cmpd="sng" algn="ctr">
+                      <a:solidFill>
+                        <a:srgbClr val="000000"/>
+                      </a:solidFill>
+                      <a:prstDash val="solid"/>
+                      <a:round/>
+                      <a:headEnd type="none" w="med" len="med"/>
+                      <a:tailEnd type="none" w="med" len="med"/>
+                    </a:lnR>
+                    <a:lnT w="6350" cap="flat" cmpd="sng" algn="ctr">
+                      <a:solidFill>
+                        <a:srgbClr val="000000"/>
+                      </a:solidFill>
+                      <a:prstDash val="solid"/>
+                      <a:round/>
+                      <a:headEnd type="none" w="med" len="med"/>
+                      <a:tailEnd type="none" w="med" len="med"/>
+                    </a:lnT>
+                    <a:lnB w="6350" cap="flat" cmpd="sng" algn="ctr">
+                      <a:solidFill>
+                        <a:srgbClr val="000000"/>
+                      </a:solidFill>
+                      <a:prstDash val="solid"/>
+                      <a:round/>
+                      <a:headEnd type="none" w="med" len="med"/>
+                      <a:tailEnd type="none" w="med" len="med"/>
+                    </a:lnB>
+                    <a:solidFill>
+                      <a:schemeClr val="bg2">
+                        <a:lumMod val="40000"/>
+                        <a:lumOff val="60000"/>
+                      </a:schemeClr>
+                    </a:solidFill>
+                  </a:tcPr>
+                </a:tc>
+                <a:tc>
+                  <a:txBody>
+                    <a:bodyPr/>
+                    <a:lstStyle/>
+                    <a:p>
+                      <a:pPr algn="ctr" fontAlgn="ctr"/>
+                      <a:r>
+                        <a:rPr lang="en-US" altLang="zh-CN" sz="2400" b="0" i="0" u="none" strike="noStrike">
+                          <a:solidFill>
+                            <a:srgbClr val="000000"/>
+                          </a:solidFill>
+                          <a:effectLst/>
+                          <a:latin typeface="宋体" panose="02010600030101010101" pitchFamily="2" charset="-122"/>
+                          <a:ea typeface="宋体" panose="02010600030101010101" pitchFamily="2" charset="-122"/>
+                        </a:rPr>
+                        <a:t>0:23:43</a:t>
+                      </a:r>
+                    </a:p>
+                  </a:txBody>
+                  <a:tcPr marL="7620" marR="7620" marT="7620" marB="0" anchor="ctr">
+                    <a:lnL w="6350" cap="flat" cmpd="sng" algn="ctr">
+                      <a:solidFill>
+                        <a:srgbClr val="000000"/>
+                      </a:solidFill>
+                      <a:prstDash val="solid"/>
+                      <a:round/>
+                      <a:headEnd type="none" w="med" len="med"/>
+                      <a:tailEnd type="none" w="med" len="med"/>
+                    </a:lnL>
+                    <a:lnR w="6350" cap="flat" cmpd="sng" algn="ctr">
+                      <a:solidFill>
+                        <a:srgbClr val="000000"/>
+                      </a:solidFill>
+                      <a:prstDash val="solid"/>
+                      <a:round/>
+                      <a:headEnd type="none" w="med" len="med"/>
+                      <a:tailEnd type="none" w="med" len="med"/>
+                    </a:lnR>
+                    <a:lnT w="6350" cap="flat" cmpd="sng" algn="ctr">
+                      <a:solidFill>
+                        <a:srgbClr val="000000"/>
+                      </a:solidFill>
+                      <a:prstDash val="solid"/>
+                      <a:round/>
+                      <a:headEnd type="none" w="med" len="med"/>
+                      <a:tailEnd type="none" w="med" len="med"/>
+                    </a:lnT>
+                    <a:lnB w="6350" cap="flat" cmpd="sng" algn="ctr">
+                      <a:solidFill>
+                        <a:srgbClr val="000000"/>
+                      </a:solidFill>
+                      <a:prstDash val="solid"/>
+                      <a:round/>
+                      <a:headEnd type="none" w="med" len="med"/>
+                      <a:tailEnd type="none" w="med" len="med"/>
+                    </a:lnB>
+                    <a:solidFill>
+                      <a:schemeClr val="bg2">
+                        <a:lumMod val="40000"/>
+                        <a:lumOff val="60000"/>
+                      </a:schemeClr>
+                    </a:solidFill>
+                  </a:tcPr>
+                </a:tc>
+              </a:tr>
+              <a:tr h="306532">
+                <a:tc>
+                  <a:txBody>
+                    <a:bodyPr/>
+                    <a:lstStyle/>
+                    <a:p>
+                      <a:pPr algn="ctr" fontAlgn="ctr"/>
+                      <a:r>
+                        <a:rPr lang="zh-CN" altLang="en-US" sz="2400" b="0" i="0" u="none" strike="noStrike">
+                          <a:solidFill>
+                            <a:srgbClr val="000000"/>
+                          </a:solidFill>
+                          <a:effectLst/>
+                          <a:latin typeface="宋体" panose="02010600030101010101" pitchFamily="2" charset="-122"/>
+                          <a:ea typeface="宋体" panose="02010600030101010101" pitchFamily="2" charset="-122"/>
+                        </a:rPr>
+                        <a:t>百变救护车（遥控）</a:t>
+                      </a:r>
+                    </a:p>
+                  </a:txBody>
+                  <a:tcPr marL="7620" marR="7620" marT="7620" marB="0" anchor="ctr">
+                    <a:lnL w="6350" cap="flat" cmpd="sng" algn="ctr">
+                      <a:solidFill>
+                        <a:srgbClr val="000000"/>
+                      </a:solidFill>
+                      <a:prstDash val="solid"/>
+                      <a:round/>
+                      <a:headEnd type="none" w="med" len="med"/>
+                      <a:tailEnd type="none" w="med" len="med"/>
+                    </a:lnL>
+                    <a:lnR w="6350" cap="flat" cmpd="sng" algn="ctr">
+                      <a:solidFill>
+                        <a:srgbClr val="000000"/>
+                      </a:solidFill>
+                      <a:prstDash val="solid"/>
+                      <a:round/>
+                      <a:headEnd type="none" w="med" len="med"/>
+                      <a:tailEnd type="none" w="med" len="med"/>
+                    </a:lnR>
+                    <a:lnT w="6350" cap="flat" cmpd="sng" algn="ctr">
+                      <a:solidFill>
+                        <a:srgbClr val="000000"/>
+                      </a:solidFill>
+                      <a:prstDash val="solid"/>
+                      <a:round/>
+                      <a:headEnd type="none" w="med" len="med"/>
+                      <a:tailEnd type="none" w="med" len="med"/>
+                    </a:lnT>
+                    <a:lnB w="6350" cap="flat" cmpd="sng" algn="ctr">
+                      <a:solidFill>
+                        <a:srgbClr val="000000"/>
+                      </a:solidFill>
+                      <a:prstDash val="solid"/>
+                      <a:round/>
+                      <a:headEnd type="none" w="med" len="med"/>
+                      <a:tailEnd type="none" w="med" len="med"/>
+                    </a:lnB>
+                    <a:solidFill>
+                      <a:schemeClr val="bg2">
+                        <a:lumMod val="40000"/>
+                        <a:lumOff val="60000"/>
+                      </a:schemeClr>
+                    </a:solidFill>
+                  </a:tcPr>
+                </a:tc>
+                <a:tc>
+                  <a:txBody>
+                    <a:bodyPr/>
+                    <a:lstStyle/>
+                    <a:p>
+                      <a:pPr algn="ctr" fontAlgn="ctr"/>
+                      <a:r>
+                        <a:rPr lang="en-US" altLang="zh-CN" sz="2400" b="0" i="0" u="none" strike="noStrike">
+                          <a:solidFill>
+                            <a:srgbClr val="000000"/>
+                          </a:solidFill>
+                          <a:effectLst/>
+                          <a:latin typeface="宋体" panose="02010600030101010101" pitchFamily="2" charset="-122"/>
+                          <a:ea typeface="宋体" panose="02010600030101010101" pitchFamily="2" charset="-122"/>
+                        </a:rPr>
+                        <a:t>0:21:42</a:t>
+                      </a:r>
+                    </a:p>
+                  </a:txBody>
+                  <a:tcPr marL="7620" marR="7620" marT="7620" marB="0" anchor="ctr">
+                    <a:lnL w="6350" cap="flat" cmpd="sng" algn="ctr">
+                      <a:solidFill>
+                        <a:srgbClr val="000000"/>
+                      </a:solidFill>
+                      <a:prstDash val="solid"/>
+                      <a:round/>
+                      <a:headEnd type="none" w="med" len="med"/>
+                      <a:tailEnd type="none" w="med" len="med"/>
+                    </a:lnL>
+                    <a:lnR w="6350" cap="flat" cmpd="sng" algn="ctr">
+                      <a:solidFill>
+                        <a:srgbClr val="000000"/>
+                      </a:solidFill>
+                      <a:prstDash val="solid"/>
+                      <a:round/>
+                      <a:headEnd type="none" w="med" len="med"/>
+                      <a:tailEnd type="none" w="med" len="med"/>
+                    </a:lnR>
+                    <a:lnT w="6350" cap="flat" cmpd="sng" algn="ctr">
+                      <a:solidFill>
+                        <a:srgbClr val="000000"/>
+                      </a:solidFill>
+                      <a:prstDash val="solid"/>
+                      <a:round/>
+                      <a:headEnd type="none" w="med" len="med"/>
+                      <a:tailEnd type="none" w="med" len="med"/>
+                    </a:lnT>
+                    <a:lnB w="6350" cap="flat" cmpd="sng" algn="ctr">
+                      <a:solidFill>
+                        <a:srgbClr val="000000"/>
+                      </a:solidFill>
+                      <a:prstDash val="solid"/>
+                      <a:round/>
+                      <a:headEnd type="none" w="med" len="med"/>
+                      <a:tailEnd type="none" w="med" len="med"/>
+                    </a:lnB>
+                    <a:solidFill>
+                      <a:schemeClr val="bg2">
+                        <a:lumMod val="40000"/>
+                        <a:lumOff val="60000"/>
+                      </a:schemeClr>
+                    </a:solidFill>
+                  </a:tcPr>
+                </a:tc>
+              </a:tr>
+              <a:tr h="306532">
+                <a:tc>
+                  <a:txBody>
+                    <a:bodyPr/>
+                    <a:lstStyle/>
+                    <a:p>
+                      <a:pPr algn="ctr" fontAlgn="ctr"/>
+                      <a:r>
+                        <a:rPr lang="zh-CN" altLang="en-US" sz="2400" b="0" i="0" u="none" strike="noStrike">
+                          <a:solidFill>
+                            <a:srgbClr val="000000"/>
+                          </a:solidFill>
+                          <a:effectLst/>
+                          <a:latin typeface="宋体" panose="02010600030101010101" pitchFamily="2" charset="-122"/>
+                          <a:ea typeface="宋体" panose="02010600030101010101" pitchFamily="2" charset="-122"/>
+                        </a:rPr>
+                        <a:t>百变挖掘机</a:t>
+                      </a:r>
+                    </a:p>
+                  </a:txBody>
+                  <a:tcPr marL="7620" marR="7620" marT="7620" marB="0" anchor="ctr">
+                    <a:lnL w="6350" cap="flat" cmpd="sng" algn="ctr">
+                      <a:solidFill>
+                        <a:srgbClr val="000000"/>
+                      </a:solidFill>
+                      <a:prstDash val="solid"/>
+                      <a:round/>
+                      <a:headEnd type="none" w="med" len="med"/>
+                      <a:tailEnd type="none" w="med" len="med"/>
+                    </a:lnL>
+                    <a:lnR w="6350" cap="flat" cmpd="sng" algn="ctr">
+                      <a:solidFill>
+                        <a:srgbClr val="000000"/>
+                      </a:solidFill>
+                      <a:prstDash val="solid"/>
+                      <a:round/>
+                      <a:headEnd type="none" w="med" len="med"/>
+                      <a:tailEnd type="none" w="med" len="med"/>
+                    </a:lnR>
+                    <a:lnT w="6350" cap="flat" cmpd="sng" algn="ctr">
+                      <a:solidFill>
+                        <a:srgbClr val="000000"/>
+                      </a:solidFill>
+                      <a:prstDash val="solid"/>
+                      <a:round/>
+                      <a:headEnd type="none" w="med" len="med"/>
+                      <a:tailEnd type="none" w="med" len="med"/>
+                    </a:lnT>
+                    <a:lnB w="6350" cap="flat" cmpd="sng" algn="ctr">
+                      <a:solidFill>
+                        <a:srgbClr val="000000"/>
+                      </a:solidFill>
+                      <a:prstDash val="solid"/>
+                      <a:round/>
+                      <a:headEnd type="none" w="med" len="med"/>
+                      <a:tailEnd type="none" w="med" len="med"/>
+                    </a:lnB>
+                    <a:solidFill>
+                      <a:schemeClr val="bg2">
+                        <a:lumMod val="40000"/>
+                        <a:lumOff val="60000"/>
+                      </a:schemeClr>
+                    </a:solidFill>
+                  </a:tcPr>
+                </a:tc>
+                <a:tc>
+                  <a:txBody>
+                    <a:bodyPr/>
+                    <a:lstStyle/>
+                    <a:p>
+                      <a:pPr algn="ctr" fontAlgn="ctr"/>
+                      <a:r>
+                        <a:rPr lang="en-US" altLang="zh-CN" sz="2400" b="0" i="0" u="none" strike="noStrike">
+                          <a:solidFill>
+                            <a:srgbClr val="000000"/>
+                          </a:solidFill>
+                          <a:effectLst/>
+                          <a:latin typeface="宋体" panose="02010600030101010101" pitchFamily="2" charset="-122"/>
+                          <a:ea typeface="宋体" panose="02010600030101010101" pitchFamily="2" charset="-122"/>
+                        </a:rPr>
+                        <a:t>0:17:19</a:t>
+                      </a:r>
+                    </a:p>
+                  </a:txBody>
+                  <a:tcPr marL="7620" marR="7620" marT="7620" marB="0" anchor="ctr">
+                    <a:lnL w="6350" cap="flat" cmpd="sng" algn="ctr">
+                      <a:solidFill>
+                        <a:srgbClr val="000000"/>
+                      </a:solidFill>
+                      <a:prstDash val="solid"/>
+                      <a:round/>
+                      <a:headEnd type="none" w="med" len="med"/>
+                      <a:tailEnd type="none" w="med" len="med"/>
+                    </a:lnL>
+                    <a:lnR w="6350" cap="flat" cmpd="sng" algn="ctr">
+                      <a:solidFill>
+                        <a:srgbClr val="000000"/>
+                      </a:solidFill>
+                      <a:prstDash val="solid"/>
+                      <a:round/>
+                      <a:headEnd type="none" w="med" len="med"/>
+                      <a:tailEnd type="none" w="med" len="med"/>
+                    </a:lnR>
+                    <a:lnT w="6350" cap="flat" cmpd="sng" algn="ctr">
+                      <a:solidFill>
+                        <a:srgbClr val="000000"/>
+                      </a:solidFill>
+                      <a:prstDash val="solid"/>
+                      <a:round/>
+                      <a:headEnd type="none" w="med" len="med"/>
+                      <a:tailEnd type="none" w="med" len="med"/>
+                    </a:lnT>
+                    <a:lnB w="6350" cap="flat" cmpd="sng" algn="ctr">
+                      <a:solidFill>
+                        <a:srgbClr val="000000"/>
+                      </a:solidFill>
+                      <a:prstDash val="solid"/>
+                      <a:round/>
+                      <a:headEnd type="none" w="med" len="med"/>
+                      <a:tailEnd type="none" w="med" len="med"/>
+                    </a:lnB>
+                    <a:solidFill>
+                      <a:schemeClr val="bg2">
+                        <a:lumMod val="40000"/>
+                        <a:lumOff val="60000"/>
+                      </a:schemeClr>
+                    </a:solidFill>
+                  </a:tcPr>
+                </a:tc>
+              </a:tr>
+              <a:tr h="306532">
+                <a:tc>
+                  <a:txBody>
+                    <a:bodyPr/>
+                    <a:lstStyle/>
+                    <a:p>
+                      <a:pPr algn="ctr" fontAlgn="ctr"/>
+                      <a:r>
+                        <a:rPr lang="zh-CN" altLang="en-US" sz="2400" b="0" i="0" u="none" strike="noStrike">
+                          <a:solidFill>
+                            <a:srgbClr val="000000"/>
+                          </a:solidFill>
+                          <a:effectLst/>
+                          <a:latin typeface="宋体" panose="02010600030101010101" pitchFamily="2" charset="-122"/>
+                          <a:ea typeface="宋体" panose="02010600030101010101" pitchFamily="2" charset="-122"/>
+                        </a:rPr>
+                        <a:t>百变清障车</a:t>
+                      </a:r>
+                    </a:p>
+                  </a:txBody>
+                  <a:tcPr marL="7620" marR="7620" marT="7620" marB="0" anchor="ctr">
+                    <a:lnL w="6350" cap="flat" cmpd="sng" algn="ctr">
+                      <a:solidFill>
+                        <a:srgbClr val="000000"/>
+                      </a:solidFill>
+                      <a:prstDash val="solid"/>
+                      <a:round/>
+                      <a:headEnd type="none" w="med" len="med"/>
+                      <a:tailEnd type="none" w="med" len="med"/>
+                    </a:lnL>
+                    <a:lnR w="6350" cap="flat" cmpd="sng" algn="ctr">
+                      <a:solidFill>
+                        <a:srgbClr val="000000"/>
+                      </a:solidFill>
+                      <a:prstDash val="solid"/>
+                      <a:round/>
+                      <a:headEnd type="none" w="med" len="med"/>
+                      <a:tailEnd type="none" w="med" len="med"/>
+                    </a:lnR>
+                    <a:lnT w="6350" cap="flat" cmpd="sng" algn="ctr">
+                      <a:solidFill>
+                        <a:srgbClr val="000000"/>
+                      </a:solidFill>
+                      <a:prstDash val="solid"/>
+                      <a:round/>
+                      <a:headEnd type="none" w="med" len="med"/>
+                      <a:tailEnd type="none" w="med" len="med"/>
+                    </a:lnT>
+                    <a:lnB w="6350" cap="flat" cmpd="sng" algn="ctr">
+                      <a:solidFill>
+                        <a:srgbClr val="000000"/>
+                      </a:solidFill>
+                      <a:prstDash val="solid"/>
+                      <a:round/>
+                      <a:headEnd type="none" w="med" len="med"/>
+                      <a:tailEnd type="none" w="med" len="med"/>
+                    </a:lnB>
+                    <a:solidFill>
+                      <a:schemeClr val="bg2">
+                        <a:lumMod val="40000"/>
+                        <a:lumOff val="60000"/>
+                      </a:schemeClr>
+                    </a:solidFill>
+                  </a:tcPr>
+                </a:tc>
+                <a:tc>
+                  <a:txBody>
+                    <a:bodyPr/>
+                    <a:lstStyle/>
+                    <a:p>
+                      <a:pPr algn="ctr" fontAlgn="ctr"/>
+                      <a:r>
+                        <a:rPr lang="en-US" altLang="zh-CN" sz="2400" b="0" i="0" u="none" strike="noStrike">
+                          <a:solidFill>
+                            <a:srgbClr val="000000"/>
+                          </a:solidFill>
+                          <a:effectLst/>
+                          <a:latin typeface="宋体" panose="02010600030101010101" pitchFamily="2" charset="-122"/>
+                          <a:ea typeface="宋体" panose="02010600030101010101" pitchFamily="2" charset="-122"/>
+                        </a:rPr>
+                        <a:t>0:10:46</a:t>
+                      </a:r>
+                    </a:p>
+                  </a:txBody>
+                  <a:tcPr marL="7620" marR="7620" marT="7620" marB="0" anchor="ctr">
+                    <a:lnL w="6350" cap="flat" cmpd="sng" algn="ctr">
+                      <a:solidFill>
+                        <a:srgbClr val="000000"/>
+                      </a:solidFill>
+                      <a:prstDash val="solid"/>
+                      <a:round/>
+                      <a:headEnd type="none" w="med" len="med"/>
+                      <a:tailEnd type="none" w="med" len="med"/>
+                    </a:lnL>
+                    <a:lnR w="6350" cap="flat" cmpd="sng" algn="ctr">
+                      <a:solidFill>
+                        <a:srgbClr val="000000"/>
+                      </a:solidFill>
+                      <a:prstDash val="solid"/>
+                      <a:round/>
+                      <a:headEnd type="none" w="med" len="med"/>
+                      <a:tailEnd type="none" w="med" len="med"/>
+                    </a:lnR>
+                    <a:lnT w="6350" cap="flat" cmpd="sng" algn="ctr">
+                      <a:solidFill>
+                        <a:srgbClr val="000000"/>
+                      </a:solidFill>
+                      <a:prstDash val="solid"/>
+                      <a:round/>
+                      <a:headEnd type="none" w="med" len="med"/>
+                      <a:tailEnd type="none" w="med" len="med"/>
+                    </a:lnT>
+                    <a:lnB w="6350" cap="flat" cmpd="sng" algn="ctr">
+                      <a:solidFill>
+                        <a:srgbClr val="000000"/>
+                      </a:solidFill>
+                      <a:prstDash val="solid"/>
+                      <a:round/>
+                      <a:headEnd type="none" w="med" len="med"/>
+                      <a:tailEnd type="none" w="med" len="med"/>
+                    </a:lnB>
+                    <a:solidFill>
+                      <a:schemeClr val="bg2">
+                        <a:lumMod val="40000"/>
+                        <a:lumOff val="60000"/>
+                      </a:schemeClr>
+                    </a:solidFill>
+                  </a:tcPr>
+                </a:tc>
+              </a:tr>
+              <a:tr h="306532">
+                <a:tc>
+                  <a:txBody>
+                    <a:bodyPr/>
+                    <a:lstStyle/>
+                    <a:p>
+                      <a:pPr algn="ctr" fontAlgn="ctr"/>
+                      <a:r>
+                        <a:rPr lang="zh-CN" altLang="en-US" sz="2400" b="0" i="0" u="none" strike="noStrike">
+                          <a:solidFill>
+                            <a:srgbClr val="000000"/>
+                          </a:solidFill>
+                          <a:effectLst/>
+                          <a:latin typeface="宋体" panose="02010600030101010101" pitchFamily="2" charset="-122"/>
+                          <a:ea typeface="宋体" panose="02010600030101010101" pitchFamily="2" charset="-122"/>
+                        </a:rPr>
+                        <a:t>百变皮卡车</a:t>
+                      </a:r>
+                    </a:p>
+                  </a:txBody>
+                  <a:tcPr marL="7620" marR="7620" marT="7620" marB="0" anchor="ctr">
+                    <a:lnL w="6350" cap="flat" cmpd="sng" algn="ctr">
+                      <a:solidFill>
+                        <a:srgbClr val="000000"/>
+                      </a:solidFill>
+                      <a:prstDash val="solid"/>
+                      <a:round/>
+                      <a:headEnd type="none" w="med" len="med"/>
+                      <a:tailEnd type="none" w="med" len="med"/>
+                    </a:lnL>
+                    <a:lnR w="6350" cap="flat" cmpd="sng" algn="ctr">
+                      <a:solidFill>
+                        <a:srgbClr val="000000"/>
+                      </a:solidFill>
+                      <a:prstDash val="solid"/>
+                      <a:round/>
+                      <a:headEnd type="none" w="med" len="med"/>
+                      <a:tailEnd type="none" w="med" len="med"/>
+                    </a:lnR>
+                    <a:lnT w="6350" cap="flat" cmpd="sng" algn="ctr">
+                      <a:solidFill>
+                        <a:srgbClr val="000000"/>
+                      </a:solidFill>
+                      <a:prstDash val="solid"/>
+                      <a:round/>
+                      <a:headEnd type="none" w="med" len="med"/>
+                      <a:tailEnd type="none" w="med" len="med"/>
+                    </a:lnT>
+                    <a:lnB w="6350" cap="flat" cmpd="sng" algn="ctr">
+                      <a:solidFill>
+                        <a:srgbClr val="000000"/>
+                      </a:solidFill>
+                      <a:prstDash val="solid"/>
+                      <a:round/>
+                      <a:headEnd type="none" w="med" len="med"/>
+                      <a:tailEnd type="none" w="med" len="med"/>
+                    </a:lnB>
+                    <a:solidFill>
+                      <a:schemeClr val="bg2">
+                        <a:lumMod val="40000"/>
+                        <a:lumOff val="60000"/>
+                      </a:schemeClr>
+                    </a:solidFill>
+                  </a:tcPr>
+                </a:tc>
+                <a:tc>
+                  <a:txBody>
+                    <a:bodyPr/>
+                    <a:lstStyle/>
+                    <a:p>
+                      <a:pPr algn="ctr" fontAlgn="ctr"/>
+                      <a:r>
+                        <a:rPr lang="en-US" altLang="zh-CN" sz="2400" b="0" i="0" u="none" strike="noStrike">
+                          <a:solidFill>
+                            <a:srgbClr val="000000"/>
+                          </a:solidFill>
+                          <a:effectLst/>
+                          <a:latin typeface="宋体" panose="02010600030101010101" pitchFamily="2" charset="-122"/>
+                          <a:ea typeface="宋体" panose="02010600030101010101" pitchFamily="2" charset="-122"/>
+                        </a:rPr>
+                        <a:t>0:09:12</a:t>
+                      </a:r>
+                    </a:p>
+                  </a:txBody>
+                  <a:tcPr marL="7620" marR="7620" marT="7620" marB="0" anchor="ctr">
+                    <a:lnL w="6350" cap="flat" cmpd="sng" algn="ctr">
+                      <a:solidFill>
+                        <a:srgbClr val="000000"/>
+                      </a:solidFill>
+                      <a:prstDash val="solid"/>
+                      <a:round/>
+                      <a:headEnd type="none" w="med" len="med"/>
+                      <a:tailEnd type="none" w="med" len="med"/>
+                    </a:lnL>
+                    <a:lnR w="6350" cap="flat" cmpd="sng" algn="ctr">
+                      <a:solidFill>
+                        <a:srgbClr val="000000"/>
+                      </a:solidFill>
+                      <a:prstDash val="solid"/>
+                      <a:round/>
+                      <a:headEnd type="none" w="med" len="med"/>
+                      <a:tailEnd type="none" w="med" len="med"/>
+                    </a:lnR>
+                    <a:lnT w="6350" cap="flat" cmpd="sng" algn="ctr">
+                      <a:solidFill>
+                        <a:srgbClr val="000000"/>
+                      </a:solidFill>
+                      <a:prstDash val="solid"/>
+                      <a:round/>
+                      <a:headEnd type="none" w="med" len="med"/>
+                      <a:tailEnd type="none" w="med" len="med"/>
+                    </a:lnT>
+                    <a:lnB w="6350" cap="flat" cmpd="sng" algn="ctr">
+                      <a:solidFill>
+                        <a:srgbClr val="000000"/>
+                      </a:solidFill>
+                      <a:prstDash val="solid"/>
+                      <a:round/>
+                      <a:headEnd type="none" w="med" len="med"/>
+                      <a:tailEnd type="none" w="med" len="med"/>
+                    </a:lnB>
+                    <a:solidFill>
+                      <a:schemeClr val="bg2">
+                        <a:lumMod val="40000"/>
+                        <a:lumOff val="60000"/>
+                      </a:schemeClr>
+                    </a:solidFill>
+                  </a:tcPr>
+                </a:tc>
+              </a:tr>
+              <a:tr h="306532">
+                <a:tc>
+                  <a:txBody>
+                    <a:bodyPr/>
+                    <a:lstStyle/>
+                    <a:p>
+                      <a:pPr algn="ctr" fontAlgn="ctr"/>
+                      <a:r>
+                        <a:rPr lang="zh-CN" altLang="en-US" sz="2400" b="0" i="0" u="none" strike="noStrike">
+                          <a:solidFill>
+                            <a:srgbClr val="000000"/>
+                          </a:solidFill>
+                          <a:effectLst/>
+                          <a:latin typeface="宋体" panose="02010600030101010101" pitchFamily="2" charset="-122"/>
+                          <a:ea typeface="宋体" panose="02010600030101010101" pitchFamily="2" charset="-122"/>
+                        </a:rPr>
+                        <a:t>百变推土机（遥控）</a:t>
+                      </a:r>
+                    </a:p>
+                  </a:txBody>
+                  <a:tcPr marL="7620" marR="7620" marT="7620" marB="0" anchor="ctr">
+                    <a:lnL w="6350" cap="flat" cmpd="sng" algn="ctr">
+                      <a:solidFill>
+                        <a:srgbClr val="000000"/>
+                      </a:solidFill>
+                      <a:prstDash val="solid"/>
+                      <a:round/>
+                      <a:headEnd type="none" w="med" len="med"/>
+                      <a:tailEnd type="none" w="med" len="med"/>
+                    </a:lnL>
+                    <a:lnR w="6350" cap="flat" cmpd="sng" algn="ctr">
+                      <a:solidFill>
+                        <a:srgbClr val="000000"/>
+                      </a:solidFill>
+                      <a:prstDash val="solid"/>
+                      <a:round/>
+                      <a:headEnd type="none" w="med" len="med"/>
+                      <a:tailEnd type="none" w="med" len="med"/>
+                    </a:lnR>
+                    <a:lnT w="6350" cap="flat" cmpd="sng" algn="ctr">
+                      <a:solidFill>
+                        <a:srgbClr val="000000"/>
+                      </a:solidFill>
+                      <a:prstDash val="solid"/>
+                      <a:round/>
+                      <a:headEnd type="none" w="med" len="med"/>
+                      <a:tailEnd type="none" w="med" len="med"/>
+                    </a:lnT>
+                    <a:lnB w="6350" cap="flat" cmpd="sng" algn="ctr">
+                      <a:solidFill>
+                        <a:srgbClr val="000000"/>
+                      </a:solidFill>
+                      <a:prstDash val="solid"/>
+                      <a:round/>
+                      <a:headEnd type="none" w="med" len="med"/>
+                      <a:tailEnd type="none" w="med" len="med"/>
+                    </a:lnB>
+                    <a:solidFill>
+                      <a:schemeClr val="bg2">
+                        <a:lumMod val="40000"/>
+                        <a:lumOff val="60000"/>
+                      </a:schemeClr>
+                    </a:solidFill>
+                  </a:tcPr>
+                </a:tc>
+                <a:tc>
+                  <a:txBody>
+                    <a:bodyPr/>
+                    <a:lstStyle/>
+                    <a:p>
+                      <a:pPr algn="ctr" fontAlgn="ctr"/>
+                      <a:r>
+                        <a:rPr lang="en-US" altLang="zh-CN" sz="2400" b="0" i="0" u="none" strike="noStrike" dirty="0">
+                          <a:solidFill>
+                            <a:srgbClr val="000000"/>
+                          </a:solidFill>
+                          <a:effectLst/>
+                          <a:latin typeface="宋体" panose="02010600030101010101" pitchFamily="2" charset="-122"/>
+                          <a:ea typeface="宋体" panose="02010600030101010101" pitchFamily="2" charset="-122"/>
+                        </a:rPr>
+                        <a:t>0:08:05</a:t>
+                      </a:r>
+                    </a:p>
+                  </a:txBody>
+                  <a:tcPr marL="7620" marR="7620" marT="7620" marB="0" anchor="ctr">
+                    <a:lnL w="6350" cap="flat" cmpd="sng" algn="ctr">
+                      <a:solidFill>
+                        <a:srgbClr val="000000"/>
+                      </a:solidFill>
+                      <a:prstDash val="solid"/>
+                      <a:round/>
+                      <a:headEnd type="none" w="med" len="med"/>
+                      <a:tailEnd type="none" w="med" len="med"/>
+                    </a:lnL>
+                    <a:lnR w="6350" cap="flat" cmpd="sng" algn="ctr">
+                      <a:solidFill>
+                        <a:srgbClr val="000000"/>
+                      </a:solidFill>
+                      <a:prstDash val="solid"/>
+                      <a:round/>
+                      <a:headEnd type="none" w="med" len="med"/>
+                      <a:tailEnd type="none" w="med" len="med"/>
+                    </a:lnR>
+                    <a:lnT w="6350" cap="flat" cmpd="sng" algn="ctr">
+                      <a:solidFill>
+                        <a:srgbClr val="000000"/>
+                      </a:solidFill>
+                      <a:prstDash val="solid"/>
+                      <a:round/>
+                      <a:headEnd type="none" w="med" len="med"/>
+                      <a:tailEnd type="none" w="med" len="med"/>
+                    </a:lnT>
+                    <a:lnB w="6350" cap="flat" cmpd="sng" algn="ctr">
+                      <a:solidFill>
+                        <a:srgbClr val="000000"/>
+                      </a:solidFill>
+                      <a:prstDash val="solid"/>
+                      <a:round/>
+                      <a:headEnd type="none" w="med" len="med"/>
+                      <a:tailEnd type="none" w="med" len="med"/>
+                    </a:lnB>
+                    <a:solidFill>
+                      <a:schemeClr val="bg2">
+                        <a:lumMod val="40000"/>
+                        <a:lumOff val="60000"/>
+                      </a:schemeClr>
+                    </a:solidFill>
+                  </a:tcPr>
+                </a:tc>
+              </a:tr>
+              <a:tr h="306532">
+                <a:tc>
+                  <a:txBody>
+                    <a:bodyPr/>
+                    <a:lstStyle/>
+                    <a:p>
+                      <a:pPr algn="ctr" fontAlgn="ctr"/>
+                      <a:r>
+                        <a:rPr lang="zh-CN" altLang="en-US" sz="2400" b="0" i="0" u="none" strike="noStrike">
+                          <a:solidFill>
+                            <a:srgbClr val="000000"/>
+                          </a:solidFill>
+                          <a:effectLst/>
+                          <a:latin typeface="宋体" panose="02010600030101010101" pitchFamily="2" charset="-122"/>
+                          <a:ea typeface="宋体" panose="02010600030101010101" pitchFamily="2" charset="-122"/>
+                        </a:rPr>
+                        <a:t>百变越野车（遥控）</a:t>
+                      </a:r>
+                    </a:p>
+                  </a:txBody>
+                  <a:tcPr marL="7620" marR="7620" marT="7620" marB="0" anchor="ctr">
+                    <a:lnL w="6350" cap="flat" cmpd="sng" algn="ctr">
+                      <a:solidFill>
+                        <a:srgbClr val="000000"/>
+                      </a:solidFill>
+                      <a:prstDash val="solid"/>
+                      <a:round/>
+                      <a:headEnd type="none" w="med" len="med"/>
+                      <a:tailEnd type="none" w="med" len="med"/>
+                    </a:lnL>
+                    <a:lnR w="6350" cap="flat" cmpd="sng" algn="ctr">
+                      <a:solidFill>
+                        <a:srgbClr val="000000"/>
+                      </a:solidFill>
+                      <a:prstDash val="solid"/>
+                      <a:round/>
+                      <a:headEnd type="none" w="med" len="med"/>
+                      <a:tailEnd type="none" w="med" len="med"/>
+                    </a:lnR>
+                    <a:lnT w="6350" cap="flat" cmpd="sng" algn="ctr">
+                      <a:solidFill>
+                        <a:srgbClr val="000000"/>
+                      </a:solidFill>
+                      <a:prstDash val="solid"/>
+                      <a:round/>
+                      <a:headEnd type="none" w="med" len="med"/>
+                      <a:tailEnd type="none" w="med" len="med"/>
+                    </a:lnT>
+                    <a:lnB w="6350" cap="flat" cmpd="sng" algn="ctr">
+                      <a:solidFill>
+                        <a:srgbClr val="000000"/>
+                      </a:solidFill>
+                      <a:prstDash val="solid"/>
+                      <a:round/>
+                      <a:headEnd type="none" w="med" len="med"/>
+                      <a:tailEnd type="none" w="med" len="med"/>
+                    </a:lnB>
+                    <a:solidFill>
+                      <a:schemeClr val="bg2">
+                        <a:lumMod val="40000"/>
+                        <a:lumOff val="60000"/>
+                      </a:schemeClr>
+                    </a:solidFill>
+                  </a:tcPr>
+                </a:tc>
+                <a:tc>
+                  <a:txBody>
+                    <a:bodyPr/>
+                    <a:lstStyle/>
+                    <a:p>
+                      <a:pPr algn="ctr" fontAlgn="ctr"/>
+                      <a:r>
+                        <a:rPr lang="en-US" altLang="zh-CN" sz="2400" b="0" i="0" u="none" strike="noStrike">
+                          <a:solidFill>
+                            <a:srgbClr val="000000"/>
+                          </a:solidFill>
+                          <a:effectLst/>
+                          <a:latin typeface="宋体" panose="02010600030101010101" pitchFamily="2" charset="-122"/>
+                          <a:ea typeface="宋体" panose="02010600030101010101" pitchFamily="2" charset="-122"/>
+                        </a:rPr>
+                        <a:t>0:10:03</a:t>
+                      </a:r>
+                    </a:p>
+                  </a:txBody>
+                  <a:tcPr marL="7620" marR="7620" marT="7620" marB="0" anchor="ctr">
+                    <a:lnL w="6350" cap="flat" cmpd="sng" algn="ctr">
+                      <a:solidFill>
+                        <a:srgbClr val="000000"/>
+                      </a:solidFill>
+                      <a:prstDash val="solid"/>
+                      <a:round/>
+                      <a:headEnd type="none" w="med" len="med"/>
+                      <a:tailEnd type="none" w="med" len="med"/>
+                    </a:lnL>
+                    <a:lnR w="6350" cap="flat" cmpd="sng" algn="ctr">
+                      <a:solidFill>
+                        <a:srgbClr val="000000"/>
+                      </a:solidFill>
+                      <a:prstDash val="solid"/>
+                      <a:round/>
+                      <a:headEnd type="none" w="med" len="med"/>
+                      <a:tailEnd type="none" w="med" len="med"/>
+                    </a:lnR>
+                    <a:lnT w="6350" cap="flat" cmpd="sng" algn="ctr">
+                      <a:solidFill>
+                        <a:srgbClr val="000000"/>
+                      </a:solidFill>
+                      <a:prstDash val="solid"/>
+                      <a:round/>
+                      <a:headEnd type="none" w="med" len="med"/>
+                      <a:tailEnd type="none" w="med" len="med"/>
+                    </a:lnT>
+                    <a:lnB w="6350" cap="flat" cmpd="sng" algn="ctr">
+                      <a:solidFill>
+                        <a:srgbClr val="000000"/>
+                      </a:solidFill>
+                      <a:prstDash val="solid"/>
+                      <a:round/>
+                      <a:headEnd type="none" w="med" len="med"/>
+                      <a:tailEnd type="none" w="med" len="med"/>
+                    </a:lnB>
+                    <a:solidFill>
+                      <a:schemeClr val="bg2">
+                        <a:lumMod val="40000"/>
+                        <a:lumOff val="60000"/>
+                      </a:schemeClr>
+                    </a:solidFill>
+                  </a:tcPr>
+                </a:tc>
+              </a:tr>
+              <a:tr h="306532">
+                <a:tc>
+                  <a:txBody>
+                    <a:bodyPr/>
+                    <a:lstStyle/>
+                    <a:p>
+                      <a:pPr algn="ctr" fontAlgn="ctr"/>
+                      <a:r>
+                        <a:rPr lang="zh-CN" altLang="en-US" sz="2400" b="0" i="0" u="none" strike="noStrike">
+                          <a:solidFill>
+                            <a:srgbClr val="000000"/>
+                          </a:solidFill>
+                          <a:effectLst/>
+                          <a:latin typeface="宋体" panose="02010600030101010101" pitchFamily="2" charset="-122"/>
+                          <a:ea typeface="宋体" panose="02010600030101010101" pitchFamily="2" charset="-122"/>
+                        </a:rPr>
+                        <a:t>百变高空作业车</a:t>
+                      </a:r>
+                    </a:p>
+                  </a:txBody>
+                  <a:tcPr marL="7620" marR="7620" marT="7620" marB="0" anchor="ctr">
+                    <a:lnL w="6350" cap="flat" cmpd="sng" algn="ctr">
+                      <a:solidFill>
+                        <a:srgbClr val="000000"/>
+                      </a:solidFill>
+                      <a:prstDash val="solid"/>
+                      <a:round/>
+                      <a:headEnd type="none" w="med" len="med"/>
+                      <a:tailEnd type="none" w="med" len="med"/>
+                    </a:lnL>
+                    <a:lnR w="6350" cap="flat" cmpd="sng" algn="ctr">
+                      <a:solidFill>
+                        <a:srgbClr val="000000"/>
+                      </a:solidFill>
+                      <a:prstDash val="solid"/>
+                      <a:round/>
+                      <a:headEnd type="none" w="med" len="med"/>
+                      <a:tailEnd type="none" w="med" len="med"/>
+                    </a:lnR>
+                    <a:lnT w="6350" cap="flat" cmpd="sng" algn="ctr">
+                      <a:solidFill>
+                        <a:srgbClr val="000000"/>
+                      </a:solidFill>
+                      <a:prstDash val="solid"/>
+                      <a:round/>
+                      <a:headEnd type="none" w="med" len="med"/>
+                      <a:tailEnd type="none" w="med" len="med"/>
+                    </a:lnT>
+                    <a:lnB w="6350" cap="flat" cmpd="sng" algn="ctr">
+                      <a:solidFill>
+                        <a:srgbClr val="000000"/>
+                      </a:solidFill>
+                      <a:prstDash val="solid"/>
+                      <a:round/>
+                      <a:headEnd type="none" w="med" len="med"/>
+                      <a:tailEnd type="none" w="med" len="med"/>
+                    </a:lnB>
+                    <a:solidFill>
+                      <a:schemeClr val="bg2">
+                        <a:lumMod val="40000"/>
+                        <a:lumOff val="60000"/>
+                      </a:schemeClr>
+                    </a:solidFill>
+                  </a:tcPr>
+                </a:tc>
+                <a:tc>
+                  <a:txBody>
+                    <a:bodyPr/>
+                    <a:lstStyle/>
+                    <a:p>
+                      <a:pPr algn="ctr" fontAlgn="ctr"/>
+                      <a:r>
+                        <a:rPr lang="en-US" altLang="zh-CN" sz="2400" b="0" i="0" u="none" strike="noStrike">
+                          <a:solidFill>
+                            <a:srgbClr val="000000"/>
+                          </a:solidFill>
+                          <a:effectLst/>
+                          <a:latin typeface="宋体" panose="02010600030101010101" pitchFamily="2" charset="-122"/>
+                          <a:ea typeface="宋体" panose="02010600030101010101" pitchFamily="2" charset="-122"/>
+                        </a:rPr>
+                        <a:t>0:11:20</a:t>
+                      </a:r>
+                    </a:p>
+                  </a:txBody>
+                  <a:tcPr marL="7620" marR="7620" marT="7620" marB="0" anchor="ctr">
+                    <a:lnL w="6350" cap="flat" cmpd="sng" algn="ctr">
+                      <a:solidFill>
+                        <a:srgbClr val="000000"/>
+                      </a:solidFill>
+                      <a:prstDash val="solid"/>
+                      <a:round/>
+                      <a:headEnd type="none" w="med" len="med"/>
+                      <a:tailEnd type="none" w="med" len="med"/>
+                    </a:lnL>
+                    <a:lnR w="6350" cap="flat" cmpd="sng" algn="ctr">
+                      <a:solidFill>
+                        <a:srgbClr val="000000"/>
+                      </a:solidFill>
+                      <a:prstDash val="solid"/>
+                      <a:round/>
+                      <a:headEnd type="none" w="med" len="med"/>
+                      <a:tailEnd type="none" w="med" len="med"/>
+                    </a:lnR>
+                    <a:lnT w="6350" cap="flat" cmpd="sng" algn="ctr">
+                      <a:solidFill>
+                        <a:srgbClr val="000000"/>
+                      </a:solidFill>
+                      <a:prstDash val="solid"/>
+                      <a:round/>
+                      <a:headEnd type="none" w="med" len="med"/>
+                      <a:tailEnd type="none" w="med" len="med"/>
+                    </a:lnT>
+                    <a:lnB w="6350" cap="flat" cmpd="sng" algn="ctr">
+                      <a:solidFill>
+                        <a:srgbClr val="000000"/>
+                      </a:solidFill>
+                      <a:prstDash val="solid"/>
+                      <a:round/>
+                      <a:headEnd type="none" w="med" len="med"/>
+                      <a:tailEnd type="none" w="med" len="med"/>
+                    </a:lnB>
+                    <a:solidFill>
+                      <a:schemeClr val="bg2">
+                        <a:lumMod val="40000"/>
+                        <a:lumOff val="60000"/>
+                      </a:schemeClr>
+                    </a:solidFill>
+                  </a:tcPr>
+                </a:tc>
+              </a:tr>
+              <a:tr h="306532">
+                <a:tc>
+                  <a:txBody>
+                    <a:bodyPr/>
+                    <a:lstStyle/>
+                    <a:p>
+                      <a:pPr algn="ctr" fontAlgn="ctr"/>
+                      <a:r>
+                        <a:rPr lang="zh-CN" altLang="en-US" sz="2400" b="0" i="0" u="none" strike="noStrike">
+                          <a:solidFill>
+                            <a:srgbClr val="000000"/>
+                          </a:solidFill>
+                          <a:effectLst/>
+                          <a:latin typeface="宋体" panose="02010600030101010101" pitchFamily="2" charset="-122"/>
+                          <a:ea typeface="宋体" panose="02010600030101010101" pitchFamily="2" charset="-122"/>
+                        </a:rPr>
+                        <a:t>百变箱式拖车（遥控）</a:t>
+                      </a:r>
+                    </a:p>
+                  </a:txBody>
+                  <a:tcPr marL="7620" marR="7620" marT="7620" marB="0" anchor="ctr">
+                    <a:lnL w="6350" cap="flat" cmpd="sng" algn="ctr">
+                      <a:solidFill>
+                        <a:srgbClr val="000000"/>
+                      </a:solidFill>
+                      <a:prstDash val="solid"/>
+                      <a:round/>
+                      <a:headEnd type="none" w="med" len="med"/>
+                      <a:tailEnd type="none" w="med" len="med"/>
+                    </a:lnL>
+                    <a:lnR w="6350" cap="flat" cmpd="sng" algn="ctr">
+                      <a:solidFill>
+                        <a:srgbClr val="000000"/>
+                      </a:solidFill>
+                      <a:prstDash val="solid"/>
+                      <a:round/>
+                      <a:headEnd type="none" w="med" len="med"/>
+                      <a:tailEnd type="none" w="med" len="med"/>
+                    </a:lnR>
+                    <a:lnT w="6350" cap="flat" cmpd="sng" algn="ctr">
+                      <a:solidFill>
+                        <a:srgbClr val="000000"/>
+                      </a:solidFill>
+                      <a:prstDash val="solid"/>
+                      <a:round/>
+                      <a:headEnd type="none" w="med" len="med"/>
+                      <a:tailEnd type="none" w="med" len="med"/>
+                    </a:lnT>
+                    <a:lnB w="6350" cap="flat" cmpd="sng" algn="ctr">
+                      <a:solidFill>
+                        <a:srgbClr val="000000"/>
+                      </a:solidFill>
+                      <a:prstDash val="solid"/>
+                      <a:round/>
+                      <a:headEnd type="none" w="med" len="med"/>
+                      <a:tailEnd type="none" w="med" len="med"/>
+                    </a:lnB>
+                    <a:solidFill>
+                      <a:schemeClr val="bg2">
+                        <a:lumMod val="40000"/>
+                        <a:lumOff val="60000"/>
+                      </a:schemeClr>
+                    </a:solidFill>
+                  </a:tcPr>
+                </a:tc>
+                <a:tc>
+                  <a:txBody>
+                    <a:bodyPr/>
+                    <a:lstStyle/>
+                    <a:p>
+                      <a:pPr algn="ctr" fontAlgn="ctr"/>
+                      <a:r>
+                        <a:rPr lang="en-US" altLang="zh-CN" sz="2400" b="0" i="0" u="none" strike="noStrike">
+                          <a:solidFill>
+                            <a:srgbClr val="000000"/>
+                          </a:solidFill>
+                          <a:effectLst/>
+                          <a:latin typeface="宋体" panose="02010600030101010101" pitchFamily="2" charset="-122"/>
+                          <a:ea typeface="宋体" panose="02010600030101010101" pitchFamily="2" charset="-122"/>
+                        </a:rPr>
+                        <a:t>0:11:11</a:t>
+                      </a:r>
+                    </a:p>
+                  </a:txBody>
+                  <a:tcPr marL="7620" marR="7620" marT="7620" marB="0" anchor="ctr">
+                    <a:lnL w="6350" cap="flat" cmpd="sng" algn="ctr">
+                      <a:solidFill>
+                        <a:srgbClr val="000000"/>
+                      </a:solidFill>
+                      <a:prstDash val="solid"/>
+                      <a:round/>
+                      <a:headEnd type="none" w="med" len="med"/>
+                      <a:tailEnd type="none" w="med" len="med"/>
+                    </a:lnL>
+                    <a:lnR w="6350" cap="flat" cmpd="sng" algn="ctr">
+                      <a:solidFill>
+                        <a:srgbClr val="000000"/>
+                      </a:solidFill>
+                      <a:prstDash val="solid"/>
+                      <a:round/>
+                      <a:headEnd type="none" w="med" len="med"/>
+                      <a:tailEnd type="none" w="med" len="med"/>
+                    </a:lnR>
+                    <a:lnT w="6350" cap="flat" cmpd="sng" algn="ctr">
+                      <a:solidFill>
+                        <a:srgbClr val="000000"/>
+                      </a:solidFill>
+                      <a:prstDash val="solid"/>
+                      <a:round/>
+                      <a:headEnd type="none" w="med" len="med"/>
+                      <a:tailEnd type="none" w="med" len="med"/>
+                    </a:lnT>
+                    <a:lnB w="6350" cap="flat" cmpd="sng" algn="ctr">
+                      <a:solidFill>
+                        <a:srgbClr val="000000"/>
+                      </a:solidFill>
+                      <a:prstDash val="solid"/>
+                      <a:round/>
+                      <a:headEnd type="none" w="med" len="med"/>
+                      <a:tailEnd type="none" w="med" len="med"/>
+                    </a:lnB>
+                    <a:solidFill>
+                      <a:schemeClr val="bg2">
+                        <a:lumMod val="40000"/>
+                        <a:lumOff val="60000"/>
+                      </a:schemeClr>
+                    </a:solidFill>
+                  </a:tcPr>
+                </a:tc>
+              </a:tr>
+              <a:tr h="306532">
+                <a:tc>
+                  <a:txBody>
+                    <a:bodyPr/>
+                    <a:lstStyle/>
+                    <a:p>
+                      <a:pPr algn="ctr" fontAlgn="ctr"/>
+                      <a:r>
+                        <a:rPr lang="zh-CN" altLang="en-US" sz="2400" b="0" i="0" u="none" strike="noStrike">
+                          <a:solidFill>
+                            <a:srgbClr val="000000"/>
+                          </a:solidFill>
+                          <a:effectLst/>
+                          <a:latin typeface="宋体" panose="02010600030101010101" pitchFamily="2" charset="-122"/>
+                          <a:ea typeface="宋体" panose="02010600030101010101" pitchFamily="2" charset="-122"/>
+                        </a:rPr>
+                        <a:t>百变赛车</a:t>
+                      </a:r>
+                    </a:p>
+                  </a:txBody>
+                  <a:tcPr marL="7620" marR="7620" marT="7620" marB="0" anchor="ctr">
+                    <a:lnL w="6350" cap="flat" cmpd="sng" algn="ctr">
+                      <a:solidFill>
+                        <a:srgbClr val="000000"/>
+                      </a:solidFill>
+                      <a:prstDash val="solid"/>
+                      <a:round/>
+                      <a:headEnd type="none" w="med" len="med"/>
+                      <a:tailEnd type="none" w="med" len="med"/>
+                    </a:lnL>
+                    <a:lnR w="6350" cap="flat" cmpd="sng" algn="ctr">
+                      <a:solidFill>
+                        <a:srgbClr val="000000"/>
+                      </a:solidFill>
+                      <a:prstDash val="solid"/>
+                      <a:round/>
+                      <a:headEnd type="none" w="med" len="med"/>
+                      <a:tailEnd type="none" w="med" len="med"/>
+                    </a:lnR>
+                    <a:lnT w="6350" cap="flat" cmpd="sng" algn="ctr">
+                      <a:solidFill>
+                        <a:srgbClr val="000000"/>
+                      </a:solidFill>
+                      <a:prstDash val="solid"/>
+                      <a:round/>
+                      <a:headEnd type="none" w="med" len="med"/>
+                      <a:tailEnd type="none" w="med" len="med"/>
+                    </a:lnT>
+                    <a:lnB w="6350" cap="flat" cmpd="sng" algn="ctr">
+                      <a:solidFill>
+                        <a:srgbClr val="000000"/>
+                      </a:solidFill>
+                      <a:prstDash val="solid"/>
+                      <a:round/>
+                      <a:headEnd type="none" w="med" len="med"/>
+                      <a:tailEnd type="none" w="med" len="med"/>
+                    </a:lnB>
+                    <a:solidFill>
+                      <a:schemeClr val="bg2">
+                        <a:lumMod val="40000"/>
+                        <a:lumOff val="60000"/>
+                      </a:schemeClr>
+                    </a:solidFill>
+                  </a:tcPr>
+                </a:tc>
+                <a:tc>
+                  <a:txBody>
+                    <a:bodyPr/>
+                    <a:lstStyle/>
+                    <a:p>
+                      <a:pPr algn="ctr" fontAlgn="ctr"/>
+                      <a:r>
+                        <a:rPr lang="en-US" altLang="zh-CN" sz="2400" b="0" i="0" u="none" strike="noStrike">
+                          <a:solidFill>
+                            <a:srgbClr val="000000"/>
+                          </a:solidFill>
+                          <a:effectLst/>
+                          <a:latin typeface="宋体" panose="02010600030101010101" pitchFamily="2" charset="-122"/>
+                          <a:ea typeface="宋体" panose="02010600030101010101" pitchFamily="2" charset="-122"/>
+                        </a:rPr>
+                        <a:t>0:12:16</a:t>
+                      </a:r>
+                    </a:p>
+                  </a:txBody>
+                  <a:tcPr marL="7620" marR="7620" marT="7620" marB="0" anchor="ctr">
+                    <a:lnL w="6350" cap="flat" cmpd="sng" algn="ctr">
+                      <a:solidFill>
+                        <a:srgbClr val="000000"/>
+                      </a:solidFill>
+                      <a:prstDash val="solid"/>
+                      <a:round/>
+                      <a:headEnd type="none" w="med" len="med"/>
+                      <a:tailEnd type="none" w="med" len="med"/>
+                    </a:lnL>
+                    <a:lnR w="6350" cap="flat" cmpd="sng" algn="ctr">
+                      <a:solidFill>
+                        <a:srgbClr val="000000"/>
+                      </a:solidFill>
+                      <a:prstDash val="solid"/>
+                      <a:round/>
+                      <a:headEnd type="none" w="med" len="med"/>
+                      <a:tailEnd type="none" w="med" len="med"/>
+                    </a:lnR>
+                    <a:lnT w="6350" cap="flat" cmpd="sng" algn="ctr">
+                      <a:solidFill>
+                        <a:srgbClr val="000000"/>
+                      </a:solidFill>
+                      <a:prstDash val="solid"/>
+                      <a:round/>
+                      <a:headEnd type="none" w="med" len="med"/>
+                      <a:tailEnd type="none" w="med" len="med"/>
+                    </a:lnT>
+                    <a:lnB w="6350" cap="flat" cmpd="sng" algn="ctr">
+                      <a:solidFill>
+                        <a:srgbClr val="000000"/>
+                      </a:solidFill>
+                      <a:prstDash val="solid"/>
+                      <a:round/>
+                      <a:headEnd type="none" w="med" len="med"/>
+                      <a:tailEnd type="none" w="med" len="med"/>
+                    </a:lnB>
+                    <a:solidFill>
+                      <a:schemeClr val="bg2">
+                        <a:lumMod val="40000"/>
+                        <a:lumOff val="60000"/>
+                      </a:schemeClr>
+                    </a:solidFill>
+                  </a:tcPr>
+                </a:tc>
+              </a:tr>
+              <a:tr h="306532">
+                <a:tc>
+                  <a:txBody>
+                    <a:bodyPr/>
+                    <a:lstStyle/>
+                    <a:p>
+                      <a:pPr algn="ctr" fontAlgn="ctr"/>
+                      <a:r>
+                        <a:rPr lang="zh-CN" altLang="en-US" sz="2400" b="0" i="0" u="none" strike="noStrike">
+                          <a:solidFill>
+                            <a:srgbClr val="000000"/>
+                          </a:solidFill>
+                          <a:effectLst/>
+                          <a:latin typeface="宋体" panose="02010600030101010101" pitchFamily="2" charset="-122"/>
+                          <a:ea typeface="宋体" panose="02010600030101010101" pitchFamily="2" charset="-122"/>
+                        </a:rPr>
+                        <a:t>百变警车</a:t>
+                      </a:r>
+                    </a:p>
+                  </a:txBody>
+                  <a:tcPr marL="7620" marR="7620" marT="7620" marB="0" anchor="ctr">
+                    <a:lnL w="6350" cap="flat" cmpd="sng" algn="ctr">
+                      <a:solidFill>
+                        <a:srgbClr val="000000"/>
+                      </a:solidFill>
+                      <a:prstDash val="solid"/>
+                      <a:round/>
+                      <a:headEnd type="none" w="med" len="med"/>
+                      <a:tailEnd type="none" w="med" len="med"/>
+                    </a:lnL>
+                    <a:lnR w="6350" cap="flat" cmpd="sng" algn="ctr">
+                      <a:solidFill>
+                        <a:srgbClr val="000000"/>
+                      </a:solidFill>
+                      <a:prstDash val="solid"/>
+                      <a:round/>
+                      <a:headEnd type="none" w="med" len="med"/>
+                      <a:tailEnd type="none" w="med" len="med"/>
+                    </a:lnR>
+                    <a:lnT w="6350" cap="flat" cmpd="sng" algn="ctr">
+                      <a:solidFill>
+                        <a:srgbClr val="000000"/>
+                      </a:solidFill>
+                      <a:prstDash val="solid"/>
+                      <a:round/>
+                      <a:headEnd type="none" w="med" len="med"/>
+                      <a:tailEnd type="none" w="med" len="med"/>
+                    </a:lnT>
+                    <a:lnB w="6350" cap="flat" cmpd="sng" algn="ctr">
+                      <a:solidFill>
+                        <a:srgbClr val="000000"/>
+                      </a:solidFill>
+                      <a:prstDash val="solid"/>
+                      <a:round/>
+                      <a:headEnd type="none" w="med" len="med"/>
+                      <a:tailEnd type="none" w="med" len="med"/>
+                    </a:lnB>
+                    <a:solidFill>
+                      <a:schemeClr val="bg2">
+                        <a:lumMod val="40000"/>
+                        <a:lumOff val="60000"/>
+                      </a:schemeClr>
+                    </a:solidFill>
+                  </a:tcPr>
+                </a:tc>
+                <a:tc>
+                  <a:txBody>
+                    <a:bodyPr/>
+                    <a:lstStyle/>
+                    <a:p>
+                      <a:pPr algn="ctr" fontAlgn="ctr"/>
+                      <a:r>
+                        <a:rPr lang="en-US" altLang="zh-CN" sz="2400" b="0" i="0" u="none" strike="noStrike">
+                          <a:solidFill>
+                            <a:srgbClr val="000000"/>
+                          </a:solidFill>
+                          <a:effectLst/>
+                          <a:latin typeface="宋体" panose="02010600030101010101" pitchFamily="2" charset="-122"/>
+                          <a:ea typeface="宋体" panose="02010600030101010101" pitchFamily="2" charset="-122"/>
+                        </a:rPr>
+                        <a:t>0:19:31</a:t>
+                      </a:r>
+                    </a:p>
+                  </a:txBody>
+                  <a:tcPr marL="7620" marR="7620" marT="7620" marB="0" anchor="ctr">
+                    <a:lnL w="6350" cap="flat" cmpd="sng" algn="ctr">
+                      <a:solidFill>
+                        <a:srgbClr val="000000"/>
+                      </a:solidFill>
+                      <a:prstDash val="solid"/>
+                      <a:round/>
+                      <a:headEnd type="none" w="med" len="med"/>
+                      <a:tailEnd type="none" w="med" len="med"/>
+                    </a:lnL>
+                    <a:lnR w="6350" cap="flat" cmpd="sng" algn="ctr">
+                      <a:solidFill>
+                        <a:srgbClr val="000000"/>
+                      </a:solidFill>
+                      <a:prstDash val="solid"/>
+                      <a:round/>
+                      <a:headEnd type="none" w="med" len="med"/>
+                      <a:tailEnd type="none" w="med" len="med"/>
+                    </a:lnR>
+                    <a:lnT w="6350" cap="flat" cmpd="sng" algn="ctr">
+                      <a:solidFill>
+                        <a:srgbClr val="000000"/>
+                      </a:solidFill>
+                      <a:prstDash val="solid"/>
+                      <a:round/>
+                      <a:headEnd type="none" w="med" len="med"/>
+                      <a:tailEnd type="none" w="med" len="med"/>
+                    </a:lnT>
+                    <a:lnB w="6350" cap="flat" cmpd="sng" algn="ctr">
+                      <a:solidFill>
+                        <a:srgbClr val="000000"/>
+                      </a:solidFill>
+                      <a:prstDash val="solid"/>
+                      <a:round/>
+                      <a:headEnd type="none" w="med" len="med"/>
+                      <a:tailEnd type="none" w="med" len="med"/>
+                    </a:lnB>
+                    <a:solidFill>
+                      <a:schemeClr val="bg2">
+                        <a:lumMod val="40000"/>
+                        <a:lumOff val="60000"/>
+                      </a:schemeClr>
+                    </a:solidFill>
+                  </a:tcPr>
+                </a:tc>
+              </a:tr>
+              <a:tr h="306532">
+                <a:tc>
+                  <a:txBody>
+                    <a:bodyPr/>
+                    <a:lstStyle/>
+                    <a:p>
+                      <a:pPr algn="ctr" fontAlgn="ctr"/>
+                      <a:r>
+                        <a:rPr lang="zh-CN" altLang="en-US" sz="2400" b="0" i="0" u="none" strike="noStrike">
+                          <a:solidFill>
+                            <a:srgbClr val="000000"/>
+                          </a:solidFill>
+                          <a:effectLst/>
+                          <a:latin typeface="宋体" panose="02010600030101010101" pitchFamily="2" charset="-122"/>
+                          <a:ea typeface="宋体" panose="02010600030101010101" pitchFamily="2" charset="-122"/>
+                        </a:rPr>
+                        <a:t>百变越野车</a:t>
+                      </a:r>
+                    </a:p>
+                  </a:txBody>
+                  <a:tcPr marL="7620" marR="7620" marT="7620" marB="0" anchor="ctr">
+                    <a:lnL w="6350" cap="flat" cmpd="sng" algn="ctr">
+                      <a:solidFill>
+                        <a:srgbClr val="000000"/>
+                      </a:solidFill>
+                      <a:prstDash val="solid"/>
+                      <a:round/>
+                      <a:headEnd type="none" w="med" len="med"/>
+                      <a:tailEnd type="none" w="med" len="med"/>
+                    </a:lnL>
+                    <a:lnR w="6350" cap="flat" cmpd="sng" algn="ctr">
+                      <a:solidFill>
+                        <a:srgbClr val="000000"/>
+                      </a:solidFill>
+                      <a:prstDash val="solid"/>
+                      <a:round/>
+                      <a:headEnd type="none" w="med" len="med"/>
+                      <a:tailEnd type="none" w="med" len="med"/>
+                    </a:lnR>
+                    <a:lnT w="6350" cap="flat" cmpd="sng" algn="ctr">
+                      <a:solidFill>
+                        <a:srgbClr val="000000"/>
+                      </a:solidFill>
+                      <a:prstDash val="solid"/>
+                      <a:round/>
+                      <a:headEnd type="none" w="med" len="med"/>
+                      <a:tailEnd type="none" w="med" len="med"/>
+                    </a:lnT>
+                    <a:lnB w="6350" cap="flat" cmpd="sng" algn="ctr">
+                      <a:solidFill>
+                        <a:srgbClr val="000000"/>
+                      </a:solidFill>
+                      <a:prstDash val="solid"/>
+                      <a:round/>
+                      <a:headEnd type="none" w="med" len="med"/>
+                      <a:tailEnd type="none" w="med" len="med"/>
+                    </a:lnB>
+                    <a:solidFill>
+                      <a:schemeClr val="bg2">
+                        <a:lumMod val="40000"/>
+                        <a:lumOff val="60000"/>
+                      </a:schemeClr>
+                    </a:solidFill>
+                  </a:tcPr>
+                </a:tc>
+                <a:tc>
+                  <a:txBody>
+                    <a:bodyPr/>
+                    <a:lstStyle/>
+                    <a:p>
+                      <a:pPr algn="ctr" fontAlgn="ctr"/>
+                      <a:r>
+                        <a:rPr lang="en-US" altLang="zh-CN" sz="2400" b="0" i="0" u="none" strike="noStrike" dirty="0">
+                          <a:solidFill>
+                            <a:srgbClr val="000000"/>
+                          </a:solidFill>
+                          <a:effectLst/>
+                          <a:latin typeface="宋体" panose="02010600030101010101" pitchFamily="2" charset="-122"/>
+                          <a:ea typeface="宋体" panose="02010600030101010101" pitchFamily="2" charset="-122"/>
+                        </a:rPr>
+                        <a:t>0:21:36</a:t>
+                      </a:r>
+                    </a:p>
+                  </a:txBody>
+                  <a:tcPr marL="7620" marR="7620" marT="7620" marB="0" anchor="ctr">
+                    <a:lnL w="6350" cap="flat" cmpd="sng" algn="ctr">
+                      <a:solidFill>
+                        <a:srgbClr val="000000"/>
+                      </a:solidFill>
+                      <a:prstDash val="solid"/>
+                      <a:round/>
+                      <a:headEnd type="none" w="med" len="med"/>
+                      <a:tailEnd type="none" w="med" len="med"/>
+                    </a:lnL>
+                    <a:lnR w="6350" cap="flat" cmpd="sng" algn="ctr">
+                      <a:solidFill>
+                        <a:srgbClr val="000000"/>
+                      </a:solidFill>
+                      <a:prstDash val="solid"/>
+                      <a:round/>
+                      <a:headEnd type="none" w="med" len="med"/>
+                      <a:tailEnd type="none" w="med" len="med"/>
+                    </a:lnR>
+                    <a:lnT w="6350" cap="flat" cmpd="sng" algn="ctr">
+                      <a:solidFill>
+                        <a:srgbClr val="000000"/>
+                      </a:solidFill>
+                      <a:prstDash val="solid"/>
+                      <a:round/>
+                      <a:headEnd type="none" w="med" len="med"/>
+                      <a:tailEnd type="none" w="med" len="med"/>
+                    </a:lnT>
+                    <a:lnB w="6350" cap="flat" cmpd="sng" algn="ctr">
+                      <a:solidFill>
+                        <a:srgbClr val="000000"/>
+                      </a:solidFill>
+                      <a:prstDash val="solid"/>
+                      <a:round/>
+                      <a:headEnd type="none" w="med" len="med"/>
+                      <a:tailEnd type="none" w="med" len="med"/>
+                    </a:lnB>
+                    <a:solidFill>
+                      <a:schemeClr val="bg2">
+                        <a:lumMod val="40000"/>
+                        <a:lumOff val="60000"/>
+                      </a:schemeClr>
+                    </a:solidFill>
+                  </a:tcPr>
+                </a:tc>
+              </a:tr>
+            </a:tbl>
+          </a:graphicData>
+        </a:graphic>
+      </p:graphicFrame>
+      <p:graphicFrame>
+        <p:nvGraphicFramePr>
+          <p:cNvPr id="4" name="表格 3"/>
+          <p:cNvGraphicFramePr>
+            <a:graphicFrameLocks noGrp="1"/>
+          </p:cNvGraphicFramePr>
+          <p:nvPr>
+            <p:extLst>
+              <p:ext uri="{D42A27DB-BD31-4B8C-83A1-F6EECF244321}">
+                <p14:modId xmlns:p14="http://schemas.microsoft.com/office/powerpoint/2010/main" val="3859621520"/>
+              </p:ext>
+            </p:extLst>
+          </p:nvPr>
+        </p:nvGraphicFramePr>
+        <p:xfrm>
+          <a:off x="6460634" y="792480"/>
+          <a:ext cx="5800054" cy="8961120"/>
+        </p:xfrm>
+        <a:graphic>
+          <a:graphicData uri="http://schemas.openxmlformats.org/drawingml/2006/table">
+            <a:tbl>
+              <a:tblPr/>
+              <a:tblGrid>
+                <a:gridCol w="3520493"/>
+                <a:gridCol w="2279561"/>
+              </a:tblGrid>
+              <a:tr h="373042">
+                <a:tc>
+                  <a:txBody>
+                    <a:bodyPr/>
+                    <a:lstStyle/>
+                    <a:p>
+                      <a:pPr algn="ctr" fontAlgn="ctr"/>
+                      <a:r>
+                        <a:rPr lang="zh-CN" altLang="en-US" sz="2400" b="0" i="0" u="none" strike="noStrike" dirty="0">
+                          <a:solidFill>
+                            <a:srgbClr val="000000"/>
+                          </a:solidFill>
+                          <a:effectLst/>
+                          <a:latin typeface="宋体" panose="02010600030101010101" pitchFamily="2" charset="-122"/>
+                          <a:ea typeface="宋体" panose="02010600030101010101" pitchFamily="2" charset="-122"/>
+                        </a:rPr>
+                        <a:t>百</a:t>
+                      </a:r>
+                      <a:r>
+                        <a:rPr lang="zh-CN" altLang="en-US" sz="2400" b="0" i="0" u="none" strike="noStrike" dirty="0" smtClean="0">
+                          <a:solidFill>
+                            <a:srgbClr val="000000"/>
+                          </a:solidFill>
+                          <a:effectLst/>
+                          <a:latin typeface="宋体" panose="02010600030101010101" pitchFamily="2" charset="-122"/>
+                          <a:ea typeface="宋体" panose="02010600030101010101" pitchFamily="2" charset="-122"/>
+                        </a:rPr>
+                        <a:t>变滑翔机</a:t>
+                      </a:r>
+                      <a:endParaRPr lang="zh-CN" altLang="en-US" sz="2400" b="0" i="0" u="none" strike="noStrike" dirty="0">
+                        <a:solidFill>
+                          <a:srgbClr val="000000"/>
+                        </a:solidFill>
+                        <a:effectLst/>
+                        <a:latin typeface="宋体" panose="02010600030101010101" pitchFamily="2" charset="-122"/>
+                        <a:ea typeface="宋体" panose="02010600030101010101" pitchFamily="2" charset="-122"/>
+                      </a:endParaRPr>
+                    </a:p>
+                  </a:txBody>
+                  <a:tcPr marL="7620" marR="7620" marT="7620" marB="0" anchor="ctr">
+                    <a:lnL w="6350" cap="flat" cmpd="sng" algn="ctr">
+                      <a:solidFill>
+                        <a:srgbClr val="000000"/>
+                      </a:solidFill>
+                      <a:prstDash val="solid"/>
+                      <a:round/>
+                      <a:headEnd type="none" w="med" len="med"/>
+                      <a:tailEnd type="none" w="med" len="med"/>
+                    </a:lnL>
+                    <a:lnR w="6350" cap="flat" cmpd="sng" algn="ctr">
+                      <a:solidFill>
+                        <a:srgbClr val="000000"/>
+                      </a:solidFill>
+                      <a:prstDash val="solid"/>
+                      <a:round/>
+                      <a:headEnd type="none" w="med" len="med"/>
+                      <a:tailEnd type="none" w="med" len="med"/>
+                    </a:lnR>
+                    <a:lnT w="6350" cap="flat" cmpd="sng" algn="ctr">
+                      <a:solidFill>
+                        <a:srgbClr val="000000"/>
+                      </a:solidFill>
+                      <a:prstDash val="solid"/>
+                      <a:round/>
+                      <a:headEnd type="none" w="med" len="med"/>
+                      <a:tailEnd type="none" w="med" len="med"/>
+                    </a:lnT>
+                    <a:lnB w="6350" cap="flat" cmpd="sng" algn="ctr">
+                      <a:solidFill>
+                        <a:srgbClr val="000000"/>
+                      </a:solidFill>
+                      <a:prstDash val="solid"/>
+                      <a:round/>
+                      <a:headEnd type="none" w="med" len="med"/>
+                      <a:tailEnd type="none" w="med" len="med"/>
+                    </a:lnB>
+                    <a:solidFill>
+                      <a:schemeClr val="bg2">
+                        <a:lumMod val="40000"/>
+                        <a:lumOff val="60000"/>
+                      </a:schemeClr>
+                    </a:solidFill>
+                  </a:tcPr>
+                </a:tc>
+                <a:tc>
+                  <a:txBody>
+                    <a:bodyPr/>
+                    <a:lstStyle/>
+                    <a:p>
+                      <a:pPr algn="ctr" fontAlgn="ctr"/>
+                      <a:r>
+                        <a:rPr lang="en-US" altLang="zh-CN" sz="2400" b="0" i="0" u="none" strike="noStrike">
+                          <a:solidFill>
+                            <a:srgbClr val="000000"/>
+                          </a:solidFill>
+                          <a:effectLst/>
+                          <a:latin typeface="宋体" panose="02010600030101010101" pitchFamily="2" charset="-122"/>
+                          <a:ea typeface="宋体" panose="02010600030101010101" pitchFamily="2" charset="-122"/>
+                        </a:rPr>
+                        <a:t>0:39:25</a:t>
+                      </a:r>
+                    </a:p>
+                  </a:txBody>
+                  <a:tcPr marL="7620" marR="7620" marT="7620" marB="0" anchor="ctr">
+                    <a:lnL w="6350" cap="flat" cmpd="sng" algn="ctr">
+                      <a:solidFill>
+                        <a:srgbClr val="000000"/>
+                      </a:solidFill>
+                      <a:prstDash val="solid"/>
+                      <a:round/>
+                      <a:headEnd type="none" w="med" len="med"/>
+                      <a:tailEnd type="none" w="med" len="med"/>
+                    </a:lnL>
+                    <a:lnR w="6350" cap="flat" cmpd="sng" algn="ctr">
+                      <a:solidFill>
+                        <a:srgbClr val="000000"/>
+                      </a:solidFill>
+                      <a:prstDash val="solid"/>
+                      <a:round/>
+                      <a:headEnd type="none" w="med" len="med"/>
+                      <a:tailEnd type="none" w="med" len="med"/>
+                    </a:lnR>
+                    <a:lnT w="6350" cap="flat" cmpd="sng" algn="ctr">
+                      <a:solidFill>
+                        <a:srgbClr val="000000"/>
+                      </a:solidFill>
+                      <a:prstDash val="solid"/>
+                      <a:round/>
+                      <a:headEnd type="none" w="med" len="med"/>
+                      <a:tailEnd type="none" w="med" len="med"/>
+                    </a:lnT>
+                    <a:lnB w="6350" cap="flat" cmpd="sng" algn="ctr">
+                      <a:solidFill>
+                        <a:srgbClr val="000000"/>
+                      </a:solidFill>
+                      <a:prstDash val="solid"/>
+                      <a:round/>
+                      <a:headEnd type="none" w="med" len="med"/>
+                      <a:tailEnd type="none" w="med" len="med"/>
+                    </a:lnB>
+                    <a:solidFill>
+                      <a:schemeClr val="bg2">
+                        <a:lumMod val="40000"/>
+                        <a:lumOff val="60000"/>
+                      </a:schemeClr>
+                    </a:solidFill>
+                  </a:tcPr>
+                </a:tc>
+              </a:tr>
+              <a:tr h="373042">
+                <a:tc>
+                  <a:txBody>
+                    <a:bodyPr/>
+                    <a:lstStyle/>
+                    <a:p>
+                      <a:pPr algn="ctr" fontAlgn="ctr"/>
+                      <a:r>
+                        <a:rPr lang="zh-CN" altLang="en-US" sz="2400" b="0" i="0" u="none" strike="noStrike">
+                          <a:solidFill>
+                            <a:srgbClr val="000000"/>
+                          </a:solidFill>
+                          <a:effectLst/>
+                          <a:latin typeface="宋体" panose="02010600030101010101" pitchFamily="2" charset="-122"/>
+                          <a:ea typeface="宋体" panose="02010600030101010101" pitchFamily="2" charset="-122"/>
+                        </a:rPr>
+                        <a:t>百变直升机</a:t>
+                      </a:r>
+                    </a:p>
+                  </a:txBody>
+                  <a:tcPr marL="7620" marR="7620" marT="7620" marB="0" anchor="ctr">
+                    <a:lnL w="6350" cap="flat" cmpd="sng" algn="ctr">
+                      <a:solidFill>
+                        <a:srgbClr val="000000"/>
+                      </a:solidFill>
+                      <a:prstDash val="solid"/>
+                      <a:round/>
+                      <a:headEnd type="none" w="med" len="med"/>
+                      <a:tailEnd type="none" w="med" len="med"/>
+                    </a:lnL>
+                    <a:lnR w="6350" cap="flat" cmpd="sng" algn="ctr">
+                      <a:solidFill>
+                        <a:srgbClr val="000000"/>
+                      </a:solidFill>
+                      <a:prstDash val="solid"/>
+                      <a:round/>
+                      <a:headEnd type="none" w="med" len="med"/>
+                      <a:tailEnd type="none" w="med" len="med"/>
+                    </a:lnR>
+                    <a:lnT w="6350" cap="flat" cmpd="sng" algn="ctr">
+                      <a:solidFill>
+                        <a:srgbClr val="000000"/>
+                      </a:solidFill>
+                      <a:prstDash val="solid"/>
+                      <a:round/>
+                      <a:headEnd type="none" w="med" len="med"/>
+                      <a:tailEnd type="none" w="med" len="med"/>
+                    </a:lnT>
+                    <a:lnB w="6350" cap="flat" cmpd="sng" algn="ctr">
+                      <a:solidFill>
+                        <a:srgbClr val="000000"/>
+                      </a:solidFill>
+                      <a:prstDash val="solid"/>
+                      <a:round/>
+                      <a:headEnd type="none" w="med" len="med"/>
+                      <a:tailEnd type="none" w="med" len="med"/>
+                    </a:lnB>
+                    <a:solidFill>
+                      <a:schemeClr val="bg2">
+                        <a:lumMod val="40000"/>
+                        <a:lumOff val="60000"/>
+                      </a:schemeClr>
+                    </a:solidFill>
+                  </a:tcPr>
+                </a:tc>
+                <a:tc>
+                  <a:txBody>
+                    <a:bodyPr/>
+                    <a:lstStyle/>
+                    <a:p>
+                      <a:pPr algn="ctr" fontAlgn="ctr"/>
+                      <a:r>
+                        <a:rPr lang="en-US" altLang="zh-CN" sz="2400" b="0" i="0" u="none" strike="noStrike">
+                          <a:solidFill>
+                            <a:srgbClr val="000000"/>
+                          </a:solidFill>
+                          <a:effectLst/>
+                          <a:latin typeface="宋体" panose="02010600030101010101" pitchFamily="2" charset="-122"/>
+                          <a:ea typeface="宋体" panose="02010600030101010101" pitchFamily="2" charset="-122"/>
+                        </a:rPr>
+                        <a:t>0:34:17</a:t>
+                      </a:r>
+                    </a:p>
+                  </a:txBody>
+                  <a:tcPr marL="7620" marR="7620" marT="7620" marB="0" anchor="ctr">
+                    <a:lnL w="6350" cap="flat" cmpd="sng" algn="ctr">
+                      <a:solidFill>
+                        <a:srgbClr val="000000"/>
+                      </a:solidFill>
+                      <a:prstDash val="solid"/>
+                      <a:round/>
+                      <a:headEnd type="none" w="med" len="med"/>
+                      <a:tailEnd type="none" w="med" len="med"/>
+                    </a:lnL>
+                    <a:lnR w="6350" cap="flat" cmpd="sng" algn="ctr">
+                      <a:solidFill>
+                        <a:srgbClr val="000000"/>
+                      </a:solidFill>
+                      <a:prstDash val="solid"/>
+                      <a:round/>
+                      <a:headEnd type="none" w="med" len="med"/>
+                      <a:tailEnd type="none" w="med" len="med"/>
+                    </a:lnR>
+                    <a:lnT w="6350" cap="flat" cmpd="sng" algn="ctr">
+                      <a:solidFill>
+                        <a:srgbClr val="000000"/>
+                      </a:solidFill>
+                      <a:prstDash val="solid"/>
+                      <a:round/>
+                      <a:headEnd type="none" w="med" len="med"/>
+                      <a:tailEnd type="none" w="med" len="med"/>
+                    </a:lnT>
+                    <a:lnB w="6350" cap="flat" cmpd="sng" algn="ctr">
+                      <a:solidFill>
+                        <a:srgbClr val="000000"/>
+                      </a:solidFill>
+                      <a:prstDash val="solid"/>
+                      <a:round/>
+                      <a:headEnd type="none" w="med" len="med"/>
+                      <a:tailEnd type="none" w="med" len="med"/>
+                    </a:lnB>
+                    <a:solidFill>
+                      <a:schemeClr val="bg2">
+                        <a:lumMod val="40000"/>
+                        <a:lumOff val="60000"/>
+                      </a:schemeClr>
+                    </a:solidFill>
+                  </a:tcPr>
+                </a:tc>
+              </a:tr>
+              <a:tr h="373042">
+                <a:tc>
+                  <a:txBody>
+                    <a:bodyPr/>
+                    <a:lstStyle/>
+                    <a:p>
+                      <a:pPr algn="ctr" fontAlgn="ctr"/>
+                      <a:r>
+                        <a:rPr lang="zh-CN" altLang="en-US" sz="2400" b="0" i="0" u="none" strike="noStrike">
+                          <a:solidFill>
+                            <a:srgbClr val="000000"/>
+                          </a:solidFill>
+                          <a:effectLst/>
+                          <a:latin typeface="宋体" panose="02010600030101010101" pitchFamily="2" charset="-122"/>
+                          <a:ea typeface="宋体" panose="02010600030101010101" pitchFamily="2" charset="-122"/>
+                        </a:rPr>
+                        <a:t>百变救护车</a:t>
+                      </a:r>
+                    </a:p>
+                  </a:txBody>
+                  <a:tcPr marL="7620" marR="7620" marT="7620" marB="0" anchor="ctr">
+                    <a:lnL w="6350" cap="flat" cmpd="sng" algn="ctr">
+                      <a:solidFill>
+                        <a:srgbClr val="000000"/>
+                      </a:solidFill>
+                      <a:prstDash val="solid"/>
+                      <a:round/>
+                      <a:headEnd type="none" w="med" len="med"/>
+                      <a:tailEnd type="none" w="med" len="med"/>
+                    </a:lnL>
+                    <a:lnR w="6350" cap="flat" cmpd="sng" algn="ctr">
+                      <a:solidFill>
+                        <a:srgbClr val="000000"/>
+                      </a:solidFill>
+                      <a:prstDash val="solid"/>
+                      <a:round/>
+                      <a:headEnd type="none" w="med" len="med"/>
+                      <a:tailEnd type="none" w="med" len="med"/>
+                    </a:lnR>
+                    <a:lnT w="6350" cap="flat" cmpd="sng" algn="ctr">
+                      <a:solidFill>
+                        <a:srgbClr val="000000"/>
+                      </a:solidFill>
+                      <a:prstDash val="solid"/>
+                      <a:round/>
+                      <a:headEnd type="none" w="med" len="med"/>
+                      <a:tailEnd type="none" w="med" len="med"/>
+                    </a:lnT>
+                    <a:lnB w="6350" cap="flat" cmpd="sng" algn="ctr">
+                      <a:solidFill>
+                        <a:srgbClr val="000000"/>
+                      </a:solidFill>
+                      <a:prstDash val="solid"/>
+                      <a:round/>
+                      <a:headEnd type="none" w="med" len="med"/>
+                      <a:tailEnd type="none" w="med" len="med"/>
+                    </a:lnB>
+                    <a:solidFill>
+                      <a:schemeClr val="bg2">
+                        <a:lumMod val="40000"/>
+                        <a:lumOff val="60000"/>
+                      </a:schemeClr>
+                    </a:solidFill>
+                  </a:tcPr>
+                </a:tc>
+                <a:tc>
+                  <a:txBody>
+                    <a:bodyPr/>
+                    <a:lstStyle/>
+                    <a:p>
+                      <a:pPr algn="ctr" fontAlgn="ctr"/>
+                      <a:r>
+                        <a:rPr lang="en-US" altLang="zh-CN" sz="2400" b="0" i="0" u="none" strike="noStrike">
+                          <a:solidFill>
+                            <a:srgbClr val="000000"/>
+                          </a:solidFill>
+                          <a:effectLst/>
+                          <a:latin typeface="宋体" panose="02010600030101010101" pitchFamily="2" charset="-122"/>
+                          <a:ea typeface="宋体" panose="02010600030101010101" pitchFamily="2" charset="-122"/>
+                        </a:rPr>
+                        <a:t>0:30:53</a:t>
+                      </a:r>
+                    </a:p>
+                  </a:txBody>
+                  <a:tcPr marL="7620" marR="7620" marT="7620" marB="0" anchor="ctr">
+                    <a:lnL w="6350" cap="flat" cmpd="sng" algn="ctr">
+                      <a:solidFill>
+                        <a:srgbClr val="000000"/>
+                      </a:solidFill>
+                      <a:prstDash val="solid"/>
+                      <a:round/>
+                      <a:headEnd type="none" w="med" len="med"/>
+                      <a:tailEnd type="none" w="med" len="med"/>
+                    </a:lnL>
+                    <a:lnR w="6350" cap="flat" cmpd="sng" algn="ctr">
+                      <a:solidFill>
+                        <a:srgbClr val="000000"/>
+                      </a:solidFill>
+                      <a:prstDash val="solid"/>
+                      <a:round/>
+                      <a:headEnd type="none" w="med" len="med"/>
+                      <a:tailEnd type="none" w="med" len="med"/>
+                    </a:lnR>
+                    <a:lnT w="6350" cap="flat" cmpd="sng" algn="ctr">
+                      <a:solidFill>
+                        <a:srgbClr val="000000"/>
+                      </a:solidFill>
+                      <a:prstDash val="solid"/>
+                      <a:round/>
+                      <a:headEnd type="none" w="med" len="med"/>
+                      <a:tailEnd type="none" w="med" len="med"/>
+                    </a:lnT>
+                    <a:lnB w="6350" cap="flat" cmpd="sng" algn="ctr">
+                      <a:solidFill>
+                        <a:srgbClr val="000000"/>
+                      </a:solidFill>
+                      <a:prstDash val="solid"/>
+                      <a:round/>
+                      <a:headEnd type="none" w="med" len="med"/>
+                      <a:tailEnd type="none" w="med" len="med"/>
+                    </a:lnB>
+                    <a:solidFill>
+                      <a:schemeClr val="bg2">
+                        <a:lumMod val="40000"/>
+                        <a:lumOff val="60000"/>
+                      </a:schemeClr>
+                    </a:solidFill>
+                  </a:tcPr>
+                </a:tc>
+              </a:tr>
+              <a:tr h="373042">
+                <a:tc>
+                  <a:txBody>
+                    <a:bodyPr/>
+                    <a:lstStyle/>
+                    <a:p>
+                      <a:pPr algn="ctr" fontAlgn="ctr"/>
+                      <a:r>
+                        <a:rPr lang="zh-CN" altLang="en-US" sz="2400" b="0" i="0" u="none" strike="noStrike">
+                          <a:solidFill>
+                            <a:srgbClr val="000000"/>
+                          </a:solidFill>
+                          <a:effectLst/>
+                          <a:latin typeface="宋体" panose="02010600030101010101" pitchFamily="2" charset="-122"/>
+                          <a:ea typeface="宋体" panose="02010600030101010101" pitchFamily="2" charset="-122"/>
+                        </a:rPr>
+                        <a:t>百变救护车（遥控）</a:t>
+                      </a:r>
+                    </a:p>
+                  </a:txBody>
+                  <a:tcPr marL="7620" marR="7620" marT="7620" marB="0" anchor="ctr">
+                    <a:lnL w="6350" cap="flat" cmpd="sng" algn="ctr">
+                      <a:solidFill>
+                        <a:srgbClr val="000000"/>
+                      </a:solidFill>
+                      <a:prstDash val="solid"/>
+                      <a:round/>
+                      <a:headEnd type="none" w="med" len="med"/>
+                      <a:tailEnd type="none" w="med" len="med"/>
+                    </a:lnL>
+                    <a:lnR w="6350" cap="flat" cmpd="sng" algn="ctr">
+                      <a:solidFill>
+                        <a:srgbClr val="000000"/>
+                      </a:solidFill>
+                      <a:prstDash val="solid"/>
+                      <a:round/>
+                      <a:headEnd type="none" w="med" len="med"/>
+                      <a:tailEnd type="none" w="med" len="med"/>
+                    </a:lnR>
+                    <a:lnT w="6350" cap="flat" cmpd="sng" algn="ctr">
+                      <a:solidFill>
+                        <a:srgbClr val="000000"/>
+                      </a:solidFill>
+                      <a:prstDash val="solid"/>
+                      <a:round/>
+                      <a:headEnd type="none" w="med" len="med"/>
+                      <a:tailEnd type="none" w="med" len="med"/>
+                    </a:lnT>
+                    <a:lnB w="6350" cap="flat" cmpd="sng" algn="ctr">
+                      <a:solidFill>
+                        <a:srgbClr val="000000"/>
+                      </a:solidFill>
+                      <a:prstDash val="solid"/>
+                      <a:round/>
+                      <a:headEnd type="none" w="med" len="med"/>
+                      <a:tailEnd type="none" w="med" len="med"/>
+                    </a:lnB>
+                    <a:solidFill>
+                      <a:schemeClr val="bg2">
+                        <a:lumMod val="40000"/>
+                        <a:lumOff val="60000"/>
+                      </a:schemeClr>
+                    </a:solidFill>
+                  </a:tcPr>
+                </a:tc>
+                <a:tc>
+                  <a:txBody>
+                    <a:bodyPr/>
+                    <a:lstStyle/>
+                    <a:p>
+                      <a:pPr algn="ctr" fontAlgn="ctr"/>
+                      <a:r>
+                        <a:rPr lang="en-US" altLang="zh-CN" sz="2400" b="0" i="0" u="none" strike="noStrike">
+                          <a:solidFill>
+                            <a:srgbClr val="000000"/>
+                          </a:solidFill>
+                          <a:effectLst/>
+                          <a:latin typeface="宋体" panose="02010600030101010101" pitchFamily="2" charset="-122"/>
+                          <a:ea typeface="宋体" panose="02010600030101010101" pitchFamily="2" charset="-122"/>
+                        </a:rPr>
+                        <a:t>0:27:48</a:t>
+                      </a:r>
+                    </a:p>
+                  </a:txBody>
+                  <a:tcPr marL="7620" marR="7620" marT="7620" marB="0" anchor="ctr">
+                    <a:lnL w="6350" cap="flat" cmpd="sng" algn="ctr">
+                      <a:solidFill>
+                        <a:srgbClr val="000000"/>
+                      </a:solidFill>
+                      <a:prstDash val="solid"/>
+                      <a:round/>
+                      <a:headEnd type="none" w="med" len="med"/>
+                      <a:tailEnd type="none" w="med" len="med"/>
+                    </a:lnL>
+                    <a:lnR w="6350" cap="flat" cmpd="sng" algn="ctr">
+                      <a:solidFill>
+                        <a:srgbClr val="000000"/>
+                      </a:solidFill>
+                      <a:prstDash val="solid"/>
+                      <a:round/>
+                      <a:headEnd type="none" w="med" len="med"/>
+                      <a:tailEnd type="none" w="med" len="med"/>
+                    </a:lnR>
+                    <a:lnT w="6350" cap="flat" cmpd="sng" algn="ctr">
+                      <a:solidFill>
+                        <a:srgbClr val="000000"/>
+                      </a:solidFill>
+                      <a:prstDash val="solid"/>
+                      <a:round/>
+                      <a:headEnd type="none" w="med" len="med"/>
+                      <a:tailEnd type="none" w="med" len="med"/>
+                    </a:lnT>
+                    <a:lnB w="6350" cap="flat" cmpd="sng" algn="ctr">
+                      <a:solidFill>
+                        <a:srgbClr val="000000"/>
+                      </a:solidFill>
+                      <a:prstDash val="solid"/>
+                      <a:round/>
+                      <a:headEnd type="none" w="med" len="med"/>
+                      <a:tailEnd type="none" w="med" len="med"/>
+                    </a:lnB>
+                    <a:solidFill>
+                      <a:schemeClr val="bg2">
+                        <a:lumMod val="40000"/>
+                        <a:lumOff val="60000"/>
+                      </a:schemeClr>
+                    </a:solidFill>
+                  </a:tcPr>
+                </a:tc>
+              </a:tr>
+              <a:tr h="373042">
+                <a:tc>
+                  <a:txBody>
+                    <a:bodyPr/>
+                    <a:lstStyle/>
+                    <a:p>
+                      <a:pPr algn="ctr" fontAlgn="ctr"/>
+                      <a:r>
+                        <a:rPr lang="zh-CN" altLang="en-US" sz="2400" b="0" i="0" u="none" strike="noStrike">
+                          <a:solidFill>
+                            <a:srgbClr val="000000"/>
+                          </a:solidFill>
+                          <a:effectLst/>
+                          <a:latin typeface="宋体" panose="02010600030101010101" pitchFamily="2" charset="-122"/>
+                          <a:ea typeface="宋体" panose="02010600030101010101" pitchFamily="2" charset="-122"/>
+                        </a:rPr>
+                        <a:t>百变挖掘机</a:t>
+                      </a:r>
+                    </a:p>
+                  </a:txBody>
+                  <a:tcPr marL="7620" marR="7620" marT="7620" marB="0" anchor="ctr">
+                    <a:lnL w="6350" cap="flat" cmpd="sng" algn="ctr">
+                      <a:solidFill>
+                        <a:srgbClr val="000000"/>
+                      </a:solidFill>
+                      <a:prstDash val="solid"/>
+                      <a:round/>
+                      <a:headEnd type="none" w="med" len="med"/>
+                      <a:tailEnd type="none" w="med" len="med"/>
+                    </a:lnL>
+                    <a:lnR w="6350" cap="flat" cmpd="sng" algn="ctr">
+                      <a:solidFill>
+                        <a:srgbClr val="000000"/>
+                      </a:solidFill>
+                      <a:prstDash val="solid"/>
+                      <a:round/>
+                      <a:headEnd type="none" w="med" len="med"/>
+                      <a:tailEnd type="none" w="med" len="med"/>
+                    </a:lnR>
+                    <a:lnT w="6350" cap="flat" cmpd="sng" algn="ctr">
+                      <a:solidFill>
+                        <a:srgbClr val="000000"/>
+                      </a:solidFill>
+                      <a:prstDash val="solid"/>
+                      <a:round/>
+                      <a:headEnd type="none" w="med" len="med"/>
+                      <a:tailEnd type="none" w="med" len="med"/>
+                    </a:lnT>
+                    <a:lnB w="6350" cap="flat" cmpd="sng" algn="ctr">
+                      <a:solidFill>
+                        <a:srgbClr val="000000"/>
+                      </a:solidFill>
+                      <a:prstDash val="solid"/>
+                      <a:round/>
+                      <a:headEnd type="none" w="med" len="med"/>
+                      <a:tailEnd type="none" w="med" len="med"/>
+                    </a:lnB>
+                    <a:solidFill>
+                      <a:schemeClr val="bg2">
+                        <a:lumMod val="40000"/>
+                        <a:lumOff val="60000"/>
+                      </a:schemeClr>
+                    </a:solidFill>
+                  </a:tcPr>
+                </a:tc>
+                <a:tc>
+                  <a:txBody>
+                    <a:bodyPr/>
+                    <a:lstStyle/>
+                    <a:p>
+                      <a:pPr algn="ctr" fontAlgn="ctr"/>
+                      <a:r>
+                        <a:rPr lang="en-US" altLang="zh-CN" sz="2400" b="0" i="0" u="none" strike="noStrike">
+                          <a:solidFill>
+                            <a:srgbClr val="000000"/>
+                          </a:solidFill>
+                          <a:effectLst/>
+                          <a:latin typeface="宋体" panose="02010600030101010101" pitchFamily="2" charset="-122"/>
+                          <a:ea typeface="宋体" panose="02010600030101010101" pitchFamily="2" charset="-122"/>
+                        </a:rPr>
+                        <a:t>0:21:23</a:t>
+                      </a:r>
+                    </a:p>
+                  </a:txBody>
+                  <a:tcPr marL="7620" marR="7620" marT="7620" marB="0" anchor="ctr">
+                    <a:lnL w="6350" cap="flat" cmpd="sng" algn="ctr">
+                      <a:solidFill>
+                        <a:srgbClr val="000000"/>
+                      </a:solidFill>
+                      <a:prstDash val="solid"/>
+                      <a:round/>
+                      <a:headEnd type="none" w="med" len="med"/>
+                      <a:tailEnd type="none" w="med" len="med"/>
+                    </a:lnL>
+                    <a:lnR w="6350" cap="flat" cmpd="sng" algn="ctr">
+                      <a:solidFill>
+                        <a:srgbClr val="000000"/>
+                      </a:solidFill>
+                      <a:prstDash val="solid"/>
+                      <a:round/>
+                      <a:headEnd type="none" w="med" len="med"/>
+                      <a:tailEnd type="none" w="med" len="med"/>
+                    </a:lnR>
+                    <a:lnT w="6350" cap="flat" cmpd="sng" algn="ctr">
+                      <a:solidFill>
+                        <a:srgbClr val="000000"/>
+                      </a:solidFill>
+                      <a:prstDash val="solid"/>
+                      <a:round/>
+                      <a:headEnd type="none" w="med" len="med"/>
+                      <a:tailEnd type="none" w="med" len="med"/>
+                    </a:lnT>
+                    <a:lnB w="6350" cap="flat" cmpd="sng" algn="ctr">
+                      <a:solidFill>
+                        <a:srgbClr val="000000"/>
+                      </a:solidFill>
+                      <a:prstDash val="solid"/>
+                      <a:round/>
+                      <a:headEnd type="none" w="med" len="med"/>
+                      <a:tailEnd type="none" w="med" len="med"/>
+                    </a:lnB>
+                    <a:solidFill>
+                      <a:schemeClr val="bg2">
+                        <a:lumMod val="40000"/>
+                        <a:lumOff val="60000"/>
+                      </a:schemeClr>
+                    </a:solidFill>
+                  </a:tcPr>
+                </a:tc>
+              </a:tr>
+              <a:tr h="373042">
+                <a:tc>
+                  <a:txBody>
+                    <a:bodyPr/>
+                    <a:lstStyle/>
+                    <a:p>
+                      <a:pPr algn="ctr" fontAlgn="ctr"/>
+                      <a:r>
+                        <a:rPr lang="zh-CN" altLang="en-US" sz="2400" b="0" i="0" u="none" strike="noStrike">
+                          <a:solidFill>
+                            <a:srgbClr val="000000"/>
+                          </a:solidFill>
+                          <a:effectLst/>
+                          <a:latin typeface="宋体" panose="02010600030101010101" pitchFamily="2" charset="-122"/>
+                          <a:ea typeface="宋体" panose="02010600030101010101" pitchFamily="2" charset="-122"/>
+                        </a:rPr>
+                        <a:t>百变越野车（遥控）</a:t>
+                      </a:r>
+                    </a:p>
+                  </a:txBody>
+                  <a:tcPr marL="7620" marR="7620" marT="7620" marB="0" anchor="ctr">
+                    <a:lnL w="6350" cap="flat" cmpd="sng" algn="ctr">
+                      <a:solidFill>
+                        <a:srgbClr val="000000"/>
+                      </a:solidFill>
+                      <a:prstDash val="solid"/>
+                      <a:round/>
+                      <a:headEnd type="none" w="med" len="med"/>
+                      <a:tailEnd type="none" w="med" len="med"/>
+                    </a:lnL>
+                    <a:lnR w="6350" cap="flat" cmpd="sng" algn="ctr">
+                      <a:solidFill>
+                        <a:srgbClr val="000000"/>
+                      </a:solidFill>
+                      <a:prstDash val="solid"/>
+                      <a:round/>
+                      <a:headEnd type="none" w="med" len="med"/>
+                      <a:tailEnd type="none" w="med" len="med"/>
+                    </a:lnR>
+                    <a:lnT w="6350" cap="flat" cmpd="sng" algn="ctr">
+                      <a:solidFill>
+                        <a:srgbClr val="000000"/>
+                      </a:solidFill>
+                      <a:prstDash val="solid"/>
+                      <a:round/>
+                      <a:headEnd type="none" w="med" len="med"/>
+                      <a:tailEnd type="none" w="med" len="med"/>
+                    </a:lnT>
+                    <a:lnB w="6350" cap="flat" cmpd="sng" algn="ctr">
+                      <a:solidFill>
+                        <a:srgbClr val="000000"/>
+                      </a:solidFill>
+                      <a:prstDash val="solid"/>
+                      <a:round/>
+                      <a:headEnd type="none" w="med" len="med"/>
+                      <a:tailEnd type="none" w="med" len="med"/>
+                    </a:lnB>
+                    <a:solidFill>
+                      <a:schemeClr val="bg2">
+                        <a:lumMod val="40000"/>
+                        <a:lumOff val="60000"/>
+                      </a:schemeClr>
+                    </a:solidFill>
+                  </a:tcPr>
+                </a:tc>
+                <a:tc>
+                  <a:txBody>
+                    <a:bodyPr/>
+                    <a:lstStyle/>
+                    <a:p>
+                      <a:pPr algn="ctr" fontAlgn="ctr"/>
+                      <a:r>
+                        <a:rPr lang="en-US" altLang="zh-CN" sz="2400" b="0" i="0" u="none" strike="noStrike">
+                          <a:solidFill>
+                            <a:srgbClr val="000000"/>
+                          </a:solidFill>
+                          <a:effectLst/>
+                          <a:latin typeface="宋体" panose="02010600030101010101" pitchFamily="2" charset="-122"/>
+                          <a:ea typeface="宋体" panose="02010600030101010101" pitchFamily="2" charset="-122"/>
+                        </a:rPr>
+                        <a:t>0:27:27</a:t>
+                      </a:r>
+                    </a:p>
+                  </a:txBody>
+                  <a:tcPr marL="7620" marR="7620" marT="7620" marB="0" anchor="ctr">
+                    <a:lnL w="6350" cap="flat" cmpd="sng" algn="ctr">
+                      <a:solidFill>
+                        <a:srgbClr val="000000"/>
+                      </a:solidFill>
+                      <a:prstDash val="solid"/>
+                      <a:round/>
+                      <a:headEnd type="none" w="med" len="med"/>
+                      <a:tailEnd type="none" w="med" len="med"/>
+                    </a:lnL>
+                    <a:lnR w="6350" cap="flat" cmpd="sng" algn="ctr">
+                      <a:solidFill>
+                        <a:srgbClr val="000000"/>
+                      </a:solidFill>
+                      <a:prstDash val="solid"/>
+                      <a:round/>
+                      <a:headEnd type="none" w="med" len="med"/>
+                      <a:tailEnd type="none" w="med" len="med"/>
+                    </a:lnR>
+                    <a:lnT w="6350" cap="flat" cmpd="sng" algn="ctr">
+                      <a:solidFill>
+                        <a:srgbClr val="000000"/>
+                      </a:solidFill>
+                      <a:prstDash val="solid"/>
+                      <a:round/>
+                      <a:headEnd type="none" w="med" len="med"/>
+                      <a:tailEnd type="none" w="med" len="med"/>
+                    </a:lnT>
+                    <a:lnB w="6350" cap="flat" cmpd="sng" algn="ctr">
+                      <a:solidFill>
+                        <a:srgbClr val="000000"/>
+                      </a:solidFill>
+                      <a:prstDash val="solid"/>
+                      <a:round/>
+                      <a:headEnd type="none" w="med" len="med"/>
+                      <a:tailEnd type="none" w="med" len="med"/>
+                    </a:lnB>
+                    <a:solidFill>
+                      <a:schemeClr val="bg2">
+                        <a:lumMod val="40000"/>
+                        <a:lumOff val="60000"/>
+                      </a:schemeClr>
+                    </a:solidFill>
+                  </a:tcPr>
+                </a:tc>
+              </a:tr>
+              <a:tr h="373042">
+                <a:tc>
+                  <a:txBody>
+                    <a:bodyPr/>
+                    <a:lstStyle/>
+                    <a:p>
+                      <a:pPr algn="ctr" fontAlgn="ctr"/>
+                      <a:r>
+                        <a:rPr lang="zh-CN" altLang="en-US" sz="2400" b="0" i="0" u="none" strike="noStrike">
+                          <a:solidFill>
+                            <a:srgbClr val="000000"/>
+                          </a:solidFill>
+                          <a:effectLst/>
+                          <a:latin typeface="宋体" panose="02010600030101010101" pitchFamily="2" charset="-122"/>
+                          <a:ea typeface="宋体" panose="02010600030101010101" pitchFamily="2" charset="-122"/>
+                        </a:rPr>
+                        <a:t>百变高空作业车</a:t>
+                      </a:r>
+                    </a:p>
+                  </a:txBody>
+                  <a:tcPr marL="7620" marR="7620" marT="7620" marB="0" anchor="ctr">
+                    <a:lnL w="6350" cap="flat" cmpd="sng" algn="ctr">
+                      <a:solidFill>
+                        <a:srgbClr val="000000"/>
+                      </a:solidFill>
+                      <a:prstDash val="solid"/>
+                      <a:round/>
+                      <a:headEnd type="none" w="med" len="med"/>
+                      <a:tailEnd type="none" w="med" len="med"/>
+                    </a:lnL>
+                    <a:lnR w="6350" cap="flat" cmpd="sng" algn="ctr">
+                      <a:solidFill>
+                        <a:srgbClr val="000000"/>
+                      </a:solidFill>
+                      <a:prstDash val="solid"/>
+                      <a:round/>
+                      <a:headEnd type="none" w="med" len="med"/>
+                      <a:tailEnd type="none" w="med" len="med"/>
+                    </a:lnR>
+                    <a:lnT w="6350" cap="flat" cmpd="sng" algn="ctr">
+                      <a:solidFill>
+                        <a:srgbClr val="000000"/>
+                      </a:solidFill>
+                      <a:prstDash val="solid"/>
+                      <a:round/>
+                      <a:headEnd type="none" w="med" len="med"/>
+                      <a:tailEnd type="none" w="med" len="med"/>
+                    </a:lnT>
+                    <a:lnB w="6350" cap="flat" cmpd="sng" algn="ctr">
+                      <a:solidFill>
+                        <a:srgbClr val="000000"/>
+                      </a:solidFill>
+                      <a:prstDash val="solid"/>
+                      <a:round/>
+                      <a:headEnd type="none" w="med" len="med"/>
+                      <a:tailEnd type="none" w="med" len="med"/>
+                    </a:lnB>
+                    <a:solidFill>
+                      <a:schemeClr val="bg2">
+                        <a:lumMod val="40000"/>
+                        <a:lumOff val="60000"/>
+                      </a:schemeClr>
+                    </a:solidFill>
+                  </a:tcPr>
+                </a:tc>
+                <a:tc>
+                  <a:txBody>
+                    <a:bodyPr/>
+                    <a:lstStyle/>
+                    <a:p>
+                      <a:pPr algn="ctr" fontAlgn="ctr"/>
+                      <a:r>
+                        <a:rPr lang="en-US" altLang="zh-CN" sz="2400" b="0" i="0" u="none" strike="noStrike">
+                          <a:solidFill>
+                            <a:srgbClr val="000000"/>
+                          </a:solidFill>
+                          <a:effectLst/>
+                          <a:latin typeface="宋体" panose="02010600030101010101" pitchFamily="2" charset="-122"/>
+                          <a:ea typeface="宋体" panose="02010600030101010101" pitchFamily="2" charset="-122"/>
+                        </a:rPr>
+                        <a:t>0:18:53</a:t>
+                      </a:r>
+                    </a:p>
+                  </a:txBody>
+                  <a:tcPr marL="7620" marR="7620" marT="7620" marB="0" anchor="ctr">
+                    <a:lnL w="6350" cap="flat" cmpd="sng" algn="ctr">
+                      <a:solidFill>
+                        <a:srgbClr val="000000"/>
+                      </a:solidFill>
+                      <a:prstDash val="solid"/>
+                      <a:round/>
+                      <a:headEnd type="none" w="med" len="med"/>
+                      <a:tailEnd type="none" w="med" len="med"/>
+                    </a:lnL>
+                    <a:lnR w="6350" cap="flat" cmpd="sng" algn="ctr">
+                      <a:solidFill>
+                        <a:srgbClr val="000000"/>
+                      </a:solidFill>
+                      <a:prstDash val="solid"/>
+                      <a:round/>
+                      <a:headEnd type="none" w="med" len="med"/>
+                      <a:tailEnd type="none" w="med" len="med"/>
+                    </a:lnR>
+                    <a:lnT w="6350" cap="flat" cmpd="sng" algn="ctr">
+                      <a:solidFill>
+                        <a:srgbClr val="000000"/>
+                      </a:solidFill>
+                      <a:prstDash val="solid"/>
+                      <a:round/>
+                      <a:headEnd type="none" w="med" len="med"/>
+                      <a:tailEnd type="none" w="med" len="med"/>
+                    </a:lnT>
+                    <a:lnB w="6350" cap="flat" cmpd="sng" algn="ctr">
+                      <a:solidFill>
+                        <a:srgbClr val="000000"/>
+                      </a:solidFill>
+                      <a:prstDash val="solid"/>
+                      <a:round/>
+                      <a:headEnd type="none" w="med" len="med"/>
+                      <a:tailEnd type="none" w="med" len="med"/>
+                    </a:lnB>
+                    <a:solidFill>
+                      <a:schemeClr val="bg2">
+                        <a:lumMod val="40000"/>
+                        <a:lumOff val="60000"/>
+                      </a:schemeClr>
+                    </a:solidFill>
+                  </a:tcPr>
+                </a:tc>
+              </a:tr>
+              <a:tr h="373042">
+                <a:tc>
+                  <a:txBody>
+                    <a:bodyPr/>
+                    <a:lstStyle/>
+                    <a:p>
+                      <a:pPr algn="ctr" fontAlgn="ctr"/>
+                      <a:r>
+                        <a:rPr lang="zh-CN" altLang="en-US" sz="2400" b="0" i="0" u="none" strike="noStrike">
+                          <a:solidFill>
+                            <a:srgbClr val="000000"/>
+                          </a:solidFill>
+                          <a:effectLst/>
+                          <a:latin typeface="宋体" panose="02010600030101010101" pitchFamily="2" charset="-122"/>
+                          <a:ea typeface="宋体" panose="02010600030101010101" pitchFamily="2" charset="-122"/>
+                        </a:rPr>
+                        <a:t>百变皮卡车</a:t>
+                      </a:r>
+                    </a:p>
+                  </a:txBody>
+                  <a:tcPr marL="7620" marR="7620" marT="7620" marB="0" anchor="ctr">
+                    <a:lnL w="6350" cap="flat" cmpd="sng" algn="ctr">
+                      <a:solidFill>
+                        <a:srgbClr val="000000"/>
+                      </a:solidFill>
+                      <a:prstDash val="solid"/>
+                      <a:round/>
+                      <a:headEnd type="none" w="med" len="med"/>
+                      <a:tailEnd type="none" w="med" len="med"/>
+                    </a:lnL>
+                    <a:lnR w="6350" cap="flat" cmpd="sng" algn="ctr">
+                      <a:solidFill>
+                        <a:srgbClr val="000000"/>
+                      </a:solidFill>
+                      <a:prstDash val="solid"/>
+                      <a:round/>
+                      <a:headEnd type="none" w="med" len="med"/>
+                      <a:tailEnd type="none" w="med" len="med"/>
+                    </a:lnR>
+                    <a:lnT w="6350" cap="flat" cmpd="sng" algn="ctr">
+                      <a:solidFill>
+                        <a:srgbClr val="000000"/>
+                      </a:solidFill>
+                      <a:prstDash val="solid"/>
+                      <a:round/>
+                      <a:headEnd type="none" w="med" len="med"/>
+                      <a:tailEnd type="none" w="med" len="med"/>
+                    </a:lnT>
+                    <a:lnB w="6350" cap="flat" cmpd="sng" algn="ctr">
+                      <a:solidFill>
+                        <a:srgbClr val="000000"/>
+                      </a:solidFill>
+                      <a:prstDash val="solid"/>
+                      <a:round/>
+                      <a:headEnd type="none" w="med" len="med"/>
+                      <a:tailEnd type="none" w="med" len="med"/>
+                    </a:lnB>
+                    <a:solidFill>
+                      <a:schemeClr val="bg2">
+                        <a:lumMod val="40000"/>
+                        <a:lumOff val="60000"/>
+                      </a:schemeClr>
+                    </a:solidFill>
+                  </a:tcPr>
+                </a:tc>
+                <a:tc>
+                  <a:txBody>
+                    <a:bodyPr/>
+                    <a:lstStyle/>
+                    <a:p>
+                      <a:pPr algn="ctr" fontAlgn="ctr"/>
+                      <a:r>
+                        <a:rPr lang="en-US" altLang="zh-CN" sz="2400" b="0" i="0" u="none" strike="noStrike">
+                          <a:solidFill>
+                            <a:srgbClr val="000000"/>
+                          </a:solidFill>
+                          <a:effectLst/>
+                          <a:latin typeface="宋体" panose="02010600030101010101" pitchFamily="2" charset="-122"/>
+                          <a:ea typeface="宋体" panose="02010600030101010101" pitchFamily="2" charset="-122"/>
+                        </a:rPr>
+                        <a:t>0:26:11</a:t>
+                      </a:r>
+                    </a:p>
+                  </a:txBody>
+                  <a:tcPr marL="7620" marR="7620" marT="7620" marB="0" anchor="ctr">
+                    <a:lnL w="6350" cap="flat" cmpd="sng" algn="ctr">
+                      <a:solidFill>
+                        <a:srgbClr val="000000"/>
+                      </a:solidFill>
+                      <a:prstDash val="solid"/>
+                      <a:round/>
+                      <a:headEnd type="none" w="med" len="med"/>
+                      <a:tailEnd type="none" w="med" len="med"/>
+                    </a:lnL>
+                    <a:lnR w="6350" cap="flat" cmpd="sng" algn="ctr">
+                      <a:solidFill>
+                        <a:srgbClr val="000000"/>
+                      </a:solidFill>
+                      <a:prstDash val="solid"/>
+                      <a:round/>
+                      <a:headEnd type="none" w="med" len="med"/>
+                      <a:tailEnd type="none" w="med" len="med"/>
+                    </a:lnR>
+                    <a:lnT w="6350" cap="flat" cmpd="sng" algn="ctr">
+                      <a:solidFill>
+                        <a:srgbClr val="000000"/>
+                      </a:solidFill>
+                      <a:prstDash val="solid"/>
+                      <a:round/>
+                      <a:headEnd type="none" w="med" len="med"/>
+                      <a:tailEnd type="none" w="med" len="med"/>
+                    </a:lnT>
+                    <a:lnB w="6350" cap="flat" cmpd="sng" algn="ctr">
+                      <a:solidFill>
+                        <a:srgbClr val="000000"/>
+                      </a:solidFill>
+                      <a:prstDash val="solid"/>
+                      <a:round/>
+                      <a:headEnd type="none" w="med" len="med"/>
+                      <a:tailEnd type="none" w="med" len="med"/>
+                    </a:lnB>
+                    <a:solidFill>
+                      <a:schemeClr val="bg2">
+                        <a:lumMod val="40000"/>
+                        <a:lumOff val="60000"/>
+                      </a:schemeClr>
+                    </a:solidFill>
+                  </a:tcPr>
+                </a:tc>
+              </a:tr>
+              <a:tr h="373042">
+                <a:tc>
+                  <a:txBody>
+                    <a:bodyPr/>
+                    <a:lstStyle/>
+                    <a:p>
+                      <a:pPr algn="ctr" fontAlgn="ctr"/>
+                      <a:r>
+                        <a:rPr lang="zh-CN" altLang="en-US" sz="2400" b="0" i="0" u="none" strike="noStrike">
+                          <a:solidFill>
+                            <a:srgbClr val="000000"/>
+                          </a:solidFill>
+                          <a:effectLst/>
+                          <a:latin typeface="宋体" panose="02010600030101010101" pitchFamily="2" charset="-122"/>
+                          <a:ea typeface="宋体" panose="02010600030101010101" pitchFamily="2" charset="-122"/>
+                        </a:rPr>
+                        <a:t>百变越野车</a:t>
+                      </a:r>
+                    </a:p>
+                  </a:txBody>
+                  <a:tcPr marL="7620" marR="7620" marT="7620" marB="0" anchor="ctr">
+                    <a:lnL w="6350" cap="flat" cmpd="sng" algn="ctr">
+                      <a:solidFill>
+                        <a:srgbClr val="000000"/>
+                      </a:solidFill>
+                      <a:prstDash val="solid"/>
+                      <a:round/>
+                      <a:headEnd type="none" w="med" len="med"/>
+                      <a:tailEnd type="none" w="med" len="med"/>
+                    </a:lnL>
+                    <a:lnR w="6350" cap="flat" cmpd="sng" algn="ctr">
+                      <a:solidFill>
+                        <a:srgbClr val="000000"/>
+                      </a:solidFill>
+                      <a:prstDash val="solid"/>
+                      <a:round/>
+                      <a:headEnd type="none" w="med" len="med"/>
+                      <a:tailEnd type="none" w="med" len="med"/>
+                    </a:lnR>
+                    <a:lnT w="6350" cap="flat" cmpd="sng" algn="ctr">
+                      <a:solidFill>
+                        <a:srgbClr val="000000"/>
+                      </a:solidFill>
+                      <a:prstDash val="solid"/>
+                      <a:round/>
+                      <a:headEnd type="none" w="med" len="med"/>
+                      <a:tailEnd type="none" w="med" len="med"/>
+                    </a:lnT>
+                    <a:lnB w="6350" cap="flat" cmpd="sng" algn="ctr">
+                      <a:solidFill>
+                        <a:srgbClr val="000000"/>
+                      </a:solidFill>
+                      <a:prstDash val="solid"/>
+                      <a:round/>
+                      <a:headEnd type="none" w="med" len="med"/>
+                      <a:tailEnd type="none" w="med" len="med"/>
+                    </a:lnB>
+                    <a:solidFill>
+                      <a:schemeClr val="bg2">
+                        <a:lumMod val="40000"/>
+                        <a:lumOff val="60000"/>
+                      </a:schemeClr>
+                    </a:solidFill>
+                  </a:tcPr>
+                </a:tc>
+                <a:tc>
+                  <a:txBody>
+                    <a:bodyPr/>
+                    <a:lstStyle/>
+                    <a:p>
+                      <a:pPr algn="ctr" fontAlgn="ctr"/>
+                      <a:r>
+                        <a:rPr lang="en-US" altLang="zh-CN" sz="2400" b="0" i="0" u="none" strike="noStrike">
+                          <a:solidFill>
+                            <a:srgbClr val="000000"/>
+                          </a:solidFill>
+                          <a:effectLst/>
+                          <a:latin typeface="宋体" panose="02010600030101010101" pitchFamily="2" charset="-122"/>
+                          <a:ea typeface="宋体" panose="02010600030101010101" pitchFamily="2" charset="-122"/>
+                        </a:rPr>
+                        <a:t>0:25:37</a:t>
+                      </a:r>
+                    </a:p>
+                  </a:txBody>
+                  <a:tcPr marL="7620" marR="7620" marT="7620" marB="0" anchor="ctr">
+                    <a:lnL w="6350" cap="flat" cmpd="sng" algn="ctr">
+                      <a:solidFill>
+                        <a:srgbClr val="000000"/>
+                      </a:solidFill>
+                      <a:prstDash val="solid"/>
+                      <a:round/>
+                      <a:headEnd type="none" w="med" len="med"/>
+                      <a:tailEnd type="none" w="med" len="med"/>
+                    </a:lnL>
+                    <a:lnR w="6350" cap="flat" cmpd="sng" algn="ctr">
+                      <a:solidFill>
+                        <a:srgbClr val="000000"/>
+                      </a:solidFill>
+                      <a:prstDash val="solid"/>
+                      <a:round/>
+                      <a:headEnd type="none" w="med" len="med"/>
+                      <a:tailEnd type="none" w="med" len="med"/>
+                    </a:lnR>
+                    <a:lnT w="6350" cap="flat" cmpd="sng" algn="ctr">
+                      <a:solidFill>
+                        <a:srgbClr val="000000"/>
+                      </a:solidFill>
+                      <a:prstDash val="solid"/>
+                      <a:round/>
+                      <a:headEnd type="none" w="med" len="med"/>
+                      <a:tailEnd type="none" w="med" len="med"/>
+                    </a:lnT>
+                    <a:lnB w="6350" cap="flat" cmpd="sng" algn="ctr">
+                      <a:solidFill>
+                        <a:srgbClr val="000000"/>
+                      </a:solidFill>
+                      <a:prstDash val="solid"/>
+                      <a:round/>
+                      <a:headEnd type="none" w="med" len="med"/>
+                      <a:tailEnd type="none" w="med" len="med"/>
+                    </a:lnB>
+                    <a:solidFill>
+                      <a:schemeClr val="bg2">
+                        <a:lumMod val="40000"/>
+                        <a:lumOff val="60000"/>
+                      </a:schemeClr>
+                    </a:solidFill>
+                  </a:tcPr>
+                </a:tc>
+              </a:tr>
+              <a:tr h="373042">
+                <a:tc>
+                  <a:txBody>
+                    <a:bodyPr/>
+                    <a:lstStyle/>
+                    <a:p>
+                      <a:pPr algn="ctr" fontAlgn="ctr"/>
+                      <a:r>
+                        <a:rPr lang="zh-CN" altLang="en-US" sz="2400" b="0" i="0" u="none" strike="noStrike">
+                          <a:solidFill>
+                            <a:srgbClr val="000000"/>
+                          </a:solidFill>
+                          <a:effectLst/>
+                          <a:latin typeface="宋体" panose="02010600030101010101" pitchFamily="2" charset="-122"/>
+                          <a:ea typeface="宋体" panose="02010600030101010101" pitchFamily="2" charset="-122"/>
+                        </a:rPr>
+                        <a:t>百变警车（遥控）</a:t>
+                      </a:r>
+                    </a:p>
+                  </a:txBody>
+                  <a:tcPr marL="7620" marR="7620" marT="7620" marB="0" anchor="ctr">
+                    <a:lnL w="6350" cap="flat" cmpd="sng" algn="ctr">
+                      <a:solidFill>
+                        <a:srgbClr val="000000"/>
+                      </a:solidFill>
+                      <a:prstDash val="solid"/>
+                      <a:round/>
+                      <a:headEnd type="none" w="med" len="med"/>
+                      <a:tailEnd type="none" w="med" len="med"/>
+                    </a:lnL>
+                    <a:lnR w="6350" cap="flat" cmpd="sng" algn="ctr">
+                      <a:solidFill>
+                        <a:srgbClr val="000000"/>
+                      </a:solidFill>
+                      <a:prstDash val="solid"/>
+                      <a:round/>
+                      <a:headEnd type="none" w="med" len="med"/>
+                      <a:tailEnd type="none" w="med" len="med"/>
+                    </a:lnR>
+                    <a:lnT w="6350" cap="flat" cmpd="sng" algn="ctr">
+                      <a:solidFill>
+                        <a:srgbClr val="000000"/>
+                      </a:solidFill>
+                      <a:prstDash val="solid"/>
+                      <a:round/>
+                      <a:headEnd type="none" w="med" len="med"/>
+                      <a:tailEnd type="none" w="med" len="med"/>
+                    </a:lnT>
+                    <a:lnB w="6350" cap="flat" cmpd="sng" algn="ctr">
+                      <a:solidFill>
+                        <a:srgbClr val="000000"/>
+                      </a:solidFill>
+                      <a:prstDash val="solid"/>
+                      <a:round/>
+                      <a:headEnd type="none" w="med" len="med"/>
+                      <a:tailEnd type="none" w="med" len="med"/>
+                    </a:lnB>
+                    <a:solidFill>
+                      <a:schemeClr val="bg2">
+                        <a:lumMod val="40000"/>
+                        <a:lumOff val="60000"/>
+                      </a:schemeClr>
+                    </a:solidFill>
+                  </a:tcPr>
+                </a:tc>
+                <a:tc>
+                  <a:txBody>
+                    <a:bodyPr/>
+                    <a:lstStyle/>
+                    <a:p>
+                      <a:pPr algn="ctr" fontAlgn="ctr"/>
+                      <a:r>
+                        <a:rPr lang="en-US" altLang="zh-CN" sz="2400" b="0" i="0" u="none" strike="noStrike">
+                          <a:solidFill>
+                            <a:srgbClr val="000000"/>
+                          </a:solidFill>
+                          <a:effectLst/>
+                          <a:latin typeface="宋体" panose="02010600030101010101" pitchFamily="2" charset="-122"/>
+                          <a:ea typeface="宋体" panose="02010600030101010101" pitchFamily="2" charset="-122"/>
+                        </a:rPr>
+                        <a:t>0:23:33</a:t>
+                      </a:r>
+                    </a:p>
+                  </a:txBody>
+                  <a:tcPr marL="7620" marR="7620" marT="7620" marB="0" anchor="ctr">
+                    <a:lnL w="6350" cap="flat" cmpd="sng" algn="ctr">
+                      <a:solidFill>
+                        <a:srgbClr val="000000"/>
+                      </a:solidFill>
+                      <a:prstDash val="solid"/>
+                      <a:round/>
+                      <a:headEnd type="none" w="med" len="med"/>
+                      <a:tailEnd type="none" w="med" len="med"/>
+                    </a:lnL>
+                    <a:lnR w="6350" cap="flat" cmpd="sng" algn="ctr">
+                      <a:solidFill>
+                        <a:srgbClr val="000000"/>
+                      </a:solidFill>
+                      <a:prstDash val="solid"/>
+                      <a:round/>
+                      <a:headEnd type="none" w="med" len="med"/>
+                      <a:tailEnd type="none" w="med" len="med"/>
+                    </a:lnR>
+                    <a:lnT w="6350" cap="flat" cmpd="sng" algn="ctr">
+                      <a:solidFill>
+                        <a:srgbClr val="000000"/>
+                      </a:solidFill>
+                      <a:prstDash val="solid"/>
+                      <a:round/>
+                      <a:headEnd type="none" w="med" len="med"/>
+                      <a:tailEnd type="none" w="med" len="med"/>
+                    </a:lnT>
+                    <a:lnB w="6350" cap="flat" cmpd="sng" algn="ctr">
+                      <a:solidFill>
+                        <a:srgbClr val="000000"/>
+                      </a:solidFill>
+                      <a:prstDash val="solid"/>
+                      <a:round/>
+                      <a:headEnd type="none" w="med" len="med"/>
+                      <a:tailEnd type="none" w="med" len="med"/>
+                    </a:lnB>
+                    <a:solidFill>
+                      <a:schemeClr val="bg2">
+                        <a:lumMod val="40000"/>
+                        <a:lumOff val="60000"/>
+                      </a:schemeClr>
+                    </a:solidFill>
+                  </a:tcPr>
+                </a:tc>
+              </a:tr>
+              <a:tr h="373042">
+                <a:tc>
+                  <a:txBody>
+                    <a:bodyPr/>
+                    <a:lstStyle/>
+                    <a:p>
+                      <a:pPr algn="ctr" fontAlgn="ctr"/>
+                      <a:r>
+                        <a:rPr lang="zh-CN" altLang="en-US" sz="2400" b="0" i="0" u="none" strike="noStrike">
+                          <a:solidFill>
+                            <a:srgbClr val="000000"/>
+                          </a:solidFill>
+                          <a:effectLst/>
+                          <a:latin typeface="宋体" panose="02010600030101010101" pitchFamily="2" charset="-122"/>
+                          <a:ea typeface="宋体" panose="02010600030101010101" pitchFamily="2" charset="-122"/>
+                        </a:rPr>
+                        <a:t>百变清障车</a:t>
+                      </a:r>
+                    </a:p>
+                  </a:txBody>
+                  <a:tcPr marL="7620" marR="7620" marT="7620" marB="0" anchor="ctr">
+                    <a:lnL w="6350" cap="flat" cmpd="sng" algn="ctr">
+                      <a:solidFill>
+                        <a:srgbClr val="000000"/>
+                      </a:solidFill>
+                      <a:prstDash val="solid"/>
+                      <a:round/>
+                      <a:headEnd type="none" w="med" len="med"/>
+                      <a:tailEnd type="none" w="med" len="med"/>
+                    </a:lnL>
+                    <a:lnR w="6350" cap="flat" cmpd="sng" algn="ctr">
+                      <a:solidFill>
+                        <a:srgbClr val="000000"/>
+                      </a:solidFill>
+                      <a:prstDash val="solid"/>
+                      <a:round/>
+                      <a:headEnd type="none" w="med" len="med"/>
+                      <a:tailEnd type="none" w="med" len="med"/>
+                    </a:lnR>
+                    <a:lnT w="6350" cap="flat" cmpd="sng" algn="ctr">
+                      <a:solidFill>
+                        <a:srgbClr val="000000"/>
+                      </a:solidFill>
+                      <a:prstDash val="solid"/>
+                      <a:round/>
+                      <a:headEnd type="none" w="med" len="med"/>
+                      <a:tailEnd type="none" w="med" len="med"/>
+                    </a:lnT>
+                    <a:lnB w="6350" cap="flat" cmpd="sng" algn="ctr">
+                      <a:solidFill>
+                        <a:srgbClr val="000000"/>
+                      </a:solidFill>
+                      <a:prstDash val="solid"/>
+                      <a:round/>
+                      <a:headEnd type="none" w="med" len="med"/>
+                      <a:tailEnd type="none" w="med" len="med"/>
+                    </a:lnB>
+                    <a:solidFill>
+                      <a:schemeClr val="bg2">
+                        <a:lumMod val="40000"/>
+                        <a:lumOff val="60000"/>
+                      </a:schemeClr>
+                    </a:solidFill>
+                  </a:tcPr>
+                </a:tc>
+                <a:tc>
+                  <a:txBody>
+                    <a:bodyPr/>
+                    <a:lstStyle/>
+                    <a:p>
+                      <a:pPr algn="ctr" fontAlgn="ctr"/>
+                      <a:r>
+                        <a:rPr lang="en-US" altLang="zh-CN" sz="2400" b="0" i="0" u="none" strike="noStrike">
+                          <a:solidFill>
+                            <a:srgbClr val="000000"/>
+                          </a:solidFill>
+                          <a:effectLst/>
+                          <a:latin typeface="宋体" panose="02010600030101010101" pitchFamily="2" charset="-122"/>
+                          <a:ea typeface="宋体" panose="02010600030101010101" pitchFamily="2" charset="-122"/>
+                        </a:rPr>
+                        <a:t>0:15:58</a:t>
+                      </a:r>
+                    </a:p>
+                  </a:txBody>
+                  <a:tcPr marL="7620" marR="7620" marT="7620" marB="0" anchor="ctr">
+                    <a:lnL w="6350" cap="flat" cmpd="sng" algn="ctr">
+                      <a:solidFill>
+                        <a:srgbClr val="000000"/>
+                      </a:solidFill>
+                      <a:prstDash val="solid"/>
+                      <a:round/>
+                      <a:headEnd type="none" w="med" len="med"/>
+                      <a:tailEnd type="none" w="med" len="med"/>
+                    </a:lnL>
+                    <a:lnR w="6350" cap="flat" cmpd="sng" algn="ctr">
+                      <a:solidFill>
+                        <a:srgbClr val="000000"/>
+                      </a:solidFill>
+                      <a:prstDash val="solid"/>
+                      <a:round/>
+                      <a:headEnd type="none" w="med" len="med"/>
+                      <a:tailEnd type="none" w="med" len="med"/>
+                    </a:lnR>
+                    <a:lnT w="6350" cap="flat" cmpd="sng" algn="ctr">
+                      <a:solidFill>
+                        <a:srgbClr val="000000"/>
+                      </a:solidFill>
+                      <a:prstDash val="solid"/>
+                      <a:round/>
+                      <a:headEnd type="none" w="med" len="med"/>
+                      <a:tailEnd type="none" w="med" len="med"/>
+                    </a:lnT>
+                    <a:lnB w="6350" cap="flat" cmpd="sng" algn="ctr">
+                      <a:solidFill>
+                        <a:srgbClr val="000000"/>
+                      </a:solidFill>
+                      <a:prstDash val="solid"/>
+                      <a:round/>
+                      <a:headEnd type="none" w="med" len="med"/>
+                      <a:tailEnd type="none" w="med" len="med"/>
+                    </a:lnB>
+                    <a:solidFill>
+                      <a:schemeClr val="bg2">
+                        <a:lumMod val="40000"/>
+                        <a:lumOff val="60000"/>
+                      </a:schemeClr>
+                    </a:solidFill>
+                  </a:tcPr>
+                </a:tc>
+              </a:tr>
+              <a:tr h="373042">
+                <a:tc>
+                  <a:txBody>
+                    <a:bodyPr/>
+                    <a:lstStyle/>
+                    <a:p>
+                      <a:pPr algn="ctr" fontAlgn="ctr"/>
+                      <a:r>
+                        <a:rPr lang="zh-CN" altLang="en-US" sz="2400" b="0" i="0" u="none" strike="noStrike">
+                          <a:solidFill>
+                            <a:srgbClr val="000000"/>
+                          </a:solidFill>
+                          <a:effectLst/>
+                          <a:latin typeface="宋体" panose="02010600030101010101" pitchFamily="2" charset="-122"/>
+                          <a:ea typeface="宋体" panose="02010600030101010101" pitchFamily="2" charset="-122"/>
+                        </a:rPr>
+                        <a:t>百变推土车（遥控）</a:t>
+                      </a:r>
+                    </a:p>
+                  </a:txBody>
+                  <a:tcPr marL="7620" marR="7620" marT="7620" marB="0" anchor="ctr">
+                    <a:lnL w="6350" cap="flat" cmpd="sng" algn="ctr">
+                      <a:solidFill>
+                        <a:srgbClr val="000000"/>
+                      </a:solidFill>
+                      <a:prstDash val="solid"/>
+                      <a:round/>
+                      <a:headEnd type="none" w="med" len="med"/>
+                      <a:tailEnd type="none" w="med" len="med"/>
+                    </a:lnL>
+                    <a:lnR w="6350" cap="flat" cmpd="sng" algn="ctr">
+                      <a:solidFill>
+                        <a:srgbClr val="000000"/>
+                      </a:solidFill>
+                      <a:prstDash val="solid"/>
+                      <a:round/>
+                      <a:headEnd type="none" w="med" len="med"/>
+                      <a:tailEnd type="none" w="med" len="med"/>
+                    </a:lnR>
+                    <a:lnT w="6350" cap="flat" cmpd="sng" algn="ctr">
+                      <a:solidFill>
+                        <a:srgbClr val="000000"/>
+                      </a:solidFill>
+                      <a:prstDash val="solid"/>
+                      <a:round/>
+                      <a:headEnd type="none" w="med" len="med"/>
+                      <a:tailEnd type="none" w="med" len="med"/>
+                    </a:lnT>
+                    <a:lnB w="6350" cap="flat" cmpd="sng" algn="ctr">
+                      <a:solidFill>
+                        <a:srgbClr val="000000"/>
+                      </a:solidFill>
+                      <a:prstDash val="solid"/>
+                      <a:round/>
+                      <a:headEnd type="none" w="med" len="med"/>
+                      <a:tailEnd type="none" w="med" len="med"/>
+                    </a:lnB>
+                    <a:solidFill>
+                      <a:schemeClr val="bg2">
+                        <a:lumMod val="40000"/>
+                        <a:lumOff val="60000"/>
+                      </a:schemeClr>
+                    </a:solidFill>
+                  </a:tcPr>
+                </a:tc>
+                <a:tc>
+                  <a:txBody>
+                    <a:bodyPr/>
+                    <a:lstStyle/>
+                    <a:p>
+                      <a:pPr algn="ctr" fontAlgn="ctr"/>
+                      <a:r>
+                        <a:rPr lang="en-US" altLang="zh-CN" sz="2400" b="0" i="0" u="none" strike="noStrike">
+                          <a:solidFill>
+                            <a:srgbClr val="000000"/>
+                          </a:solidFill>
+                          <a:effectLst/>
+                          <a:latin typeface="宋体" panose="02010600030101010101" pitchFamily="2" charset="-122"/>
+                          <a:ea typeface="宋体" panose="02010600030101010101" pitchFamily="2" charset="-122"/>
+                        </a:rPr>
+                        <a:t>0:13:14</a:t>
+                      </a:r>
+                    </a:p>
+                  </a:txBody>
+                  <a:tcPr marL="7620" marR="7620" marT="7620" marB="0" anchor="ctr">
+                    <a:lnL w="6350" cap="flat" cmpd="sng" algn="ctr">
+                      <a:solidFill>
+                        <a:srgbClr val="000000"/>
+                      </a:solidFill>
+                      <a:prstDash val="solid"/>
+                      <a:round/>
+                      <a:headEnd type="none" w="med" len="med"/>
+                      <a:tailEnd type="none" w="med" len="med"/>
+                    </a:lnL>
+                    <a:lnR w="6350" cap="flat" cmpd="sng" algn="ctr">
+                      <a:solidFill>
+                        <a:srgbClr val="000000"/>
+                      </a:solidFill>
+                      <a:prstDash val="solid"/>
+                      <a:round/>
+                      <a:headEnd type="none" w="med" len="med"/>
+                      <a:tailEnd type="none" w="med" len="med"/>
+                    </a:lnR>
+                    <a:lnT w="6350" cap="flat" cmpd="sng" algn="ctr">
+                      <a:solidFill>
+                        <a:srgbClr val="000000"/>
+                      </a:solidFill>
+                      <a:prstDash val="solid"/>
+                      <a:round/>
+                      <a:headEnd type="none" w="med" len="med"/>
+                      <a:tailEnd type="none" w="med" len="med"/>
+                    </a:lnT>
+                    <a:lnB w="6350" cap="flat" cmpd="sng" algn="ctr">
+                      <a:solidFill>
+                        <a:srgbClr val="000000"/>
+                      </a:solidFill>
+                      <a:prstDash val="solid"/>
+                      <a:round/>
+                      <a:headEnd type="none" w="med" len="med"/>
+                      <a:tailEnd type="none" w="med" len="med"/>
+                    </a:lnB>
+                    <a:solidFill>
+                      <a:schemeClr val="bg2">
+                        <a:lumMod val="40000"/>
+                        <a:lumOff val="60000"/>
+                      </a:schemeClr>
+                    </a:solidFill>
+                  </a:tcPr>
+                </a:tc>
+              </a:tr>
+              <a:tr h="373042">
+                <a:tc>
+                  <a:txBody>
+                    <a:bodyPr/>
+                    <a:lstStyle/>
+                    <a:p>
+                      <a:pPr algn="ctr" fontAlgn="ctr"/>
+                      <a:r>
+                        <a:rPr lang="zh-CN" altLang="en-US" sz="2400" b="0" i="0" u="none" strike="noStrike">
+                          <a:solidFill>
+                            <a:srgbClr val="000000"/>
+                          </a:solidFill>
+                          <a:effectLst/>
+                          <a:latin typeface="宋体" panose="02010600030101010101" pitchFamily="2" charset="-122"/>
+                          <a:ea typeface="宋体" panose="02010600030101010101" pitchFamily="2" charset="-122"/>
+                        </a:rPr>
+                        <a:t>百变吊车</a:t>
+                      </a:r>
+                    </a:p>
+                  </a:txBody>
+                  <a:tcPr marL="7620" marR="7620" marT="7620" marB="0" anchor="ctr">
+                    <a:lnL w="6350" cap="flat" cmpd="sng" algn="ctr">
+                      <a:solidFill>
+                        <a:srgbClr val="000000"/>
+                      </a:solidFill>
+                      <a:prstDash val="solid"/>
+                      <a:round/>
+                      <a:headEnd type="none" w="med" len="med"/>
+                      <a:tailEnd type="none" w="med" len="med"/>
+                    </a:lnL>
+                    <a:lnR w="6350" cap="flat" cmpd="sng" algn="ctr">
+                      <a:solidFill>
+                        <a:srgbClr val="000000"/>
+                      </a:solidFill>
+                      <a:prstDash val="solid"/>
+                      <a:round/>
+                      <a:headEnd type="none" w="med" len="med"/>
+                      <a:tailEnd type="none" w="med" len="med"/>
+                    </a:lnR>
+                    <a:lnT w="6350" cap="flat" cmpd="sng" algn="ctr">
+                      <a:solidFill>
+                        <a:srgbClr val="000000"/>
+                      </a:solidFill>
+                      <a:prstDash val="solid"/>
+                      <a:round/>
+                      <a:headEnd type="none" w="med" len="med"/>
+                      <a:tailEnd type="none" w="med" len="med"/>
+                    </a:lnT>
+                    <a:lnB w="6350" cap="flat" cmpd="sng" algn="ctr">
+                      <a:solidFill>
+                        <a:srgbClr val="000000"/>
+                      </a:solidFill>
+                      <a:prstDash val="solid"/>
+                      <a:round/>
+                      <a:headEnd type="none" w="med" len="med"/>
+                      <a:tailEnd type="none" w="med" len="med"/>
+                    </a:lnB>
+                    <a:solidFill>
+                      <a:schemeClr val="bg2">
+                        <a:lumMod val="40000"/>
+                        <a:lumOff val="60000"/>
+                      </a:schemeClr>
+                    </a:solidFill>
+                  </a:tcPr>
+                </a:tc>
+                <a:tc>
+                  <a:txBody>
+                    <a:bodyPr/>
+                    <a:lstStyle/>
+                    <a:p>
+                      <a:pPr algn="ctr" fontAlgn="ctr"/>
+                      <a:r>
+                        <a:rPr lang="en-US" altLang="zh-CN" sz="2400" b="0" i="0" u="none" strike="noStrike">
+                          <a:solidFill>
+                            <a:srgbClr val="000000"/>
+                          </a:solidFill>
+                          <a:effectLst/>
+                          <a:latin typeface="宋体" panose="02010600030101010101" pitchFamily="2" charset="-122"/>
+                          <a:ea typeface="宋体" panose="02010600030101010101" pitchFamily="2" charset="-122"/>
+                        </a:rPr>
+                        <a:t>0:09:03</a:t>
+                      </a:r>
+                    </a:p>
+                  </a:txBody>
+                  <a:tcPr marL="7620" marR="7620" marT="7620" marB="0" anchor="ctr">
+                    <a:lnL w="6350" cap="flat" cmpd="sng" algn="ctr">
+                      <a:solidFill>
+                        <a:srgbClr val="000000"/>
+                      </a:solidFill>
+                      <a:prstDash val="solid"/>
+                      <a:round/>
+                      <a:headEnd type="none" w="med" len="med"/>
+                      <a:tailEnd type="none" w="med" len="med"/>
+                    </a:lnL>
+                    <a:lnR w="6350" cap="flat" cmpd="sng" algn="ctr">
+                      <a:solidFill>
+                        <a:srgbClr val="000000"/>
+                      </a:solidFill>
+                      <a:prstDash val="solid"/>
+                      <a:round/>
+                      <a:headEnd type="none" w="med" len="med"/>
+                      <a:tailEnd type="none" w="med" len="med"/>
+                    </a:lnR>
+                    <a:lnT w="6350" cap="flat" cmpd="sng" algn="ctr">
+                      <a:solidFill>
+                        <a:srgbClr val="000000"/>
+                      </a:solidFill>
+                      <a:prstDash val="solid"/>
+                      <a:round/>
+                      <a:headEnd type="none" w="med" len="med"/>
+                      <a:tailEnd type="none" w="med" len="med"/>
+                    </a:lnT>
+                    <a:lnB w="6350" cap="flat" cmpd="sng" algn="ctr">
+                      <a:solidFill>
+                        <a:srgbClr val="000000"/>
+                      </a:solidFill>
+                      <a:prstDash val="solid"/>
+                      <a:round/>
+                      <a:headEnd type="none" w="med" len="med"/>
+                      <a:tailEnd type="none" w="med" len="med"/>
+                    </a:lnB>
+                    <a:solidFill>
+                      <a:schemeClr val="bg2">
+                        <a:lumMod val="40000"/>
+                        <a:lumOff val="60000"/>
+                      </a:schemeClr>
+                    </a:solidFill>
+                  </a:tcPr>
+                </a:tc>
+              </a:tr>
+              <a:tr h="373042">
+                <a:tc>
+                  <a:txBody>
+                    <a:bodyPr/>
+                    <a:lstStyle/>
+                    <a:p>
+                      <a:pPr algn="ctr" fontAlgn="ctr"/>
+                      <a:r>
+                        <a:rPr lang="zh-CN" altLang="en-US" sz="2400" b="0" i="0" u="none" strike="noStrike">
+                          <a:solidFill>
+                            <a:srgbClr val="000000"/>
+                          </a:solidFill>
+                          <a:effectLst/>
+                          <a:latin typeface="宋体" panose="02010600030101010101" pitchFamily="2" charset="-122"/>
+                          <a:ea typeface="宋体" panose="02010600030101010101" pitchFamily="2" charset="-122"/>
+                        </a:rPr>
+                        <a:t>百变消防车</a:t>
+                      </a:r>
+                    </a:p>
+                  </a:txBody>
+                  <a:tcPr marL="7620" marR="7620" marT="7620" marB="0" anchor="ctr">
+                    <a:lnL w="6350" cap="flat" cmpd="sng" algn="ctr">
+                      <a:solidFill>
+                        <a:srgbClr val="000000"/>
+                      </a:solidFill>
+                      <a:prstDash val="solid"/>
+                      <a:round/>
+                      <a:headEnd type="none" w="med" len="med"/>
+                      <a:tailEnd type="none" w="med" len="med"/>
+                    </a:lnL>
+                    <a:lnR w="6350" cap="flat" cmpd="sng" algn="ctr">
+                      <a:solidFill>
+                        <a:srgbClr val="000000"/>
+                      </a:solidFill>
+                      <a:prstDash val="solid"/>
+                      <a:round/>
+                      <a:headEnd type="none" w="med" len="med"/>
+                      <a:tailEnd type="none" w="med" len="med"/>
+                    </a:lnR>
+                    <a:lnT w="6350" cap="flat" cmpd="sng" algn="ctr">
+                      <a:solidFill>
+                        <a:srgbClr val="000000"/>
+                      </a:solidFill>
+                      <a:prstDash val="solid"/>
+                      <a:round/>
+                      <a:headEnd type="none" w="med" len="med"/>
+                      <a:tailEnd type="none" w="med" len="med"/>
+                    </a:lnT>
+                    <a:lnB w="6350" cap="flat" cmpd="sng" algn="ctr">
+                      <a:solidFill>
+                        <a:srgbClr val="000000"/>
+                      </a:solidFill>
+                      <a:prstDash val="solid"/>
+                      <a:round/>
+                      <a:headEnd type="none" w="med" len="med"/>
+                      <a:tailEnd type="none" w="med" len="med"/>
+                    </a:lnB>
+                    <a:solidFill>
+                      <a:schemeClr val="bg2">
+                        <a:lumMod val="40000"/>
+                        <a:lumOff val="60000"/>
+                      </a:schemeClr>
+                    </a:solidFill>
+                  </a:tcPr>
+                </a:tc>
+                <a:tc>
+                  <a:txBody>
+                    <a:bodyPr/>
+                    <a:lstStyle/>
+                    <a:p>
+                      <a:pPr algn="ctr" fontAlgn="ctr"/>
+                      <a:r>
+                        <a:rPr lang="en-US" altLang="zh-CN" sz="2400" b="0" i="0" u="none" strike="noStrike">
+                          <a:solidFill>
+                            <a:srgbClr val="000000"/>
+                          </a:solidFill>
+                          <a:effectLst/>
+                          <a:latin typeface="宋体" panose="02010600030101010101" pitchFamily="2" charset="-122"/>
+                          <a:ea typeface="宋体" panose="02010600030101010101" pitchFamily="2" charset="-122"/>
+                        </a:rPr>
+                        <a:t>0:05:11</a:t>
+                      </a:r>
+                    </a:p>
+                  </a:txBody>
+                  <a:tcPr marL="7620" marR="7620" marT="7620" marB="0" anchor="ctr">
+                    <a:lnL w="6350" cap="flat" cmpd="sng" algn="ctr">
+                      <a:solidFill>
+                        <a:srgbClr val="000000"/>
+                      </a:solidFill>
+                      <a:prstDash val="solid"/>
+                      <a:round/>
+                      <a:headEnd type="none" w="med" len="med"/>
+                      <a:tailEnd type="none" w="med" len="med"/>
+                    </a:lnL>
+                    <a:lnR w="6350" cap="flat" cmpd="sng" algn="ctr">
+                      <a:solidFill>
+                        <a:srgbClr val="000000"/>
+                      </a:solidFill>
+                      <a:prstDash val="solid"/>
+                      <a:round/>
+                      <a:headEnd type="none" w="med" len="med"/>
+                      <a:tailEnd type="none" w="med" len="med"/>
+                    </a:lnR>
+                    <a:lnT w="6350" cap="flat" cmpd="sng" algn="ctr">
+                      <a:solidFill>
+                        <a:srgbClr val="000000"/>
+                      </a:solidFill>
+                      <a:prstDash val="solid"/>
+                      <a:round/>
+                      <a:headEnd type="none" w="med" len="med"/>
+                      <a:tailEnd type="none" w="med" len="med"/>
+                    </a:lnT>
+                    <a:lnB w="6350" cap="flat" cmpd="sng" algn="ctr">
+                      <a:solidFill>
+                        <a:srgbClr val="000000"/>
+                      </a:solidFill>
+                      <a:prstDash val="solid"/>
+                      <a:round/>
+                      <a:headEnd type="none" w="med" len="med"/>
+                      <a:tailEnd type="none" w="med" len="med"/>
+                    </a:lnB>
+                    <a:solidFill>
+                      <a:schemeClr val="bg2">
+                        <a:lumMod val="40000"/>
+                        <a:lumOff val="60000"/>
+                      </a:schemeClr>
+                    </a:solidFill>
+                  </a:tcPr>
+                </a:tc>
+              </a:tr>
+              <a:tr h="373042">
+                <a:tc>
+                  <a:txBody>
+                    <a:bodyPr/>
+                    <a:lstStyle/>
+                    <a:p>
+                      <a:pPr algn="ctr" fontAlgn="ctr"/>
+                      <a:r>
+                        <a:rPr lang="zh-CN" altLang="en-US" sz="2400" b="0" i="0" u="none" strike="noStrike">
+                          <a:solidFill>
+                            <a:srgbClr val="000000"/>
+                          </a:solidFill>
+                          <a:effectLst/>
+                          <a:latin typeface="宋体" panose="02010600030101010101" pitchFamily="2" charset="-122"/>
+                          <a:ea typeface="宋体" panose="02010600030101010101" pitchFamily="2" charset="-122"/>
+                        </a:rPr>
+                        <a:t>百变箱式拖车</a:t>
+                      </a:r>
+                    </a:p>
+                  </a:txBody>
+                  <a:tcPr marL="7620" marR="7620" marT="7620" marB="0" anchor="ctr">
+                    <a:lnL w="6350" cap="flat" cmpd="sng" algn="ctr">
+                      <a:solidFill>
+                        <a:srgbClr val="000000"/>
+                      </a:solidFill>
+                      <a:prstDash val="solid"/>
+                      <a:round/>
+                      <a:headEnd type="none" w="med" len="med"/>
+                      <a:tailEnd type="none" w="med" len="med"/>
+                    </a:lnL>
+                    <a:lnR w="6350" cap="flat" cmpd="sng" algn="ctr">
+                      <a:solidFill>
+                        <a:srgbClr val="000000"/>
+                      </a:solidFill>
+                      <a:prstDash val="solid"/>
+                      <a:round/>
+                      <a:headEnd type="none" w="med" len="med"/>
+                      <a:tailEnd type="none" w="med" len="med"/>
+                    </a:lnR>
+                    <a:lnT w="6350" cap="flat" cmpd="sng" algn="ctr">
+                      <a:solidFill>
+                        <a:srgbClr val="000000"/>
+                      </a:solidFill>
+                      <a:prstDash val="solid"/>
+                      <a:round/>
+                      <a:headEnd type="none" w="med" len="med"/>
+                      <a:tailEnd type="none" w="med" len="med"/>
+                    </a:lnT>
+                    <a:lnB w="6350" cap="flat" cmpd="sng" algn="ctr">
+                      <a:solidFill>
+                        <a:srgbClr val="000000"/>
+                      </a:solidFill>
+                      <a:prstDash val="solid"/>
+                      <a:round/>
+                      <a:headEnd type="none" w="med" len="med"/>
+                      <a:tailEnd type="none" w="med" len="med"/>
+                    </a:lnB>
+                    <a:solidFill>
+                      <a:schemeClr val="bg2">
+                        <a:lumMod val="40000"/>
+                        <a:lumOff val="60000"/>
+                      </a:schemeClr>
+                    </a:solidFill>
+                  </a:tcPr>
+                </a:tc>
+                <a:tc>
+                  <a:txBody>
+                    <a:bodyPr/>
+                    <a:lstStyle/>
+                    <a:p>
+                      <a:pPr algn="ctr" fontAlgn="ctr"/>
+                      <a:r>
+                        <a:rPr lang="en-US" altLang="zh-CN" sz="2400" b="0" i="0" u="none" strike="noStrike">
+                          <a:solidFill>
+                            <a:srgbClr val="000000"/>
+                          </a:solidFill>
+                          <a:effectLst/>
+                          <a:latin typeface="宋体" panose="02010600030101010101" pitchFamily="2" charset="-122"/>
+                          <a:ea typeface="宋体" panose="02010600030101010101" pitchFamily="2" charset="-122"/>
+                        </a:rPr>
+                        <a:t>0:07:52</a:t>
+                      </a:r>
+                    </a:p>
+                  </a:txBody>
+                  <a:tcPr marL="7620" marR="7620" marT="7620" marB="0" anchor="ctr">
+                    <a:lnL w="6350" cap="flat" cmpd="sng" algn="ctr">
+                      <a:solidFill>
+                        <a:srgbClr val="000000"/>
+                      </a:solidFill>
+                      <a:prstDash val="solid"/>
+                      <a:round/>
+                      <a:headEnd type="none" w="med" len="med"/>
+                      <a:tailEnd type="none" w="med" len="med"/>
+                    </a:lnL>
+                    <a:lnR w="6350" cap="flat" cmpd="sng" algn="ctr">
+                      <a:solidFill>
+                        <a:srgbClr val="000000"/>
+                      </a:solidFill>
+                      <a:prstDash val="solid"/>
+                      <a:round/>
+                      <a:headEnd type="none" w="med" len="med"/>
+                      <a:tailEnd type="none" w="med" len="med"/>
+                    </a:lnR>
+                    <a:lnT w="6350" cap="flat" cmpd="sng" algn="ctr">
+                      <a:solidFill>
+                        <a:srgbClr val="000000"/>
+                      </a:solidFill>
+                      <a:prstDash val="solid"/>
+                      <a:round/>
+                      <a:headEnd type="none" w="med" len="med"/>
+                      <a:tailEnd type="none" w="med" len="med"/>
+                    </a:lnT>
+                    <a:lnB w="6350" cap="flat" cmpd="sng" algn="ctr">
+                      <a:solidFill>
+                        <a:srgbClr val="000000"/>
+                      </a:solidFill>
+                      <a:prstDash val="solid"/>
+                      <a:round/>
+                      <a:headEnd type="none" w="med" len="med"/>
+                      <a:tailEnd type="none" w="med" len="med"/>
+                    </a:lnB>
+                    <a:solidFill>
+                      <a:schemeClr val="bg2">
+                        <a:lumMod val="40000"/>
+                        <a:lumOff val="60000"/>
+                      </a:schemeClr>
+                    </a:solidFill>
+                  </a:tcPr>
+                </a:tc>
+              </a:tr>
+              <a:tr h="373042">
+                <a:tc>
+                  <a:txBody>
+                    <a:bodyPr/>
+                    <a:lstStyle/>
+                    <a:p>
+                      <a:pPr algn="ctr" fontAlgn="ctr"/>
+                      <a:r>
+                        <a:rPr lang="zh-CN" altLang="en-US" sz="2400" b="0" i="0" u="none" strike="noStrike">
+                          <a:solidFill>
+                            <a:srgbClr val="000000"/>
+                          </a:solidFill>
+                          <a:effectLst/>
+                          <a:latin typeface="宋体" panose="02010600030101010101" pitchFamily="2" charset="-122"/>
+                          <a:ea typeface="宋体" panose="02010600030101010101" pitchFamily="2" charset="-122"/>
+                        </a:rPr>
+                        <a:t>百变小木马</a:t>
+                      </a:r>
+                    </a:p>
+                  </a:txBody>
+                  <a:tcPr marL="7620" marR="7620" marT="7620" marB="0" anchor="ctr">
+                    <a:lnL w="6350" cap="flat" cmpd="sng" algn="ctr">
+                      <a:solidFill>
+                        <a:srgbClr val="000000"/>
+                      </a:solidFill>
+                      <a:prstDash val="solid"/>
+                      <a:round/>
+                      <a:headEnd type="none" w="med" len="med"/>
+                      <a:tailEnd type="none" w="med" len="med"/>
+                    </a:lnL>
+                    <a:lnR w="6350" cap="flat" cmpd="sng" algn="ctr">
+                      <a:solidFill>
+                        <a:srgbClr val="000000"/>
+                      </a:solidFill>
+                      <a:prstDash val="solid"/>
+                      <a:round/>
+                      <a:headEnd type="none" w="med" len="med"/>
+                      <a:tailEnd type="none" w="med" len="med"/>
+                    </a:lnR>
+                    <a:lnT w="6350" cap="flat" cmpd="sng" algn="ctr">
+                      <a:solidFill>
+                        <a:srgbClr val="000000"/>
+                      </a:solidFill>
+                      <a:prstDash val="solid"/>
+                      <a:round/>
+                      <a:headEnd type="none" w="med" len="med"/>
+                      <a:tailEnd type="none" w="med" len="med"/>
+                    </a:lnT>
+                    <a:lnB w="6350" cap="flat" cmpd="sng" algn="ctr">
+                      <a:solidFill>
+                        <a:srgbClr val="000000"/>
+                      </a:solidFill>
+                      <a:prstDash val="solid"/>
+                      <a:round/>
+                      <a:headEnd type="none" w="med" len="med"/>
+                      <a:tailEnd type="none" w="med" len="med"/>
+                    </a:lnB>
+                    <a:solidFill>
+                      <a:schemeClr val="bg2">
+                        <a:lumMod val="40000"/>
+                        <a:lumOff val="60000"/>
+                      </a:schemeClr>
+                    </a:solidFill>
+                  </a:tcPr>
+                </a:tc>
+                <a:tc>
+                  <a:txBody>
+                    <a:bodyPr/>
+                    <a:lstStyle/>
+                    <a:p>
+                      <a:pPr algn="ctr" fontAlgn="ctr"/>
+                      <a:r>
+                        <a:rPr lang="en-US" altLang="zh-CN" sz="2400" b="0" i="0" u="none" strike="noStrike">
+                          <a:solidFill>
+                            <a:srgbClr val="000000"/>
+                          </a:solidFill>
+                          <a:effectLst/>
+                          <a:latin typeface="宋体" panose="02010600030101010101" pitchFamily="2" charset="-122"/>
+                          <a:ea typeface="宋体" panose="02010600030101010101" pitchFamily="2" charset="-122"/>
+                        </a:rPr>
+                        <a:t>0:14:46</a:t>
+                      </a:r>
+                    </a:p>
+                  </a:txBody>
+                  <a:tcPr marL="7620" marR="7620" marT="7620" marB="0" anchor="ctr">
+                    <a:lnL w="6350" cap="flat" cmpd="sng" algn="ctr">
+                      <a:solidFill>
+                        <a:srgbClr val="000000"/>
+                      </a:solidFill>
+                      <a:prstDash val="solid"/>
+                      <a:round/>
+                      <a:headEnd type="none" w="med" len="med"/>
+                      <a:tailEnd type="none" w="med" len="med"/>
+                    </a:lnL>
+                    <a:lnR w="6350" cap="flat" cmpd="sng" algn="ctr">
+                      <a:solidFill>
+                        <a:srgbClr val="000000"/>
+                      </a:solidFill>
+                      <a:prstDash val="solid"/>
+                      <a:round/>
+                      <a:headEnd type="none" w="med" len="med"/>
+                      <a:tailEnd type="none" w="med" len="med"/>
+                    </a:lnR>
+                    <a:lnT w="6350" cap="flat" cmpd="sng" algn="ctr">
+                      <a:solidFill>
+                        <a:srgbClr val="000000"/>
+                      </a:solidFill>
+                      <a:prstDash val="solid"/>
+                      <a:round/>
+                      <a:headEnd type="none" w="med" len="med"/>
+                      <a:tailEnd type="none" w="med" len="med"/>
+                    </a:lnT>
+                    <a:lnB w="6350" cap="flat" cmpd="sng" algn="ctr">
+                      <a:solidFill>
+                        <a:srgbClr val="000000"/>
+                      </a:solidFill>
+                      <a:prstDash val="solid"/>
+                      <a:round/>
+                      <a:headEnd type="none" w="med" len="med"/>
+                      <a:tailEnd type="none" w="med" len="med"/>
+                    </a:lnB>
+                    <a:solidFill>
+                      <a:schemeClr val="bg2">
+                        <a:lumMod val="40000"/>
+                        <a:lumOff val="60000"/>
+                      </a:schemeClr>
+                    </a:solidFill>
+                  </a:tcPr>
+                </a:tc>
+              </a:tr>
+              <a:tr h="373042">
+                <a:tc>
+                  <a:txBody>
+                    <a:bodyPr/>
+                    <a:lstStyle/>
+                    <a:p>
+                      <a:pPr algn="ctr" fontAlgn="ctr"/>
+                      <a:r>
+                        <a:rPr lang="zh-CN" altLang="en-US" sz="2400" b="0" i="0" u="none" strike="noStrike">
+                          <a:solidFill>
+                            <a:srgbClr val="000000"/>
+                          </a:solidFill>
+                          <a:effectLst/>
+                          <a:latin typeface="宋体" panose="02010600030101010101" pitchFamily="2" charset="-122"/>
+                          <a:ea typeface="宋体" panose="02010600030101010101" pitchFamily="2" charset="-122"/>
+                        </a:rPr>
+                        <a:t>百变清障车（遥控）</a:t>
+                      </a:r>
+                    </a:p>
+                  </a:txBody>
+                  <a:tcPr marL="7620" marR="7620" marT="7620" marB="0" anchor="ctr">
+                    <a:lnL w="6350" cap="flat" cmpd="sng" algn="ctr">
+                      <a:solidFill>
+                        <a:srgbClr val="000000"/>
+                      </a:solidFill>
+                      <a:prstDash val="solid"/>
+                      <a:round/>
+                      <a:headEnd type="none" w="med" len="med"/>
+                      <a:tailEnd type="none" w="med" len="med"/>
+                    </a:lnL>
+                    <a:lnR w="6350" cap="flat" cmpd="sng" algn="ctr">
+                      <a:solidFill>
+                        <a:srgbClr val="000000"/>
+                      </a:solidFill>
+                      <a:prstDash val="solid"/>
+                      <a:round/>
+                      <a:headEnd type="none" w="med" len="med"/>
+                      <a:tailEnd type="none" w="med" len="med"/>
+                    </a:lnR>
+                    <a:lnT w="6350" cap="flat" cmpd="sng" algn="ctr">
+                      <a:solidFill>
+                        <a:srgbClr val="000000"/>
+                      </a:solidFill>
+                      <a:prstDash val="solid"/>
+                      <a:round/>
+                      <a:headEnd type="none" w="med" len="med"/>
+                      <a:tailEnd type="none" w="med" len="med"/>
+                    </a:lnT>
+                    <a:lnB w="6350" cap="flat" cmpd="sng" algn="ctr">
+                      <a:solidFill>
+                        <a:srgbClr val="000000"/>
+                      </a:solidFill>
+                      <a:prstDash val="solid"/>
+                      <a:round/>
+                      <a:headEnd type="none" w="med" len="med"/>
+                      <a:tailEnd type="none" w="med" len="med"/>
+                    </a:lnB>
+                    <a:solidFill>
+                      <a:schemeClr val="bg2">
+                        <a:lumMod val="40000"/>
+                        <a:lumOff val="60000"/>
+                      </a:schemeClr>
+                    </a:solidFill>
+                  </a:tcPr>
+                </a:tc>
+                <a:tc>
+                  <a:txBody>
+                    <a:bodyPr/>
+                    <a:lstStyle/>
+                    <a:p>
+                      <a:pPr algn="ctr" fontAlgn="ctr"/>
+                      <a:r>
+                        <a:rPr lang="en-US" altLang="zh-CN" sz="2400" b="0" i="0" u="none" strike="noStrike">
+                          <a:solidFill>
+                            <a:srgbClr val="000000"/>
+                          </a:solidFill>
+                          <a:effectLst/>
+                          <a:latin typeface="宋体" panose="02010600030101010101" pitchFamily="2" charset="-122"/>
+                          <a:ea typeface="宋体" panose="02010600030101010101" pitchFamily="2" charset="-122"/>
+                        </a:rPr>
+                        <a:t>0:12:42</a:t>
+                      </a:r>
+                    </a:p>
+                  </a:txBody>
+                  <a:tcPr marL="7620" marR="7620" marT="7620" marB="0" anchor="ctr">
+                    <a:lnL w="6350" cap="flat" cmpd="sng" algn="ctr">
+                      <a:solidFill>
+                        <a:srgbClr val="000000"/>
+                      </a:solidFill>
+                      <a:prstDash val="solid"/>
+                      <a:round/>
+                      <a:headEnd type="none" w="med" len="med"/>
+                      <a:tailEnd type="none" w="med" len="med"/>
+                    </a:lnL>
+                    <a:lnR w="6350" cap="flat" cmpd="sng" algn="ctr">
+                      <a:solidFill>
+                        <a:srgbClr val="000000"/>
+                      </a:solidFill>
+                      <a:prstDash val="solid"/>
+                      <a:round/>
+                      <a:headEnd type="none" w="med" len="med"/>
+                      <a:tailEnd type="none" w="med" len="med"/>
+                    </a:lnR>
+                    <a:lnT w="6350" cap="flat" cmpd="sng" algn="ctr">
+                      <a:solidFill>
+                        <a:srgbClr val="000000"/>
+                      </a:solidFill>
+                      <a:prstDash val="solid"/>
+                      <a:round/>
+                      <a:headEnd type="none" w="med" len="med"/>
+                      <a:tailEnd type="none" w="med" len="med"/>
+                    </a:lnT>
+                    <a:lnB w="6350" cap="flat" cmpd="sng" algn="ctr">
+                      <a:solidFill>
+                        <a:srgbClr val="000000"/>
+                      </a:solidFill>
+                      <a:prstDash val="solid"/>
+                      <a:round/>
+                      <a:headEnd type="none" w="med" len="med"/>
+                      <a:tailEnd type="none" w="med" len="med"/>
+                    </a:lnB>
+                    <a:solidFill>
+                      <a:schemeClr val="bg2">
+                        <a:lumMod val="40000"/>
+                        <a:lumOff val="60000"/>
+                      </a:schemeClr>
+                    </a:solidFill>
+                  </a:tcPr>
+                </a:tc>
+              </a:tr>
+              <a:tr h="373042">
+                <a:tc>
+                  <a:txBody>
+                    <a:bodyPr/>
+                    <a:lstStyle/>
+                    <a:p>
+                      <a:pPr algn="ctr" fontAlgn="ctr"/>
+                      <a:r>
+                        <a:rPr lang="zh-CN" altLang="en-US" sz="2400" b="0" i="0" u="none" strike="noStrike">
+                          <a:solidFill>
+                            <a:srgbClr val="000000"/>
+                          </a:solidFill>
+                          <a:effectLst/>
+                          <a:latin typeface="宋体" panose="02010600030101010101" pitchFamily="2" charset="-122"/>
+                          <a:ea typeface="宋体" panose="02010600030101010101" pitchFamily="2" charset="-122"/>
+                        </a:rPr>
+                        <a:t>百变气垫船</a:t>
+                      </a:r>
+                    </a:p>
+                  </a:txBody>
+                  <a:tcPr marL="7620" marR="7620" marT="7620" marB="0" anchor="ctr">
+                    <a:lnL w="6350" cap="flat" cmpd="sng" algn="ctr">
+                      <a:solidFill>
+                        <a:srgbClr val="000000"/>
+                      </a:solidFill>
+                      <a:prstDash val="solid"/>
+                      <a:round/>
+                      <a:headEnd type="none" w="med" len="med"/>
+                      <a:tailEnd type="none" w="med" len="med"/>
+                    </a:lnL>
+                    <a:lnR w="6350" cap="flat" cmpd="sng" algn="ctr">
+                      <a:solidFill>
+                        <a:srgbClr val="000000"/>
+                      </a:solidFill>
+                      <a:prstDash val="solid"/>
+                      <a:round/>
+                      <a:headEnd type="none" w="med" len="med"/>
+                      <a:tailEnd type="none" w="med" len="med"/>
+                    </a:lnR>
+                    <a:lnT w="6350" cap="flat" cmpd="sng" algn="ctr">
+                      <a:solidFill>
+                        <a:srgbClr val="000000"/>
+                      </a:solidFill>
+                      <a:prstDash val="solid"/>
+                      <a:round/>
+                      <a:headEnd type="none" w="med" len="med"/>
+                      <a:tailEnd type="none" w="med" len="med"/>
+                    </a:lnT>
+                    <a:lnB w="6350" cap="flat" cmpd="sng" algn="ctr">
+                      <a:solidFill>
+                        <a:srgbClr val="000000"/>
+                      </a:solidFill>
+                      <a:prstDash val="solid"/>
+                      <a:round/>
+                      <a:headEnd type="none" w="med" len="med"/>
+                      <a:tailEnd type="none" w="med" len="med"/>
+                    </a:lnB>
+                    <a:solidFill>
+                      <a:schemeClr val="bg2">
+                        <a:lumMod val="40000"/>
+                        <a:lumOff val="60000"/>
+                      </a:schemeClr>
+                    </a:solidFill>
+                  </a:tcPr>
+                </a:tc>
+                <a:tc>
+                  <a:txBody>
+                    <a:bodyPr/>
+                    <a:lstStyle/>
+                    <a:p>
+                      <a:pPr algn="ctr" fontAlgn="ctr"/>
+                      <a:r>
+                        <a:rPr lang="en-US" altLang="zh-CN" sz="2400" b="0" i="0" u="none" strike="noStrike">
+                          <a:solidFill>
+                            <a:srgbClr val="000000"/>
+                          </a:solidFill>
+                          <a:effectLst/>
+                          <a:latin typeface="宋体" panose="02010600030101010101" pitchFamily="2" charset="-122"/>
+                          <a:ea typeface="宋体" panose="02010600030101010101" pitchFamily="2" charset="-122"/>
+                        </a:rPr>
+                        <a:t>0:11:07</a:t>
+                      </a:r>
+                    </a:p>
+                  </a:txBody>
+                  <a:tcPr marL="7620" marR="7620" marT="7620" marB="0" anchor="ctr">
+                    <a:lnL w="6350" cap="flat" cmpd="sng" algn="ctr">
+                      <a:solidFill>
+                        <a:srgbClr val="000000"/>
+                      </a:solidFill>
+                      <a:prstDash val="solid"/>
+                      <a:round/>
+                      <a:headEnd type="none" w="med" len="med"/>
+                      <a:tailEnd type="none" w="med" len="med"/>
+                    </a:lnL>
+                    <a:lnR w="6350" cap="flat" cmpd="sng" algn="ctr">
+                      <a:solidFill>
+                        <a:srgbClr val="000000"/>
+                      </a:solidFill>
+                      <a:prstDash val="solid"/>
+                      <a:round/>
+                      <a:headEnd type="none" w="med" len="med"/>
+                      <a:tailEnd type="none" w="med" len="med"/>
+                    </a:lnR>
+                    <a:lnT w="6350" cap="flat" cmpd="sng" algn="ctr">
+                      <a:solidFill>
+                        <a:srgbClr val="000000"/>
+                      </a:solidFill>
+                      <a:prstDash val="solid"/>
+                      <a:round/>
+                      <a:headEnd type="none" w="med" len="med"/>
+                      <a:tailEnd type="none" w="med" len="med"/>
+                    </a:lnT>
+                    <a:lnB w="6350" cap="flat" cmpd="sng" algn="ctr">
+                      <a:solidFill>
+                        <a:srgbClr val="000000"/>
+                      </a:solidFill>
+                      <a:prstDash val="solid"/>
+                      <a:round/>
+                      <a:headEnd type="none" w="med" len="med"/>
+                      <a:tailEnd type="none" w="med" len="med"/>
+                    </a:lnB>
+                    <a:solidFill>
+                      <a:schemeClr val="bg2">
+                        <a:lumMod val="40000"/>
+                        <a:lumOff val="60000"/>
+                      </a:schemeClr>
+                    </a:solidFill>
+                  </a:tcPr>
+                </a:tc>
+              </a:tr>
+              <a:tr h="373042">
+                <a:tc>
+                  <a:txBody>
+                    <a:bodyPr/>
+                    <a:lstStyle/>
+                    <a:p>
+                      <a:pPr algn="ctr" fontAlgn="ctr"/>
+                      <a:r>
+                        <a:rPr lang="zh-CN" altLang="en-US" sz="2400" b="0" i="0" u="none" strike="noStrike">
+                          <a:solidFill>
+                            <a:srgbClr val="000000"/>
+                          </a:solidFill>
+                          <a:effectLst/>
+                          <a:latin typeface="宋体" panose="02010600030101010101" pitchFamily="2" charset="-122"/>
+                          <a:ea typeface="宋体" panose="02010600030101010101" pitchFamily="2" charset="-122"/>
+                        </a:rPr>
+                        <a:t>百变警车</a:t>
+                      </a:r>
+                    </a:p>
+                  </a:txBody>
+                  <a:tcPr marL="7620" marR="7620" marT="7620" marB="0" anchor="ctr">
+                    <a:lnL w="6350" cap="flat" cmpd="sng" algn="ctr">
+                      <a:solidFill>
+                        <a:srgbClr val="000000"/>
+                      </a:solidFill>
+                      <a:prstDash val="solid"/>
+                      <a:round/>
+                      <a:headEnd type="none" w="med" len="med"/>
+                      <a:tailEnd type="none" w="med" len="med"/>
+                    </a:lnL>
+                    <a:lnR w="6350" cap="flat" cmpd="sng" algn="ctr">
+                      <a:solidFill>
+                        <a:srgbClr val="000000"/>
+                      </a:solidFill>
+                      <a:prstDash val="solid"/>
+                      <a:round/>
+                      <a:headEnd type="none" w="med" len="med"/>
+                      <a:tailEnd type="none" w="med" len="med"/>
+                    </a:lnR>
+                    <a:lnT w="6350" cap="flat" cmpd="sng" algn="ctr">
+                      <a:solidFill>
+                        <a:srgbClr val="000000"/>
+                      </a:solidFill>
+                      <a:prstDash val="solid"/>
+                      <a:round/>
+                      <a:headEnd type="none" w="med" len="med"/>
+                      <a:tailEnd type="none" w="med" len="med"/>
+                    </a:lnT>
+                    <a:lnB w="6350" cap="flat" cmpd="sng" algn="ctr">
+                      <a:solidFill>
+                        <a:srgbClr val="000000"/>
+                      </a:solidFill>
+                      <a:prstDash val="solid"/>
+                      <a:round/>
+                      <a:headEnd type="none" w="med" len="med"/>
+                      <a:tailEnd type="none" w="med" len="med"/>
+                    </a:lnB>
+                    <a:solidFill>
+                      <a:schemeClr val="bg2">
+                        <a:lumMod val="40000"/>
+                        <a:lumOff val="60000"/>
+                      </a:schemeClr>
+                    </a:solidFill>
+                  </a:tcPr>
+                </a:tc>
+                <a:tc>
+                  <a:txBody>
+                    <a:bodyPr/>
+                    <a:lstStyle/>
+                    <a:p>
+                      <a:pPr algn="ctr" fontAlgn="ctr"/>
+                      <a:r>
+                        <a:rPr lang="en-US" altLang="zh-CN" sz="2400" b="0" i="0" u="none" strike="noStrike">
+                          <a:solidFill>
+                            <a:srgbClr val="000000"/>
+                          </a:solidFill>
+                          <a:effectLst/>
+                          <a:latin typeface="宋体" panose="02010600030101010101" pitchFamily="2" charset="-122"/>
+                          <a:ea typeface="宋体" panose="02010600030101010101" pitchFamily="2" charset="-122"/>
+                        </a:rPr>
+                        <a:t>0:10:39</a:t>
+                      </a:r>
+                    </a:p>
+                  </a:txBody>
+                  <a:tcPr marL="7620" marR="7620" marT="7620" marB="0" anchor="ctr">
+                    <a:lnL w="6350" cap="flat" cmpd="sng" algn="ctr">
+                      <a:solidFill>
+                        <a:srgbClr val="000000"/>
+                      </a:solidFill>
+                      <a:prstDash val="solid"/>
+                      <a:round/>
+                      <a:headEnd type="none" w="med" len="med"/>
+                      <a:tailEnd type="none" w="med" len="med"/>
+                    </a:lnL>
+                    <a:lnR w="6350" cap="flat" cmpd="sng" algn="ctr">
+                      <a:solidFill>
+                        <a:srgbClr val="000000"/>
+                      </a:solidFill>
+                      <a:prstDash val="solid"/>
+                      <a:round/>
+                      <a:headEnd type="none" w="med" len="med"/>
+                      <a:tailEnd type="none" w="med" len="med"/>
+                    </a:lnR>
+                    <a:lnT w="6350" cap="flat" cmpd="sng" algn="ctr">
+                      <a:solidFill>
+                        <a:srgbClr val="000000"/>
+                      </a:solidFill>
+                      <a:prstDash val="solid"/>
+                      <a:round/>
+                      <a:headEnd type="none" w="med" len="med"/>
+                      <a:tailEnd type="none" w="med" len="med"/>
+                    </a:lnT>
+                    <a:lnB w="6350" cap="flat" cmpd="sng" algn="ctr">
+                      <a:solidFill>
+                        <a:srgbClr val="000000"/>
+                      </a:solidFill>
+                      <a:prstDash val="solid"/>
+                      <a:round/>
+                      <a:headEnd type="none" w="med" len="med"/>
+                      <a:tailEnd type="none" w="med" len="med"/>
+                    </a:lnB>
+                    <a:solidFill>
+                      <a:schemeClr val="bg2">
+                        <a:lumMod val="40000"/>
+                        <a:lumOff val="60000"/>
+                      </a:schemeClr>
+                    </a:solidFill>
+                  </a:tcPr>
+                </a:tc>
+              </a:tr>
+              <a:tr h="373042">
+                <a:tc>
+                  <a:txBody>
+                    <a:bodyPr/>
+                    <a:lstStyle/>
+                    <a:p>
+                      <a:pPr algn="ctr" fontAlgn="ctr"/>
+                      <a:r>
+                        <a:rPr lang="zh-CN" altLang="en-US" sz="2400" b="0" i="0" u="none" strike="noStrike">
+                          <a:solidFill>
+                            <a:srgbClr val="000000"/>
+                          </a:solidFill>
+                          <a:effectLst/>
+                          <a:latin typeface="宋体" panose="02010600030101010101" pitchFamily="2" charset="-122"/>
+                          <a:ea typeface="宋体" panose="02010600030101010101" pitchFamily="2" charset="-122"/>
+                        </a:rPr>
+                        <a:t>百变推土机</a:t>
+                      </a:r>
+                    </a:p>
+                  </a:txBody>
+                  <a:tcPr marL="7620" marR="7620" marT="7620" marB="0" anchor="ctr">
+                    <a:lnL w="6350" cap="flat" cmpd="sng" algn="ctr">
+                      <a:solidFill>
+                        <a:srgbClr val="000000"/>
+                      </a:solidFill>
+                      <a:prstDash val="solid"/>
+                      <a:round/>
+                      <a:headEnd type="none" w="med" len="med"/>
+                      <a:tailEnd type="none" w="med" len="med"/>
+                    </a:lnL>
+                    <a:lnR w="6350" cap="flat" cmpd="sng" algn="ctr">
+                      <a:solidFill>
+                        <a:srgbClr val="000000"/>
+                      </a:solidFill>
+                      <a:prstDash val="solid"/>
+                      <a:round/>
+                      <a:headEnd type="none" w="med" len="med"/>
+                      <a:tailEnd type="none" w="med" len="med"/>
+                    </a:lnR>
+                    <a:lnT w="6350" cap="flat" cmpd="sng" algn="ctr">
+                      <a:solidFill>
+                        <a:srgbClr val="000000"/>
+                      </a:solidFill>
+                      <a:prstDash val="solid"/>
+                      <a:round/>
+                      <a:headEnd type="none" w="med" len="med"/>
+                      <a:tailEnd type="none" w="med" len="med"/>
+                    </a:lnT>
+                    <a:lnB w="6350" cap="flat" cmpd="sng" algn="ctr">
+                      <a:solidFill>
+                        <a:srgbClr val="000000"/>
+                      </a:solidFill>
+                      <a:prstDash val="solid"/>
+                      <a:round/>
+                      <a:headEnd type="none" w="med" len="med"/>
+                      <a:tailEnd type="none" w="med" len="med"/>
+                    </a:lnB>
+                    <a:solidFill>
+                      <a:schemeClr val="bg2">
+                        <a:lumMod val="40000"/>
+                        <a:lumOff val="60000"/>
+                      </a:schemeClr>
+                    </a:solidFill>
+                  </a:tcPr>
+                </a:tc>
+                <a:tc>
+                  <a:txBody>
+                    <a:bodyPr/>
+                    <a:lstStyle/>
+                    <a:p>
+                      <a:pPr algn="ctr" fontAlgn="ctr"/>
+                      <a:r>
+                        <a:rPr lang="en-US" altLang="zh-CN" sz="2400" b="0" i="0" u="none" strike="noStrike">
+                          <a:solidFill>
+                            <a:srgbClr val="000000"/>
+                          </a:solidFill>
+                          <a:effectLst/>
+                          <a:latin typeface="宋体" panose="02010600030101010101" pitchFamily="2" charset="-122"/>
+                          <a:ea typeface="宋体" panose="02010600030101010101" pitchFamily="2" charset="-122"/>
+                        </a:rPr>
+                        <a:t>0:09:02</a:t>
+                      </a:r>
+                    </a:p>
+                  </a:txBody>
+                  <a:tcPr marL="7620" marR="7620" marT="7620" marB="0" anchor="ctr">
+                    <a:lnL w="6350" cap="flat" cmpd="sng" algn="ctr">
+                      <a:solidFill>
+                        <a:srgbClr val="000000"/>
+                      </a:solidFill>
+                      <a:prstDash val="solid"/>
+                      <a:round/>
+                      <a:headEnd type="none" w="med" len="med"/>
+                      <a:tailEnd type="none" w="med" len="med"/>
+                    </a:lnL>
+                    <a:lnR w="6350" cap="flat" cmpd="sng" algn="ctr">
+                      <a:solidFill>
+                        <a:srgbClr val="000000"/>
+                      </a:solidFill>
+                      <a:prstDash val="solid"/>
+                      <a:round/>
+                      <a:headEnd type="none" w="med" len="med"/>
+                      <a:tailEnd type="none" w="med" len="med"/>
+                    </a:lnR>
+                    <a:lnT w="6350" cap="flat" cmpd="sng" algn="ctr">
+                      <a:solidFill>
+                        <a:srgbClr val="000000"/>
+                      </a:solidFill>
+                      <a:prstDash val="solid"/>
+                      <a:round/>
+                      <a:headEnd type="none" w="med" len="med"/>
+                      <a:tailEnd type="none" w="med" len="med"/>
+                    </a:lnT>
+                    <a:lnB w="6350" cap="flat" cmpd="sng" algn="ctr">
+                      <a:solidFill>
+                        <a:srgbClr val="000000"/>
+                      </a:solidFill>
+                      <a:prstDash val="solid"/>
+                      <a:round/>
+                      <a:headEnd type="none" w="med" len="med"/>
+                      <a:tailEnd type="none" w="med" len="med"/>
+                    </a:lnB>
+                    <a:solidFill>
+                      <a:schemeClr val="bg2">
+                        <a:lumMod val="40000"/>
+                        <a:lumOff val="60000"/>
+                      </a:schemeClr>
+                    </a:solidFill>
+                  </a:tcPr>
+                </a:tc>
+              </a:tr>
+              <a:tr h="373042">
+                <a:tc>
+                  <a:txBody>
+                    <a:bodyPr/>
+                    <a:lstStyle/>
+                    <a:p>
+                      <a:pPr algn="ctr" fontAlgn="ctr"/>
+                      <a:r>
+                        <a:rPr lang="zh-CN" altLang="en-US" sz="2400" b="0" i="0" u="none" strike="noStrike">
+                          <a:solidFill>
+                            <a:srgbClr val="000000"/>
+                          </a:solidFill>
+                          <a:effectLst/>
+                          <a:latin typeface="宋体" panose="02010600030101010101" pitchFamily="2" charset="-122"/>
+                          <a:ea typeface="宋体" panose="02010600030101010101" pitchFamily="2" charset="-122"/>
+                        </a:rPr>
+                        <a:t>百变赛车（遥控）</a:t>
+                      </a:r>
+                    </a:p>
+                  </a:txBody>
+                  <a:tcPr marL="7620" marR="7620" marT="7620" marB="0" anchor="ctr">
+                    <a:lnL w="6350" cap="flat" cmpd="sng" algn="ctr">
+                      <a:solidFill>
+                        <a:srgbClr val="000000"/>
+                      </a:solidFill>
+                      <a:prstDash val="solid"/>
+                      <a:round/>
+                      <a:headEnd type="none" w="med" len="med"/>
+                      <a:tailEnd type="none" w="med" len="med"/>
+                    </a:lnL>
+                    <a:lnR w="6350" cap="flat" cmpd="sng" algn="ctr">
+                      <a:solidFill>
+                        <a:srgbClr val="000000"/>
+                      </a:solidFill>
+                      <a:prstDash val="solid"/>
+                      <a:round/>
+                      <a:headEnd type="none" w="med" len="med"/>
+                      <a:tailEnd type="none" w="med" len="med"/>
+                    </a:lnR>
+                    <a:lnT w="6350" cap="flat" cmpd="sng" algn="ctr">
+                      <a:solidFill>
+                        <a:srgbClr val="000000"/>
+                      </a:solidFill>
+                      <a:prstDash val="solid"/>
+                      <a:round/>
+                      <a:headEnd type="none" w="med" len="med"/>
+                      <a:tailEnd type="none" w="med" len="med"/>
+                    </a:lnT>
+                    <a:lnB w="6350" cap="flat" cmpd="sng" algn="ctr">
+                      <a:solidFill>
+                        <a:srgbClr val="000000"/>
+                      </a:solidFill>
+                      <a:prstDash val="solid"/>
+                      <a:round/>
+                      <a:headEnd type="none" w="med" len="med"/>
+                      <a:tailEnd type="none" w="med" len="med"/>
+                    </a:lnB>
+                    <a:solidFill>
+                      <a:schemeClr val="bg2">
+                        <a:lumMod val="40000"/>
+                        <a:lumOff val="60000"/>
+                      </a:schemeClr>
+                    </a:solidFill>
+                  </a:tcPr>
+                </a:tc>
+                <a:tc>
+                  <a:txBody>
+                    <a:bodyPr/>
+                    <a:lstStyle/>
+                    <a:p>
+                      <a:pPr algn="ctr" fontAlgn="ctr"/>
+                      <a:r>
+                        <a:rPr lang="en-US" altLang="zh-CN" sz="2400" b="0" i="0" u="none" strike="noStrike">
+                          <a:solidFill>
+                            <a:srgbClr val="000000"/>
+                          </a:solidFill>
+                          <a:effectLst/>
+                          <a:latin typeface="宋体" panose="02010600030101010101" pitchFamily="2" charset="-122"/>
+                          <a:ea typeface="宋体" panose="02010600030101010101" pitchFamily="2" charset="-122"/>
+                        </a:rPr>
+                        <a:t>0:04:01</a:t>
+                      </a:r>
+                    </a:p>
+                  </a:txBody>
+                  <a:tcPr marL="7620" marR="7620" marT="7620" marB="0" anchor="ctr">
+                    <a:lnL w="6350" cap="flat" cmpd="sng" algn="ctr">
+                      <a:solidFill>
+                        <a:srgbClr val="000000"/>
+                      </a:solidFill>
+                      <a:prstDash val="solid"/>
+                      <a:round/>
+                      <a:headEnd type="none" w="med" len="med"/>
+                      <a:tailEnd type="none" w="med" len="med"/>
+                    </a:lnL>
+                    <a:lnR w="6350" cap="flat" cmpd="sng" algn="ctr">
+                      <a:solidFill>
+                        <a:srgbClr val="000000"/>
+                      </a:solidFill>
+                      <a:prstDash val="solid"/>
+                      <a:round/>
+                      <a:headEnd type="none" w="med" len="med"/>
+                      <a:tailEnd type="none" w="med" len="med"/>
+                    </a:lnR>
+                    <a:lnT w="6350" cap="flat" cmpd="sng" algn="ctr">
+                      <a:solidFill>
+                        <a:srgbClr val="000000"/>
+                      </a:solidFill>
+                      <a:prstDash val="solid"/>
+                      <a:round/>
+                      <a:headEnd type="none" w="med" len="med"/>
+                      <a:tailEnd type="none" w="med" len="med"/>
+                    </a:lnT>
+                    <a:lnB w="6350" cap="flat" cmpd="sng" algn="ctr">
+                      <a:solidFill>
+                        <a:srgbClr val="000000"/>
+                      </a:solidFill>
+                      <a:prstDash val="solid"/>
+                      <a:round/>
+                      <a:headEnd type="none" w="med" len="med"/>
+                      <a:tailEnd type="none" w="med" len="med"/>
+                    </a:lnB>
+                    <a:solidFill>
+                      <a:schemeClr val="bg2">
+                        <a:lumMod val="40000"/>
+                        <a:lumOff val="60000"/>
+                      </a:schemeClr>
+                    </a:solidFill>
+                  </a:tcPr>
+                </a:tc>
+              </a:tr>
+              <a:tr h="373042">
+                <a:tc>
+                  <a:txBody>
+                    <a:bodyPr/>
+                    <a:lstStyle/>
+                    <a:p>
+                      <a:pPr algn="ctr" fontAlgn="ctr"/>
+                      <a:r>
+                        <a:rPr lang="zh-CN" altLang="en-US" sz="2400" b="0" i="0" u="none" strike="noStrike">
+                          <a:solidFill>
+                            <a:srgbClr val="000000"/>
+                          </a:solidFill>
+                          <a:effectLst/>
+                          <a:latin typeface="宋体" panose="02010600030101010101" pitchFamily="2" charset="-122"/>
+                          <a:ea typeface="宋体" panose="02010600030101010101" pitchFamily="2" charset="-122"/>
+                        </a:rPr>
+                        <a:t>百变赛车</a:t>
+                      </a:r>
+                    </a:p>
+                  </a:txBody>
+                  <a:tcPr marL="7620" marR="7620" marT="7620" marB="0" anchor="ctr">
+                    <a:lnL w="6350" cap="flat" cmpd="sng" algn="ctr">
+                      <a:solidFill>
+                        <a:srgbClr val="000000"/>
+                      </a:solidFill>
+                      <a:prstDash val="solid"/>
+                      <a:round/>
+                      <a:headEnd type="none" w="med" len="med"/>
+                      <a:tailEnd type="none" w="med" len="med"/>
+                    </a:lnL>
+                    <a:lnR w="6350" cap="flat" cmpd="sng" algn="ctr">
+                      <a:solidFill>
+                        <a:srgbClr val="000000"/>
+                      </a:solidFill>
+                      <a:prstDash val="solid"/>
+                      <a:round/>
+                      <a:headEnd type="none" w="med" len="med"/>
+                      <a:tailEnd type="none" w="med" len="med"/>
+                    </a:lnR>
+                    <a:lnT w="6350" cap="flat" cmpd="sng" algn="ctr">
+                      <a:solidFill>
+                        <a:srgbClr val="000000"/>
+                      </a:solidFill>
+                      <a:prstDash val="solid"/>
+                      <a:round/>
+                      <a:headEnd type="none" w="med" len="med"/>
+                      <a:tailEnd type="none" w="med" len="med"/>
+                    </a:lnT>
+                    <a:lnB w="6350" cap="flat" cmpd="sng" algn="ctr">
+                      <a:solidFill>
+                        <a:srgbClr val="000000"/>
+                      </a:solidFill>
+                      <a:prstDash val="solid"/>
+                      <a:round/>
+                      <a:headEnd type="none" w="med" len="med"/>
+                      <a:tailEnd type="none" w="med" len="med"/>
+                    </a:lnB>
+                    <a:solidFill>
+                      <a:schemeClr val="bg2">
+                        <a:lumMod val="40000"/>
+                        <a:lumOff val="60000"/>
+                      </a:schemeClr>
+                    </a:solidFill>
+                  </a:tcPr>
+                </a:tc>
+                <a:tc>
+                  <a:txBody>
+                    <a:bodyPr/>
+                    <a:lstStyle/>
+                    <a:p>
+                      <a:pPr algn="ctr" fontAlgn="ctr"/>
+                      <a:r>
+                        <a:rPr lang="en-US" altLang="zh-CN" sz="2400" b="0" i="0" u="none" strike="noStrike">
+                          <a:solidFill>
+                            <a:srgbClr val="000000"/>
+                          </a:solidFill>
+                          <a:effectLst/>
+                          <a:latin typeface="宋体" panose="02010600030101010101" pitchFamily="2" charset="-122"/>
+                          <a:ea typeface="宋体" panose="02010600030101010101" pitchFamily="2" charset="-122"/>
+                        </a:rPr>
+                        <a:t>0:11:47</a:t>
+                      </a:r>
+                    </a:p>
+                  </a:txBody>
+                  <a:tcPr marL="7620" marR="7620" marT="7620" marB="0" anchor="ctr">
+                    <a:lnL w="6350" cap="flat" cmpd="sng" algn="ctr">
+                      <a:solidFill>
+                        <a:srgbClr val="000000"/>
+                      </a:solidFill>
+                      <a:prstDash val="solid"/>
+                      <a:round/>
+                      <a:headEnd type="none" w="med" len="med"/>
+                      <a:tailEnd type="none" w="med" len="med"/>
+                    </a:lnL>
+                    <a:lnR w="6350" cap="flat" cmpd="sng" algn="ctr">
+                      <a:solidFill>
+                        <a:srgbClr val="000000"/>
+                      </a:solidFill>
+                      <a:prstDash val="solid"/>
+                      <a:round/>
+                      <a:headEnd type="none" w="med" len="med"/>
+                      <a:tailEnd type="none" w="med" len="med"/>
+                    </a:lnR>
+                    <a:lnT w="6350" cap="flat" cmpd="sng" algn="ctr">
+                      <a:solidFill>
+                        <a:srgbClr val="000000"/>
+                      </a:solidFill>
+                      <a:prstDash val="solid"/>
+                      <a:round/>
+                      <a:headEnd type="none" w="med" len="med"/>
+                      <a:tailEnd type="none" w="med" len="med"/>
+                    </a:lnT>
+                    <a:lnB w="6350" cap="flat" cmpd="sng" algn="ctr">
+                      <a:solidFill>
+                        <a:srgbClr val="000000"/>
+                      </a:solidFill>
+                      <a:prstDash val="solid"/>
+                      <a:round/>
+                      <a:headEnd type="none" w="med" len="med"/>
+                      <a:tailEnd type="none" w="med" len="med"/>
+                    </a:lnB>
+                    <a:solidFill>
+                      <a:schemeClr val="bg2">
+                        <a:lumMod val="40000"/>
+                        <a:lumOff val="60000"/>
+                      </a:schemeClr>
+                    </a:solidFill>
+                  </a:tcPr>
+                </a:tc>
+              </a:tr>
+              <a:tr h="373042">
+                <a:tc>
+                  <a:txBody>
+                    <a:bodyPr/>
+                    <a:lstStyle/>
+                    <a:p>
+                      <a:pPr algn="ctr" fontAlgn="ctr"/>
+                      <a:r>
+                        <a:rPr lang="zh-CN" altLang="en-US" sz="2400" b="0" i="0" u="none" strike="noStrike">
+                          <a:solidFill>
+                            <a:srgbClr val="000000"/>
+                          </a:solidFill>
+                          <a:effectLst/>
+                          <a:latin typeface="宋体" panose="02010600030101010101" pitchFamily="2" charset="-122"/>
+                          <a:ea typeface="宋体" panose="02010600030101010101" pitchFamily="2" charset="-122"/>
+                        </a:rPr>
+                        <a:t>百变箱式拖车（遥控）</a:t>
+                      </a:r>
+                    </a:p>
+                  </a:txBody>
+                  <a:tcPr marL="7620" marR="7620" marT="7620" marB="0" anchor="ctr">
+                    <a:lnL w="6350" cap="flat" cmpd="sng" algn="ctr">
+                      <a:solidFill>
+                        <a:srgbClr val="000000"/>
+                      </a:solidFill>
+                      <a:prstDash val="solid"/>
+                      <a:round/>
+                      <a:headEnd type="none" w="med" len="med"/>
+                      <a:tailEnd type="none" w="med" len="med"/>
+                    </a:lnL>
+                    <a:lnR w="6350" cap="flat" cmpd="sng" algn="ctr">
+                      <a:solidFill>
+                        <a:srgbClr val="000000"/>
+                      </a:solidFill>
+                      <a:prstDash val="solid"/>
+                      <a:round/>
+                      <a:headEnd type="none" w="med" len="med"/>
+                      <a:tailEnd type="none" w="med" len="med"/>
+                    </a:lnR>
+                    <a:lnT w="6350" cap="flat" cmpd="sng" algn="ctr">
+                      <a:solidFill>
+                        <a:srgbClr val="000000"/>
+                      </a:solidFill>
+                      <a:prstDash val="solid"/>
+                      <a:round/>
+                      <a:headEnd type="none" w="med" len="med"/>
+                      <a:tailEnd type="none" w="med" len="med"/>
+                    </a:lnT>
+                    <a:lnB w="6350" cap="flat" cmpd="sng" algn="ctr">
+                      <a:solidFill>
+                        <a:srgbClr val="000000"/>
+                      </a:solidFill>
+                      <a:prstDash val="solid"/>
+                      <a:round/>
+                      <a:headEnd type="none" w="med" len="med"/>
+                      <a:tailEnd type="none" w="med" len="med"/>
+                    </a:lnB>
+                    <a:solidFill>
+                      <a:schemeClr val="bg2">
+                        <a:lumMod val="40000"/>
+                        <a:lumOff val="60000"/>
+                      </a:schemeClr>
+                    </a:solidFill>
+                  </a:tcPr>
+                </a:tc>
+                <a:tc>
+                  <a:txBody>
+                    <a:bodyPr/>
+                    <a:lstStyle/>
+                    <a:p>
+                      <a:pPr algn="ctr" fontAlgn="ctr"/>
+                      <a:r>
+                        <a:rPr lang="en-US" altLang="zh-CN" sz="2400" b="0" i="0" u="none" strike="noStrike">
+                          <a:solidFill>
+                            <a:srgbClr val="000000"/>
+                          </a:solidFill>
+                          <a:effectLst/>
+                          <a:latin typeface="宋体" panose="02010600030101010101" pitchFamily="2" charset="-122"/>
+                          <a:ea typeface="宋体" panose="02010600030101010101" pitchFamily="2" charset="-122"/>
+                        </a:rPr>
+                        <a:t>0:13:14</a:t>
+                      </a:r>
+                    </a:p>
+                  </a:txBody>
+                  <a:tcPr marL="7620" marR="7620" marT="7620" marB="0" anchor="ctr">
+                    <a:lnL w="6350" cap="flat" cmpd="sng" algn="ctr">
+                      <a:solidFill>
+                        <a:srgbClr val="000000"/>
+                      </a:solidFill>
+                      <a:prstDash val="solid"/>
+                      <a:round/>
+                      <a:headEnd type="none" w="med" len="med"/>
+                      <a:tailEnd type="none" w="med" len="med"/>
+                    </a:lnL>
+                    <a:lnR w="6350" cap="flat" cmpd="sng" algn="ctr">
+                      <a:solidFill>
+                        <a:srgbClr val="000000"/>
+                      </a:solidFill>
+                      <a:prstDash val="solid"/>
+                      <a:round/>
+                      <a:headEnd type="none" w="med" len="med"/>
+                      <a:tailEnd type="none" w="med" len="med"/>
+                    </a:lnR>
+                    <a:lnT w="6350" cap="flat" cmpd="sng" algn="ctr">
+                      <a:solidFill>
+                        <a:srgbClr val="000000"/>
+                      </a:solidFill>
+                      <a:prstDash val="solid"/>
+                      <a:round/>
+                      <a:headEnd type="none" w="med" len="med"/>
+                      <a:tailEnd type="none" w="med" len="med"/>
+                    </a:lnT>
+                    <a:lnB w="6350" cap="flat" cmpd="sng" algn="ctr">
+                      <a:solidFill>
+                        <a:srgbClr val="000000"/>
+                      </a:solidFill>
+                      <a:prstDash val="solid"/>
+                      <a:round/>
+                      <a:headEnd type="none" w="med" len="med"/>
+                      <a:tailEnd type="none" w="med" len="med"/>
+                    </a:lnB>
+                    <a:solidFill>
+                      <a:schemeClr val="bg2">
+                        <a:lumMod val="40000"/>
+                        <a:lumOff val="60000"/>
+                      </a:schemeClr>
+                    </a:solidFill>
+                  </a:tcPr>
+                </a:tc>
+              </a:tr>
+              <a:tr h="373042">
+                <a:tc>
+                  <a:txBody>
+                    <a:bodyPr/>
+                    <a:lstStyle/>
+                    <a:p>
+                      <a:pPr algn="ctr" fontAlgn="ctr"/>
+                      <a:r>
+                        <a:rPr lang="zh-CN" altLang="en-US" sz="2400" b="0" i="0" u="none" strike="noStrike">
+                          <a:solidFill>
+                            <a:srgbClr val="000000"/>
+                          </a:solidFill>
+                          <a:effectLst/>
+                          <a:latin typeface="宋体" panose="02010600030101010101" pitchFamily="2" charset="-122"/>
+                          <a:ea typeface="宋体" panose="02010600030101010101" pitchFamily="2" charset="-122"/>
+                        </a:rPr>
+                        <a:t>百变清洁车</a:t>
+                      </a:r>
+                    </a:p>
+                  </a:txBody>
+                  <a:tcPr marL="7620" marR="7620" marT="7620" marB="0" anchor="ctr">
+                    <a:lnL w="6350" cap="flat" cmpd="sng" algn="ctr">
+                      <a:solidFill>
+                        <a:srgbClr val="000000"/>
+                      </a:solidFill>
+                      <a:prstDash val="solid"/>
+                      <a:round/>
+                      <a:headEnd type="none" w="med" len="med"/>
+                      <a:tailEnd type="none" w="med" len="med"/>
+                    </a:lnL>
+                    <a:lnR w="6350" cap="flat" cmpd="sng" algn="ctr">
+                      <a:solidFill>
+                        <a:srgbClr val="000000"/>
+                      </a:solidFill>
+                      <a:prstDash val="solid"/>
+                      <a:round/>
+                      <a:headEnd type="none" w="med" len="med"/>
+                      <a:tailEnd type="none" w="med" len="med"/>
+                    </a:lnR>
+                    <a:lnT w="6350" cap="flat" cmpd="sng" algn="ctr">
+                      <a:solidFill>
+                        <a:srgbClr val="000000"/>
+                      </a:solidFill>
+                      <a:prstDash val="solid"/>
+                      <a:round/>
+                      <a:headEnd type="none" w="med" len="med"/>
+                      <a:tailEnd type="none" w="med" len="med"/>
+                    </a:lnT>
+                    <a:lnB w="6350" cap="flat" cmpd="sng" algn="ctr">
+                      <a:solidFill>
+                        <a:srgbClr val="000000"/>
+                      </a:solidFill>
+                      <a:prstDash val="solid"/>
+                      <a:round/>
+                      <a:headEnd type="none" w="med" len="med"/>
+                      <a:tailEnd type="none" w="med" len="med"/>
+                    </a:lnB>
+                    <a:solidFill>
+                      <a:schemeClr val="bg2">
+                        <a:lumMod val="40000"/>
+                        <a:lumOff val="60000"/>
+                      </a:schemeClr>
+                    </a:solidFill>
+                  </a:tcPr>
+                </a:tc>
+                <a:tc>
+                  <a:txBody>
+                    <a:bodyPr/>
+                    <a:lstStyle/>
+                    <a:p>
+                      <a:pPr algn="ctr" fontAlgn="ctr"/>
+                      <a:r>
+                        <a:rPr lang="en-US" altLang="zh-CN" sz="2400" b="0" i="0" u="none" strike="noStrike" dirty="0">
+                          <a:solidFill>
+                            <a:srgbClr val="000000"/>
+                          </a:solidFill>
+                          <a:effectLst/>
+                          <a:latin typeface="宋体" panose="02010600030101010101" pitchFamily="2" charset="-122"/>
+                          <a:ea typeface="宋体" panose="02010600030101010101" pitchFamily="2" charset="-122"/>
+                        </a:rPr>
+                        <a:t>0:16:51</a:t>
+                      </a:r>
+                    </a:p>
+                  </a:txBody>
+                  <a:tcPr marL="7620" marR="7620" marT="7620" marB="0" anchor="ctr">
+                    <a:lnL w="6350" cap="flat" cmpd="sng" algn="ctr">
+                      <a:solidFill>
+                        <a:srgbClr val="000000"/>
+                      </a:solidFill>
+                      <a:prstDash val="solid"/>
+                      <a:round/>
+                      <a:headEnd type="none" w="med" len="med"/>
+                      <a:tailEnd type="none" w="med" len="med"/>
+                    </a:lnL>
+                    <a:lnR w="6350" cap="flat" cmpd="sng" algn="ctr">
+                      <a:solidFill>
+                        <a:srgbClr val="000000"/>
+                      </a:solidFill>
+                      <a:prstDash val="solid"/>
+                      <a:round/>
+                      <a:headEnd type="none" w="med" len="med"/>
+                      <a:tailEnd type="none" w="med" len="med"/>
+                    </a:lnR>
+                    <a:lnT w="6350" cap="flat" cmpd="sng" algn="ctr">
+                      <a:solidFill>
+                        <a:srgbClr val="000000"/>
+                      </a:solidFill>
+                      <a:prstDash val="solid"/>
+                      <a:round/>
+                      <a:headEnd type="none" w="med" len="med"/>
+                      <a:tailEnd type="none" w="med" len="med"/>
+                    </a:lnT>
+                    <a:lnB w="6350" cap="flat" cmpd="sng" algn="ctr">
+                      <a:solidFill>
+                        <a:srgbClr val="000000"/>
+                      </a:solidFill>
+                      <a:prstDash val="solid"/>
+                      <a:round/>
+                      <a:headEnd type="none" w="med" len="med"/>
+                      <a:tailEnd type="none" w="med" len="med"/>
+                    </a:lnB>
+                    <a:solidFill>
+                      <a:schemeClr val="bg2">
+                        <a:lumMod val="40000"/>
+                        <a:lumOff val="60000"/>
+                      </a:schemeClr>
+                    </a:solidFill>
+                  </a:tcPr>
+                </a:tc>
+              </a:tr>
+            </a:tbl>
+          </a:graphicData>
+        </a:graphic>
+      </p:graphicFrame>
+      <p:sp>
+        <p:nvSpPr>
+          <p:cNvPr id="5" name="1、新增活跃用户占比：22%"/>
+          <p:cNvSpPr txBox="1"/>
+          <p:nvPr/>
+        </p:nvSpPr>
+        <p:spPr>
+          <a:xfrm>
+            <a:off x="3076768" y="-1"/>
+            <a:ext cx="718145" cy="595035"/>
+          </a:xfrm>
+          <a:prstGeom prst="rect">
+            <a:avLst/>
+          </a:prstGeom>
+          <a:ln w="12700">
+            <a:miter lim="400000"/>
+          </a:ln>
+          <a:extLst>
+            <a:ext uri="{C572A759-6A51-4108-AA02-DFA0A04FC94B}">
+              <ma14:wrappingTextBoxFlag xmlns:ma14="http://schemas.microsoft.com/office/mac/drawingml/2011/main" xmlns="" val="1"/>
+            </a:ext>
+          </a:extLst>
+        </p:spPr>
+        <p:txBody>
+          <a:bodyPr wrap="none" lIns="50800" tIns="50800" rIns="50800" bIns="50800" anchor="ctr">
+            <a:spAutoFit/>
+          </a:bodyPr>
+          <a:lstStyle>
+            <a:lvl1pPr>
+              <a:defRPr sz="3600">
+                <a:latin typeface="Heiti SC Light"/>
+                <a:ea typeface="Heiti SC Light"/>
+                <a:cs typeface="Heiti SC Light"/>
+                <a:sym typeface="Heiti SC Light"/>
+              </a:defRPr>
+            </a:lvl1pPr>
+          </a:lstStyle>
+          <a:p>
+            <a:pPr algn="l"/>
+            <a:r>
+              <a:rPr lang="en-US" altLang="zh-CN" sz="3200" dirty="0" smtClean="0"/>
+              <a:t>iOS</a:t>
+            </a:r>
+            <a:endParaRPr sz="3200" dirty="0"/>
+          </a:p>
+        </p:txBody>
+      </p:sp>
+      <p:sp>
+        <p:nvSpPr>
+          <p:cNvPr id="6" name="1、新增活跃用户占比：22%"/>
+          <p:cNvSpPr txBox="1"/>
+          <p:nvPr/>
+        </p:nvSpPr>
+        <p:spPr>
+          <a:xfrm>
+            <a:off x="8457990" y="0"/>
+            <a:ext cx="1538883" cy="595035"/>
+          </a:xfrm>
+          <a:prstGeom prst="rect">
+            <a:avLst/>
+          </a:prstGeom>
+          <a:ln w="12700">
+            <a:miter lim="400000"/>
+          </a:ln>
+          <a:extLst>
+            <a:ext uri="{C572A759-6A51-4108-AA02-DFA0A04FC94B}">
+              <ma14:wrappingTextBoxFlag xmlns:ma14="http://schemas.microsoft.com/office/mac/drawingml/2011/main" xmlns="" val="1"/>
+            </a:ext>
+          </a:extLst>
+        </p:spPr>
+        <p:txBody>
+          <a:bodyPr wrap="none" lIns="50800" tIns="50800" rIns="50800" bIns="50800" anchor="ctr">
+            <a:spAutoFit/>
+          </a:bodyPr>
+          <a:lstStyle>
+            <a:lvl1pPr>
+              <a:defRPr sz="3600">
+                <a:latin typeface="Heiti SC Light"/>
+                <a:ea typeface="Heiti SC Light"/>
+                <a:cs typeface="Heiti SC Light"/>
+                <a:sym typeface="Heiti SC Light"/>
+              </a:defRPr>
+            </a:lvl1pPr>
+          </a:lstStyle>
+          <a:p>
+            <a:pPr algn="l"/>
+            <a:r>
+              <a:rPr lang="en-US" altLang="zh-CN" sz="3200" dirty="0" smtClean="0"/>
+              <a:t>Android</a:t>
+            </a:r>
+          </a:p>
+        </p:txBody>
+      </p:sp>
+    </p:spTree>
+    <p:extLst>
+      <p:ext uri="{BB962C8B-B14F-4D97-AF65-F5344CB8AC3E}">
+        <p14:creationId xmlns:p14="http://schemas.microsoft.com/office/powerpoint/2010/main" val="2624590402"/>
+      </p:ext>
+    </p:extLst>
+  </p:cSld>
+  <p:clrMapOvr>
+    <a:masterClrMapping/>
+  </p:clrMapOvr>
+  <p:transition spd="med"/>
 </p:sld>
 </file>
 
